--- a/react_offline_talk.pptx
+++ b/react_offline_talk.pptx
@@ -5,26 +5,32 @@
     <p:sldMasterId id="2147483726" r:id="rId1"/>
   </p:sldMasterIdLst>
   <p:notesMasterIdLst>
-    <p:notesMasterId r:id="rId19"/>
+    <p:notesMasterId r:id="rId25"/>
   </p:notesMasterIdLst>
   <p:sldIdLst>
     <p:sldId id="256" r:id="rId2"/>
     <p:sldId id="268" r:id="rId3"/>
     <p:sldId id="263" r:id="rId4"/>
-    <p:sldId id="270" r:id="rId5"/>
-    <p:sldId id="258" r:id="rId6"/>
-    <p:sldId id="260" r:id="rId7"/>
-    <p:sldId id="259" r:id="rId8"/>
-    <p:sldId id="261" r:id="rId9"/>
-    <p:sldId id="272" r:id="rId10"/>
-    <p:sldId id="262" r:id="rId11"/>
-    <p:sldId id="269" r:id="rId12"/>
-    <p:sldId id="271" r:id="rId13"/>
-    <p:sldId id="273" r:id="rId14"/>
-    <p:sldId id="264" r:id="rId15"/>
-    <p:sldId id="274" r:id="rId16"/>
-    <p:sldId id="275" r:id="rId17"/>
-    <p:sldId id="266" r:id="rId18"/>
+    <p:sldId id="281" r:id="rId5"/>
+    <p:sldId id="270" r:id="rId6"/>
+    <p:sldId id="258" r:id="rId7"/>
+    <p:sldId id="260" r:id="rId8"/>
+    <p:sldId id="259" r:id="rId9"/>
+    <p:sldId id="261" r:id="rId10"/>
+    <p:sldId id="272" r:id="rId11"/>
+    <p:sldId id="262" r:id="rId12"/>
+    <p:sldId id="280" r:id="rId13"/>
+    <p:sldId id="269" r:id="rId14"/>
+    <p:sldId id="271" r:id="rId15"/>
+    <p:sldId id="273" r:id="rId16"/>
+    <p:sldId id="277" r:id="rId17"/>
+    <p:sldId id="264" r:id="rId18"/>
+    <p:sldId id="278" r:id="rId19"/>
+    <p:sldId id="276" r:id="rId20"/>
+    <p:sldId id="279" r:id="rId21"/>
+    <p:sldId id="274" r:id="rId22"/>
+    <p:sldId id="275" r:id="rId23"/>
+    <p:sldId id="266" r:id="rId24"/>
   </p:sldIdLst>
   <p:sldSz cx="12192000" cy="6858000"/>
   <p:notesSz cx="6858000" cy="9144000"/>
@@ -525,37 +531,26 @@
           <a:bodyPr/>
           <a:lstStyle/>
           <a:p>
-            <a:pPr marL="0" marR="0" indent="0" algn="l" defTabSz="914400" rtl="0" eaLnBrk="1" fontAlgn="auto" latinLnBrk="0" hangingPunct="1">
-              <a:lnSpc>
-                <a:spcPct val="100000"/>
-              </a:lnSpc>
-              <a:spcBef>
-                <a:spcPts val="0"/>
-              </a:spcBef>
-              <a:spcAft>
-                <a:spcPts val="0"/>
-              </a:spcAft>
-              <a:buClrTx/>
-              <a:buSzTx/>
-              <a:buFontTx/>
-              <a:buNone/>
-              <a:tabLst/>
-              <a:defRPr/>
-            </a:pPr>
             <a:r>
               <a:rPr lang="en-US" dirty="0" smtClean="0"/>
-              <a:t>React Native ships with the </a:t>
-            </a:r>
-            <a:r>
-              <a:rPr lang="en-US" dirty="0" err="1" smtClean="0"/>
-              <a:t>NetInfo</a:t>
-            </a:r>
-            <a:r>
-              <a:rPr lang="en-US" dirty="0" smtClean="0"/>
-              <a:t> module in order to detect internet connectivity. The API is pretty basic and it may be sufficient for small apps but its usage gets cumbersome as your app grows. Besides that, it only detects network connectivity and does not guarantee internet access so it can provide false positives.</a:t>
-            </a:r>
-          </a:p>
-          <a:p>
+              <a:t>- This</a:t>
+            </a:r>
+            <a:r>
+              <a:rPr lang="en-US" baseline="0" dirty="0" smtClean="0"/>
+              <a:t> talk assumes a working knowledge of react native, redux, recompose, and higher order components. It is meant to be a </a:t>
+            </a:r>
+            <a:r>
+              <a:rPr lang="en-US" baseline="0" smtClean="0"/>
+              <a:t>simple explanation </a:t>
+            </a:r>
+            <a:r>
+              <a:rPr lang="en-US" baseline="0" dirty="0" smtClean="0"/>
+              <a:t>of how to add basic offline capabilities to any </a:t>
+            </a:r>
+            <a:r>
+              <a:rPr lang="en-US" baseline="0" smtClean="0"/>
+              <a:t>react native app.</a:t>
+            </a:r>
             <a:endParaRPr lang="en-US" dirty="0"/>
           </a:p>
         </p:txBody>
@@ -577,7 +572,7 @@
           <a:p>
             <a:fld id="{5450D3AD-83DA-F14F-BC42-147EEC5EDD61}" type="slidenum">
               <a:rPr lang="en-US" smtClean="0"/>
-              <a:t>5</a:t>
+              <a:t>4</a:t>
             </a:fld>
             <a:endParaRPr lang="en-US"/>
           </a:p>
@@ -586,7 +581,259 @@
     </p:spTree>
     <p:extLst>
       <p:ext uri="{BB962C8B-B14F-4D97-AF65-F5344CB8AC3E}">
-        <p14:creationId xmlns:p14="http://schemas.microsoft.com/office/powerpoint/2010/main" val="1128285962"/>
+        <p14:creationId xmlns:p14="http://schemas.microsoft.com/office/powerpoint/2010/main" val="626217235"/>
+      </p:ext>
+    </p:extLst>
+  </p:cSld>
+  <p:clrMapOvr>
+    <a:masterClrMapping/>
+  </p:clrMapOvr>
+</p:notes>
+</file>
+
+<file path=ppt/notesSlides/notesSlide10.xml><?xml version="1.0" encoding="utf-8"?>
+<p:notes xmlns:a="http://schemas.openxmlformats.org/drawingml/2006/main" xmlns:r="http://schemas.openxmlformats.org/officeDocument/2006/relationships" xmlns:p="http://schemas.openxmlformats.org/presentationml/2006/main">
+  <p:cSld>
+    <p:spTree>
+      <p:nvGrpSpPr>
+        <p:cNvPr id="1" name=""/>
+        <p:cNvGrpSpPr/>
+        <p:nvPr/>
+      </p:nvGrpSpPr>
+      <p:grpSpPr>
+        <a:xfrm>
+          <a:off x="0" y="0"/>
+          <a:ext cx="0" cy="0"/>
+          <a:chOff x="0" y="0"/>
+          <a:chExt cx="0" cy="0"/>
+        </a:xfrm>
+      </p:grpSpPr>
+      <p:sp>
+        <p:nvSpPr>
+          <p:cNvPr id="2" name="Slide Image Placeholder 1"/>
+          <p:cNvSpPr>
+            <a:spLocks noGrp="1" noRot="1" noChangeAspect="1"/>
+          </p:cNvSpPr>
+          <p:nvPr>
+            <p:ph type="sldImg"/>
+          </p:nvPr>
+        </p:nvSpPr>
+        <p:spPr/>
+      </p:sp>
+      <p:sp>
+        <p:nvSpPr>
+          <p:cNvPr id="3" name="Notes Placeholder 2"/>
+          <p:cNvSpPr>
+            <a:spLocks noGrp="1"/>
+          </p:cNvSpPr>
+          <p:nvPr>
+            <p:ph type="body" idx="1"/>
+          </p:nvPr>
+        </p:nvSpPr>
+        <p:spPr/>
+        <p:txBody>
+          <a:bodyPr/>
+          <a:lstStyle/>
+          <a:p>
+            <a:endParaRPr lang="en-US" dirty="0"/>
+          </a:p>
+        </p:txBody>
+      </p:sp>
+      <p:sp>
+        <p:nvSpPr>
+          <p:cNvPr id="4" name="Slide Number Placeholder 3"/>
+          <p:cNvSpPr>
+            <a:spLocks noGrp="1"/>
+          </p:cNvSpPr>
+          <p:nvPr>
+            <p:ph type="sldNum" sz="quarter" idx="10"/>
+          </p:nvPr>
+        </p:nvSpPr>
+        <p:spPr/>
+        <p:txBody>
+          <a:bodyPr/>
+          <a:lstStyle/>
+          <a:p>
+            <a:fld id="{5450D3AD-83DA-F14F-BC42-147EEC5EDD61}" type="slidenum">
+              <a:rPr lang="en-US" smtClean="0"/>
+              <a:t>20</a:t>
+            </a:fld>
+            <a:endParaRPr lang="en-US"/>
+          </a:p>
+        </p:txBody>
+      </p:sp>
+    </p:spTree>
+    <p:extLst>
+      <p:ext uri="{BB962C8B-B14F-4D97-AF65-F5344CB8AC3E}">
+        <p14:creationId xmlns:p14="http://schemas.microsoft.com/office/powerpoint/2010/main" val="262998548"/>
+      </p:ext>
+    </p:extLst>
+  </p:cSld>
+  <p:clrMapOvr>
+    <a:masterClrMapping/>
+  </p:clrMapOvr>
+</p:notes>
+</file>
+
+<file path=ppt/notesSlides/notesSlide11.xml><?xml version="1.0" encoding="utf-8"?>
+<p:notes xmlns:a="http://schemas.openxmlformats.org/drawingml/2006/main" xmlns:r="http://schemas.openxmlformats.org/officeDocument/2006/relationships" xmlns:p="http://schemas.openxmlformats.org/presentationml/2006/main">
+  <p:cSld>
+    <p:spTree>
+      <p:nvGrpSpPr>
+        <p:cNvPr id="1" name=""/>
+        <p:cNvGrpSpPr/>
+        <p:nvPr/>
+      </p:nvGrpSpPr>
+      <p:grpSpPr>
+        <a:xfrm>
+          <a:off x="0" y="0"/>
+          <a:ext cx="0" cy="0"/>
+          <a:chOff x="0" y="0"/>
+          <a:chExt cx="0" cy="0"/>
+        </a:xfrm>
+      </p:grpSpPr>
+      <p:sp>
+        <p:nvSpPr>
+          <p:cNvPr id="2" name="Slide Image Placeholder 1"/>
+          <p:cNvSpPr>
+            <a:spLocks noGrp="1" noRot="1" noChangeAspect="1"/>
+          </p:cNvSpPr>
+          <p:nvPr>
+            <p:ph type="sldImg"/>
+          </p:nvPr>
+        </p:nvSpPr>
+        <p:spPr/>
+      </p:sp>
+      <p:sp>
+        <p:nvSpPr>
+          <p:cNvPr id="3" name="Notes Placeholder 2"/>
+          <p:cNvSpPr>
+            <a:spLocks noGrp="1"/>
+          </p:cNvSpPr>
+          <p:nvPr>
+            <p:ph type="body" idx="1"/>
+          </p:nvPr>
+        </p:nvSpPr>
+        <p:spPr/>
+        <p:txBody>
+          <a:bodyPr/>
+          <a:lstStyle/>
+          <a:p>
+            <a:endParaRPr lang="en-US" dirty="0"/>
+          </a:p>
+        </p:txBody>
+      </p:sp>
+      <p:sp>
+        <p:nvSpPr>
+          <p:cNvPr id="4" name="Slide Number Placeholder 3"/>
+          <p:cNvSpPr>
+            <a:spLocks noGrp="1"/>
+          </p:cNvSpPr>
+          <p:nvPr>
+            <p:ph type="sldNum" sz="quarter" idx="10"/>
+          </p:nvPr>
+        </p:nvSpPr>
+        <p:spPr/>
+        <p:txBody>
+          <a:bodyPr/>
+          <a:lstStyle/>
+          <a:p>
+            <a:fld id="{5450D3AD-83DA-F14F-BC42-147EEC5EDD61}" type="slidenum">
+              <a:rPr lang="en-US" smtClean="0"/>
+              <a:t>21</a:t>
+            </a:fld>
+            <a:endParaRPr lang="en-US"/>
+          </a:p>
+        </p:txBody>
+      </p:sp>
+    </p:spTree>
+    <p:extLst>
+      <p:ext uri="{BB962C8B-B14F-4D97-AF65-F5344CB8AC3E}">
+        <p14:creationId xmlns:p14="http://schemas.microsoft.com/office/powerpoint/2010/main" val="1326628179"/>
+      </p:ext>
+    </p:extLst>
+  </p:cSld>
+  <p:clrMapOvr>
+    <a:masterClrMapping/>
+  </p:clrMapOvr>
+</p:notes>
+</file>
+
+<file path=ppt/notesSlides/notesSlide12.xml><?xml version="1.0" encoding="utf-8"?>
+<p:notes xmlns:a="http://schemas.openxmlformats.org/drawingml/2006/main" xmlns:r="http://schemas.openxmlformats.org/officeDocument/2006/relationships" xmlns:p="http://schemas.openxmlformats.org/presentationml/2006/main">
+  <p:cSld>
+    <p:spTree>
+      <p:nvGrpSpPr>
+        <p:cNvPr id="1" name=""/>
+        <p:cNvGrpSpPr/>
+        <p:nvPr/>
+      </p:nvGrpSpPr>
+      <p:grpSpPr>
+        <a:xfrm>
+          <a:off x="0" y="0"/>
+          <a:ext cx="0" cy="0"/>
+          <a:chOff x="0" y="0"/>
+          <a:chExt cx="0" cy="0"/>
+        </a:xfrm>
+      </p:grpSpPr>
+      <p:sp>
+        <p:nvSpPr>
+          <p:cNvPr id="2" name="Slide Image Placeholder 1"/>
+          <p:cNvSpPr>
+            <a:spLocks noGrp="1" noRot="1" noChangeAspect="1"/>
+          </p:cNvSpPr>
+          <p:nvPr>
+            <p:ph type="sldImg"/>
+          </p:nvPr>
+        </p:nvSpPr>
+        <p:spPr/>
+      </p:sp>
+      <p:sp>
+        <p:nvSpPr>
+          <p:cNvPr id="3" name="Notes Placeholder 2"/>
+          <p:cNvSpPr>
+            <a:spLocks noGrp="1"/>
+          </p:cNvSpPr>
+          <p:nvPr>
+            <p:ph type="body" idx="1"/>
+          </p:nvPr>
+        </p:nvSpPr>
+        <p:spPr/>
+        <p:txBody>
+          <a:bodyPr/>
+          <a:lstStyle/>
+          <a:p>
+            <a:endParaRPr lang="en-US" dirty="0"/>
+          </a:p>
+        </p:txBody>
+      </p:sp>
+      <p:sp>
+        <p:nvSpPr>
+          <p:cNvPr id="4" name="Slide Number Placeholder 3"/>
+          <p:cNvSpPr>
+            <a:spLocks noGrp="1"/>
+          </p:cNvSpPr>
+          <p:nvPr>
+            <p:ph type="sldNum" sz="quarter" idx="10"/>
+          </p:nvPr>
+        </p:nvSpPr>
+        <p:spPr/>
+        <p:txBody>
+          <a:bodyPr/>
+          <a:lstStyle/>
+          <a:p>
+            <a:fld id="{5450D3AD-83DA-F14F-BC42-147EEC5EDD61}" type="slidenum">
+              <a:rPr lang="en-US" smtClean="0"/>
+              <a:t>23</a:t>
+            </a:fld>
+            <a:endParaRPr lang="en-US"/>
+          </a:p>
+        </p:txBody>
+      </p:sp>
+    </p:spTree>
+    <p:extLst>
+      <p:ext uri="{BB962C8B-B14F-4D97-AF65-F5344CB8AC3E}">
+        <p14:creationId xmlns:p14="http://schemas.microsoft.com/office/powerpoint/2010/main" val="168469451"/>
       </p:ext>
     </p:extLst>
   </p:cSld>
@@ -640,525 +887,34 @@
           <a:bodyPr/>
           <a:lstStyle/>
           <a:p>
+            <a:pPr marL="0" marR="0" indent="0" algn="l" defTabSz="914400" rtl="0" eaLnBrk="1" fontAlgn="auto" latinLnBrk="0" hangingPunct="1">
+              <a:lnSpc>
+                <a:spcPct val="100000"/>
+              </a:lnSpc>
+              <a:spcBef>
+                <a:spcPts val="0"/>
+              </a:spcBef>
+              <a:spcAft>
+                <a:spcPts val="0"/>
+              </a:spcAft>
+              <a:buClrTx/>
+              <a:buSzTx/>
+              <a:buFontTx/>
+              <a:buNone/>
+              <a:tabLst/>
+              <a:defRPr/>
+            </a:pPr>
+            <a:r>
+              <a:rPr lang="en-US" dirty="0" smtClean="0"/>
+              <a:t>React Native ships with the </a:t>
+            </a:r>
             <a:r>
               <a:rPr lang="en-US" dirty="0" err="1" smtClean="0"/>
-              <a:t>withRedux</a:t>
-            </a:r>
-            <a:r>
-              <a:rPr lang="en-US" sz="1200" b="0" i="0" kern="1200" dirty="0" smtClean="0">
-                <a:solidFill>
-                  <a:schemeClr val="tx1"/>
-                </a:solidFill>
-                <a:effectLst/>
-                <a:latin typeface="+mn-lt"/>
-                <a:ea typeface="+mn-ea"/>
-                <a:cs typeface="+mn-cs"/>
-              </a:rPr>
-              <a:t>: flag that indicates whether the </a:t>
-            </a:r>
-            <a:r>
-              <a:rPr lang="en-US" sz="1200" b="0" i="0" kern="1200" dirty="0" err="1" smtClean="0">
-                <a:solidFill>
-                  <a:schemeClr val="tx1"/>
-                </a:solidFill>
-                <a:effectLst/>
-                <a:latin typeface="+mn-lt"/>
-                <a:ea typeface="+mn-ea"/>
-                <a:cs typeface="+mn-cs"/>
-              </a:rPr>
-              <a:t>HoC</a:t>
-            </a:r>
-            <a:r>
-              <a:rPr lang="en-US" sz="1200" b="0" i="0" kern="1200" dirty="0" smtClean="0">
-                <a:solidFill>
-                  <a:schemeClr val="tx1"/>
-                </a:solidFill>
-                <a:effectLst/>
-                <a:latin typeface="+mn-lt"/>
-                <a:ea typeface="+mn-ea"/>
-                <a:cs typeface="+mn-cs"/>
-              </a:rPr>
-              <a:t> should be wired up to the Redux store. By default, this parameter is </a:t>
+              <a:t>NetInfo</a:t>
             </a:r>
             <a:r>
               <a:rPr lang="en-US" dirty="0" smtClean="0"/>
-              <a:t>false</a:t>
-            </a:r>
-            <a:r>
-              <a:rPr lang="en-US" sz="1200" b="0" i="0" kern="1200" dirty="0" smtClean="0">
-                <a:solidFill>
-                  <a:schemeClr val="tx1"/>
-                </a:solidFill>
-                <a:effectLst/>
-                <a:latin typeface="+mn-lt"/>
-                <a:ea typeface="+mn-ea"/>
-                <a:cs typeface="+mn-cs"/>
-              </a:rPr>
-              <a:t> and the </a:t>
-            </a:r>
-            <a:r>
-              <a:rPr lang="en-US" sz="1200" b="0" i="0" kern="1200" dirty="0" err="1" smtClean="0">
-                <a:solidFill>
-                  <a:schemeClr val="tx1"/>
-                </a:solidFill>
-                <a:effectLst/>
-                <a:latin typeface="+mn-lt"/>
-                <a:ea typeface="+mn-ea"/>
-                <a:cs typeface="+mn-cs"/>
-              </a:rPr>
-              <a:t>HoC</a:t>
-            </a:r>
-            <a:r>
-              <a:rPr lang="en-US" sz="1200" b="0" i="0" kern="1200" dirty="0" smtClean="0">
-                <a:solidFill>
-                  <a:schemeClr val="tx1"/>
-                </a:solidFill>
-                <a:effectLst/>
-                <a:latin typeface="+mn-lt"/>
-                <a:ea typeface="+mn-ea"/>
-                <a:cs typeface="+mn-cs"/>
-              </a:rPr>
-              <a:t> injects </a:t>
-            </a:r>
-            <a:r>
-              <a:rPr lang="en-US" dirty="0" err="1" smtClean="0"/>
-              <a:t>isConnected</a:t>
-            </a:r>
-            <a:r>
-              <a:rPr lang="en-US" sz="1200" b="0" i="0" kern="1200" dirty="0" smtClean="0">
-                <a:solidFill>
-                  <a:schemeClr val="tx1"/>
-                </a:solidFill>
-                <a:effectLst/>
-                <a:latin typeface="+mn-lt"/>
-                <a:ea typeface="+mn-ea"/>
-                <a:cs typeface="+mn-cs"/>
-              </a:rPr>
-              <a:t> as a prop into </a:t>
-            </a:r>
-            <a:r>
-              <a:rPr lang="en-US" dirty="0" err="1" smtClean="0"/>
-              <a:t>WrappedComponent</a:t>
-            </a:r>
-            <a:r>
-              <a:rPr lang="en-US" sz="1200" b="0" i="0" kern="1200" dirty="0" smtClean="0">
-                <a:solidFill>
-                  <a:schemeClr val="tx1"/>
-                </a:solidFill>
-                <a:effectLst/>
-                <a:latin typeface="+mn-lt"/>
-                <a:ea typeface="+mn-ea"/>
-                <a:cs typeface="+mn-cs"/>
-              </a:rPr>
-              <a:t>. If </a:t>
-            </a:r>
-            <a:r>
-              <a:rPr lang="en-US" dirty="0" smtClean="0"/>
-              <a:t>true</a:t>
-            </a:r>
-            <a:r>
-              <a:rPr lang="en-US" sz="1200" b="0" i="0" kern="1200" dirty="0" smtClean="0">
-                <a:solidFill>
-                  <a:schemeClr val="tx1"/>
-                </a:solidFill>
-                <a:effectLst/>
-                <a:latin typeface="+mn-lt"/>
-                <a:ea typeface="+mn-ea"/>
-                <a:cs typeface="+mn-cs"/>
-              </a:rPr>
-              <a:t> provided, it won't act as a component utility and pass any prop down, but instead perform the needed actions to sync up with the store. See below </a:t>
-            </a:r>
-            <a:r>
-              <a:rPr lang="en-US" sz="1200" b="0" i="0" u="none" strike="noStrike" kern="1200" dirty="0" smtClean="0">
-                <a:solidFill>
-                  <a:schemeClr val="tx1"/>
-                </a:solidFill>
-                <a:effectLst/>
-                <a:latin typeface="+mn-lt"/>
-                <a:ea typeface="+mn-ea"/>
-                <a:cs typeface="+mn-cs"/>
-                <a:hlinkClick r:id="rId3"/>
-              </a:rPr>
-              <a:t>Redux integration</a:t>
-            </a:r>
-            <a:r>
-              <a:rPr lang="en-US" sz="1200" b="0" i="0" kern="1200" dirty="0" smtClean="0">
-                <a:solidFill>
-                  <a:schemeClr val="tx1"/>
-                </a:solidFill>
-                <a:effectLst/>
-                <a:latin typeface="+mn-lt"/>
-                <a:ea typeface="+mn-ea"/>
-                <a:cs typeface="+mn-cs"/>
-              </a:rPr>
-              <a:t> for more details.</a:t>
-            </a:r>
-          </a:p>
-          <a:p>
-            <a:endParaRPr lang="en-US" sz="1200" b="0" i="0" kern="1200" dirty="0" smtClean="0">
-              <a:solidFill>
-                <a:schemeClr val="tx1"/>
-              </a:solidFill>
-              <a:effectLst/>
-              <a:latin typeface="+mn-lt"/>
-              <a:ea typeface="+mn-ea"/>
-              <a:cs typeface="+mn-cs"/>
-            </a:endParaRPr>
-          </a:p>
-          <a:p>
-            <a:r>
-              <a:rPr lang="en-US" sz="1200" b="0" i="0" kern="1200" dirty="0" err="1" smtClean="0">
-                <a:solidFill>
-                  <a:schemeClr val="tx1"/>
-                </a:solidFill>
-                <a:effectLst/>
-                <a:latin typeface="+mn-lt"/>
-                <a:ea typeface="+mn-ea"/>
-                <a:cs typeface="+mn-cs"/>
-              </a:rPr>
-              <a:t>withRedux</a:t>
-            </a:r>
-            <a:r>
-              <a:rPr lang="en-US" sz="1200" b="0" i="0" kern="1200" dirty="0" smtClean="0">
-                <a:solidFill>
-                  <a:schemeClr val="tx1"/>
-                </a:solidFill>
-                <a:effectLst/>
-                <a:latin typeface="+mn-lt"/>
-                <a:ea typeface="+mn-ea"/>
-                <a:cs typeface="+mn-cs"/>
-              </a:rPr>
-              <a:t>: flag that indicates whether the </a:t>
-            </a:r>
-            <a:r>
-              <a:rPr lang="en-US" sz="1200" b="0" i="0" kern="1200" dirty="0" err="1" smtClean="0">
-                <a:solidFill>
-                  <a:schemeClr val="tx1"/>
-                </a:solidFill>
-                <a:effectLst/>
-                <a:latin typeface="+mn-lt"/>
-                <a:ea typeface="+mn-ea"/>
-                <a:cs typeface="+mn-cs"/>
-              </a:rPr>
-              <a:t>HoC</a:t>
-            </a:r>
-            <a:r>
-              <a:rPr lang="en-US" sz="1200" b="0" i="0" kern="1200" dirty="0" smtClean="0">
-                <a:solidFill>
-                  <a:schemeClr val="tx1"/>
-                </a:solidFill>
-                <a:effectLst/>
-                <a:latin typeface="+mn-lt"/>
-                <a:ea typeface="+mn-ea"/>
-                <a:cs typeface="+mn-cs"/>
-              </a:rPr>
-              <a:t> should be wired up to the Redux store. By default, this parameter is false and the </a:t>
-            </a:r>
-            <a:r>
-              <a:rPr lang="en-US" sz="1200" b="0" i="0" kern="1200" dirty="0" err="1" smtClean="0">
-                <a:solidFill>
-                  <a:schemeClr val="tx1"/>
-                </a:solidFill>
-                <a:effectLst/>
-                <a:latin typeface="+mn-lt"/>
-                <a:ea typeface="+mn-ea"/>
-                <a:cs typeface="+mn-cs"/>
-              </a:rPr>
-              <a:t>HoC</a:t>
-            </a:r>
-            <a:r>
-              <a:rPr lang="en-US" sz="1200" b="0" i="0" kern="1200" dirty="0" smtClean="0">
-                <a:solidFill>
-                  <a:schemeClr val="tx1"/>
-                </a:solidFill>
-                <a:effectLst/>
-                <a:latin typeface="+mn-lt"/>
-                <a:ea typeface="+mn-ea"/>
-                <a:cs typeface="+mn-cs"/>
-              </a:rPr>
-              <a:t> injects </a:t>
-            </a:r>
-            <a:r>
-              <a:rPr lang="en-US" sz="1200" b="0" i="0" kern="1200" dirty="0" err="1" smtClean="0">
-                <a:solidFill>
-                  <a:schemeClr val="tx1"/>
-                </a:solidFill>
-                <a:effectLst/>
-                <a:latin typeface="+mn-lt"/>
-                <a:ea typeface="+mn-ea"/>
-                <a:cs typeface="+mn-cs"/>
-              </a:rPr>
-              <a:t>isConnected</a:t>
-            </a:r>
-            <a:r>
-              <a:rPr lang="en-US" sz="1200" b="0" i="0" kern="1200" dirty="0" smtClean="0">
-                <a:solidFill>
-                  <a:schemeClr val="tx1"/>
-                </a:solidFill>
-                <a:effectLst/>
-                <a:latin typeface="+mn-lt"/>
-                <a:ea typeface="+mn-ea"/>
-                <a:cs typeface="+mn-cs"/>
-              </a:rPr>
-              <a:t> as a prop into </a:t>
-            </a:r>
-            <a:r>
-              <a:rPr lang="en-US" sz="1200" b="0" i="0" kern="1200" dirty="0" err="1" smtClean="0">
-                <a:solidFill>
-                  <a:schemeClr val="tx1"/>
-                </a:solidFill>
-                <a:effectLst/>
-                <a:latin typeface="+mn-lt"/>
-                <a:ea typeface="+mn-ea"/>
-                <a:cs typeface="+mn-cs"/>
-              </a:rPr>
-              <a:t>WrappedComponent</a:t>
-            </a:r>
-            <a:r>
-              <a:rPr lang="en-US" sz="1200" b="0" i="0" kern="1200" dirty="0" smtClean="0">
-                <a:solidFill>
-                  <a:schemeClr val="tx1"/>
-                </a:solidFill>
-                <a:effectLst/>
-                <a:latin typeface="+mn-lt"/>
-                <a:ea typeface="+mn-ea"/>
-                <a:cs typeface="+mn-cs"/>
-              </a:rPr>
-              <a:t>. If true provided, it won't act as a component utility and pass any prop down, but instead perform the needed actions to sync up with the store. See below </a:t>
-            </a:r>
-            <a:r>
-              <a:rPr lang="en-US" sz="1200" b="0" i="0" u="none" strike="noStrike" kern="1200" dirty="0" smtClean="0">
-                <a:solidFill>
-                  <a:schemeClr val="tx1"/>
-                </a:solidFill>
-                <a:effectLst/>
-                <a:latin typeface="+mn-lt"/>
-                <a:ea typeface="+mn-ea"/>
-                <a:cs typeface="+mn-cs"/>
-                <a:hlinkClick r:id="rId3"/>
-              </a:rPr>
-              <a:t>Redux integration</a:t>
-            </a:r>
-            <a:r>
-              <a:rPr lang="en-US" sz="1200" b="0" i="0" kern="1200" dirty="0" smtClean="0">
-                <a:solidFill>
-                  <a:schemeClr val="tx1"/>
-                </a:solidFill>
-                <a:effectLst/>
-                <a:latin typeface="+mn-lt"/>
-                <a:ea typeface="+mn-ea"/>
-                <a:cs typeface="+mn-cs"/>
-              </a:rPr>
-              <a:t> for more details.</a:t>
-            </a:r>
-          </a:p>
-          <a:p>
-            <a:endParaRPr lang="en-US" sz="1200" b="0" i="0" kern="1200" dirty="0" smtClean="0">
-              <a:solidFill>
-                <a:schemeClr val="tx1"/>
-              </a:solidFill>
-              <a:effectLst/>
-              <a:latin typeface="+mn-lt"/>
-              <a:ea typeface="+mn-ea"/>
-              <a:cs typeface="+mn-cs"/>
-            </a:endParaRPr>
-          </a:p>
-          <a:p>
-            <a:r>
-              <a:rPr lang="en-US" sz="1200" b="0" i="0" kern="1200" dirty="0" smtClean="0">
-                <a:solidFill>
-                  <a:schemeClr val="tx1"/>
-                </a:solidFill>
-                <a:effectLst/>
-                <a:latin typeface="+mn-lt"/>
-                <a:ea typeface="+mn-ea"/>
-                <a:cs typeface="+mn-cs"/>
-              </a:rPr>
-              <a:t>timeout: amount of time (in </a:t>
-            </a:r>
-            <a:r>
-              <a:rPr lang="en-US" sz="1200" b="0" i="0" kern="1200" dirty="0" err="1" smtClean="0">
-                <a:solidFill>
-                  <a:schemeClr val="tx1"/>
-                </a:solidFill>
-                <a:effectLst/>
-                <a:latin typeface="+mn-lt"/>
-                <a:ea typeface="+mn-ea"/>
-                <a:cs typeface="+mn-cs"/>
-              </a:rPr>
-              <a:t>ms</a:t>
-            </a:r>
-            <a:r>
-              <a:rPr lang="en-US" sz="1200" b="0" i="0" kern="1200" dirty="0" smtClean="0">
-                <a:solidFill>
-                  <a:schemeClr val="tx1"/>
-                </a:solidFill>
-                <a:effectLst/>
-                <a:latin typeface="+mn-lt"/>
-                <a:ea typeface="+mn-ea"/>
-                <a:cs typeface="+mn-cs"/>
-              </a:rPr>
-              <a:t>) that the component should wait for the ping response. Defaults to 3s.</a:t>
-            </a:r>
-          </a:p>
-          <a:p>
-            <a:endParaRPr lang="en-US" sz="1200" b="0" i="0" kern="1200" dirty="0" smtClean="0">
-              <a:solidFill>
-                <a:schemeClr val="tx1"/>
-              </a:solidFill>
-              <a:effectLst/>
-              <a:latin typeface="+mn-lt"/>
-              <a:ea typeface="+mn-ea"/>
-              <a:cs typeface="+mn-cs"/>
-            </a:endParaRPr>
-          </a:p>
-          <a:p>
-            <a:r>
-              <a:rPr lang="en-US" sz="1200" b="0" i="0" kern="1200" dirty="0" err="1" smtClean="0">
-                <a:solidFill>
-                  <a:schemeClr val="tx1"/>
-                </a:solidFill>
-                <a:effectLst/>
-                <a:latin typeface="+mn-lt"/>
-                <a:ea typeface="+mn-ea"/>
-                <a:cs typeface="+mn-cs"/>
-              </a:rPr>
-              <a:t>pingServerUrl</a:t>
-            </a:r>
-            <a:r>
-              <a:rPr lang="en-US" sz="1200" b="0" i="0" kern="1200" dirty="0" smtClean="0">
-                <a:solidFill>
-                  <a:schemeClr val="tx1"/>
-                </a:solidFill>
-                <a:effectLst/>
-                <a:latin typeface="+mn-lt"/>
-                <a:ea typeface="+mn-ea"/>
-                <a:cs typeface="+mn-cs"/>
-              </a:rPr>
-              <a:t>: remote server to ping to. It defaults to </a:t>
-            </a:r>
-            <a:r>
-              <a:rPr lang="en-US" sz="1200" b="0" i="0" u="none" strike="noStrike" kern="1200" dirty="0" smtClean="0">
-                <a:solidFill>
-                  <a:schemeClr val="tx1"/>
-                </a:solidFill>
-                <a:effectLst/>
-                <a:latin typeface="+mn-lt"/>
-                <a:ea typeface="+mn-ea"/>
-                <a:cs typeface="+mn-cs"/>
-                <a:hlinkClick r:id="rId4"/>
-              </a:rPr>
-              <a:t>https://google.com</a:t>
-            </a:r>
-            <a:r>
-              <a:rPr lang="en-US" sz="1200" b="0" i="0" kern="1200" dirty="0" smtClean="0">
-                <a:solidFill>
-                  <a:schemeClr val="tx1"/>
-                </a:solidFill>
-                <a:effectLst/>
-                <a:latin typeface="+mn-lt"/>
-                <a:ea typeface="+mn-ea"/>
-                <a:cs typeface="+mn-cs"/>
-              </a:rPr>
-              <a:t> since it's probably one the most stable servers out there, but you can provide your own if needed.</a:t>
-            </a:r>
-          </a:p>
-          <a:p>
-            <a:endParaRPr lang="en-US" sz="1200" b="0" i="0" kern="1200" dirty="0" smtClean="0">
-              <a:solidFill>
-                <a:schemeClr val="tx1"/>
-              </a:solidFill>
-              <a:effectLst/>
-              <a:latin typeface="+mn-lt"/>
-              <a:ea typeface="+mn-ea"/>
-              <a:cs typeface="+mn-cs"/>
-            </a:endParaRPr>
-          </a:p>
-          <a:p>
-            <a:r>
-              <a:rPr lang="en-US" sz="1200" b="0" i="0" kern="1200" dirty="0" err="1" smtClean="0">
-                <a:solidFill>
-                  <a:schemeClr val="tx1"/>
-                </a:solidFill>
-                <a:effectLst/>
-                <a:latin typeface="+mn-lt"/>
-                <a:ea typeface="+mn-ea"/>
-                <a:cs typeface="+mn-cs"/>
-              </a:rPr>
-              <a:t>withExtraHeadRequest</a:t>
-            </a:r>
-            <a:r>
-              <a:rPr lang="en-US" sz="1200" b="0" i="0" kern="1200" dirty="0" smtClean="0">
-                <a:solidFill>
-                  <a:schemeClr val="tx1"/>
-                </a:solidFill>
-                <a:effectLst/>
-                <a:latin typeface="+mn-lt"/>
-                <a:ea typeface="+mn-ea"/>
-                <a:cs typeface="+mn-cs"/>
-              </a:rPr>
-              <a:t>: flag that denotes whether the extra ping check will be performed or not. Defaults to true.</a:t>
-            </a:r>
-          </a:p>
-          <a:p>
-            <a:endParaRPr lang="en-US" sz="1200" b="0" i="0" kern="1200" dirty="0" smtClean="0">
-              <a:solidFill>
-                <a:schemeClr val="tx1"/>
-              </a:solidFill>
-              <a:effectLst/>
-              <a:latin typeface="+mn-lt"/>
-              <a:ea typeface="+mn-ea"/>
-              <a:cs typeface="+mn-cs"/>
-            </a:endParaRPr>
-          </a:p>
-          <a:p>
-            <a:r>
-              <a:rPr lang="en-US" sz="1200" b="0" i="0" kern="1200" dirty="0" err="1" smtClean="0">
-                <a:solidFill>
-                  <a:schemeClr val="tx1"/>
-                </a:solidFill>
-                <a:effectLst/>
-                <a:latin typeface="+mn-lt"/>
-                <a:ea typeface="+mn-ea"/>
-                <a:cs typeface="+mn-cs"/>
-              </a:rPr>
-              <a:t>checkConnectionInterval</a:t>
-            </a:r>
-            <a:r>
-              <a:rPr lang="en-US" sz="1200" b="0" i="0" kern="1200" dirty="0" smtClean="0">
-                <a:solidFill>
-                  <a:schemeClr val="tx1"/>
-                </a:solidFill>
-                <a:effectLst/>
-                <a:latin typeface="+mn-lt"/>
-                <a:ea typeface="+mn-ea"/>
-                <a:cs typeface="+mn-cs"/>
-              </a:rPr>
-              <a:t>: the interval (in </a:t>
-            </a:r>
-            <a:r>
-              <a:rPr lang="en-US" sz="1200" b="0" i="0" kern="1200" dirty="0" err="1" smtClean="0">
-                <a:solidFill>
-                  <a:schemeClr val="tx1"/>
-                </a:solidFill>
-                <a:effectLst/>
-                <a:latin typeface="+mn-lt"/>
-                <a:ea typeface="+mn-ea"/>
-                <a:cs typeface="+mn-cs"/>
-              </a:rPr>
-              <a:t>ms</a:t>
-            </a:r>
-            <a:r>
-              <a:rPr lang="en-US" sz="1200" b="0" i="0" kern="1200" dirty="0" smtClean="0">
-                <a:solidFill>
-                  <a:schemeClr val="tx1"/>
-                </a:solidFill>
-                <a:effectLst/>
-                <a:latin typeface="+mn-lt"/>
-                <a:ea typeface="+mn-ea"/>
-                <a:cs typeface="+mn-cs"/>
-              </a:rPr>
-              <a:t>) you want to ping the server at. The default is 0, and that means it is not going to regularly check connectivity.</a:t>
+              <a:t> module in order to detect internet connectivity. The API is pretty basic and it may be sufficient for small apps but its usage gets cumbersome as your app grows. Besides that, it only detects network connectivity and does not guarantee internet access so it can provide false positives.</a:t>
             </a:r>
           </a:p>
           <a:p>
@@ -1183,7 +939,7 @@
           <a:p>
             <a:fld id="{5450D3AD-83DA-F14F-BC42-147EEC5EDD61}" type="slidenum">
               <a:rPr lang="en-US" smtClean="0"/>
-              <a:t>7</a:t>
+              <a:t>6</a:t>
             </a:fld>
             <a:endParaRPr lang="en-US"/>
           </a:p>
@@ -1192,7 +948,7 @@
     </p:spTree>
     <p:extLst>
       <p:ext uri="{BB962C8B-B14F-4D97-AF65-F5344CB8AC3E}">
-        <p14:creationId xmlns:p14="http://schemas.microsoft.com/office/powerpoint/2010/main" val="1736426534"/>
+        <p14:creationId xmlns:p14="http://schemas.microsoft.com/office/powerpoint/2010/main" val="1128285962"/>
       </p:ext>
     </p:extLst>
   </p:cSld>
@@ -1246,6 +1002,528 @@
           <a:bodyPr/>
           <a:lstStyle/>
           <a:p>
+            <a:r>
+              <a:rPr lang="en-US" dirty="0" err="1" smtClean="0"/>
+              <a:t>withRedux</a:t>
+            </a:r>
+            <a:r>
+              <a:rPr lang="en-US" sz="1200" b="0" i="0" kern="1200" dirty="0" smtClean="0">
+                <a:solidFill>
+                  <a:schemeClr val="tx1"/>
+                </a:solidFill>
+                <a:effectLst/>
+                <a:latin typeface="+mn-lt"/>
+                <a:ea typeface="+mn-ea"/>
+                <a:cs typeface="+mn-cs"/>
+              </a:rPr>
+              <a:t>: flag that indicates whether the </a:t>
+            </a:r>
+            <a:r>
+              <a:rPr lang="en-US" sz="1200" b="0" i="0" kern="1200" dirty="0" err="1" smtClean="0">
+                <a:solidFill>
+                  <a:schemeClr val="tx1"/>
+                </a:solidFill>
+                <a:effectLst/>
+                <a:latin typeface="+mn-lt"/>
+                <a:ea typeface="+mn-ea"/>
+                <a:cs typeface="+mn-cs"/>
+              </a:rPr>
+              <a:t>HoC</a:t>
+            </a:r>
+            <a:r>
+              <a:rPr lang="en-US" sz="1200" b="0" i="0" kern="1200" dirty="0" smtClean="0">
+                <a:solidFill>
+                  <a:schemeClr val="tx1"/>
+                </a:solidFill>
+                <a:effectLst/>
+                <a:latin typeface="+mn-lt"/>
+                <a:ea typeface="+mn-ea"/>
+                <a:cs typeface="+mn-cs"/>
+              </a:rPr>
+              <a:t> should be wired up to the Redux store. By default, this parameter is </a:t>
+            </a:r>
+            <a:r>
+              <a:rPr lang="en-US" dirty="0" smtClean="0"/>
+              <a:t>false</a:t>
+            </a:r>
+            <a:r>
+              <a:rPr lang="en-US" sz="1200" b="0" i="0" kern="1200" dirty="0" smtClean="0">
+                <a:solidFill>
+                  <a:schemeClr val="tx1"/>
+                </a:solidFill>
+                <a:effectLst/>
+                <a:latin typeface="+mn-lt"/>
+                <a:ea typeface="+mn-ea"/>
+                <a:cs typeface="+mn-cs"/>
+              </a:rPr>
+              <a:t> and the </a:t>
+            </a:r>
+            <a:r>
+              <a:rPr lang="en-US" sz="1200" b="0" i="0" kern="1200" dirty="0" err="1" smtClean="0">
+                <a:solidFill>
+                  <a:schemeClr val="tx1"/>
+                </a:solidFill>
+                <a:effectLst/>
+                <a:latin typeface="+mn-lt"/>
+                <a:ea typeface="+mn-ea"/>
+                <a:cs typeface="+mn-cs"/>
+              </a:rPr>
+              <a:t>HoC</a:t>
+            </a:r>
+            <a:r>
+              <a:rPr lang="en-US" sz="1200" b="0" i="0" kern="1200" dirty="0" smtClean="0">
+                <a:solidFill>
+                  <a:schemeClr val="tx1"/>
+                </a:solidFill>
+                <a:effectLst/>
+                <a:latin typeface="+mn-lt"/>
+                <a:ea typeface="+mn-ea"/>
+                <a:cs typeface="+mn-cs"/>
+              </a:rPr>
+              <a:t> injects </a:t>
+            </a:r>
+            <a:r>
+              <a:rPr lang="en-US" dirty="0" err="1" smtClean="0"/>
+              <a:t>isConnected</a:t>
+            </a:r>
+            <a:r>
+              <a:rPr lang="en-US" sz="1200" b="0" i="0" kern="1200" dirty="0" smtClean="0">
+                <a:solidFill>
+                  <a:schemeClr val="tx1"/>
+                </a:solidFill>
+                <a:effectLst/>
+                <a:latin typeface="+mn-lt"/>
+                <a:ea typeface="+mn-ea"/>
+                <a:cs typeface="+mn-cs"/>
+              </a:rPr>
+              <a:t> as a prop into </a:t>
+            </a:r>
+            <a:r>
+              <a:rPr lang="en-US" dirty="0" err="1" smtClean="0"/>
+              <a:t>WrappedComponent</a:t>
+            </a:r>
+            <a:r>
+              <a:rPr lang="en-US" sz="1200" b="0" i="0" kern="1200" dirty="0" smtClean="0">
+                <a:solidFill>
+                  <a:schemeClr val="tx1"/>
+                </a:solidFill>
+                <a:effectLst/>
+                <a:latin typeface="+mn-lt"/>
+                <a:ea typeface="+mn-ea"/>
+                <a:cs typeface="+mn-cs"/>
+              </a:rPr>
+              <a:t>. If </a:t>
+            </a:r>
+            <a:r>
+              <a:rPr lang="en-US" dirty="0" smtClean="0"/>
+              <a:t>true</a:t>
+            </a:r>
+            <a:r>
+              <a:rPr lang="en-US" sz="1200" b="0" i="0" kern="1200" dirty="0" smtClean="0">
+                <a:solidFill>
+                  <a:schemeClr val="tx1"/>
+                </a:solidFill>
+                <a:effectLst/>
+                <a:latin typeface="+mn-lt"/>
+                <a:ea typeface="+mn-ea"/>
+                <a:cs typeface="+mn-cs"/>
+              </a:rPr>
+              <a:t> provided, it won't act as a component utility and pass any prop down, but instead perform the needed actions to sync up with the store. See below </a:t>
+            </a:r>
+            <a:r>
+              <a:rPr lang="en-US" sz="1200" b="0" i="0" u="none" strike="noStrike" kern="1200" dirty="0" smtClean="0">
+                <a:solidFill>
+                  <a:schemeClr val="tx1"/>
+                </a:solidFill>
+                <a:effectLst/>
+                <a:latin typeface="+mn-lt"/>
+                <a:ea typeface="+mn-ea"/>
+                <a:cs typeface="+mn-cs"/>
+                <a:hlinkClick r:id="rId3"/>
+              </a:rPr>
+              <a:t>Redux integration</a:t>
+            </a:r>
+            <a:r>
+              <a:rPr lang="en-US" sz="1200" b="0" i="0" kern="1200" dirty="0" smtClean="0">
+                <a:solidFill>
+                  <a:schemeClr val="tx1"/>
+                </a:solidFill>
+                <a:effectLst/>
+                <a:latin typeface="+mn-lt"/>
+                <a:ea typeface="+mn-ea"/>
+                <a:cs typeface="+mn-cs"/>
+              </a:rPr>
+              <a:t> for more details.</a:t>
+            </a:r>
+          </a:p>
+          <a:p>
+            <a:endParaRPr lang="en-US" sz="1200" b="0" i="0" kern="1200" dirty="0" smtClean="0">
+              <a:solidFill>
+                <a:schemeClr val="tx1"/>
+              </a:solidFill>
+              <a:effectLst/>
+              <a:latin typeface="+mn-lt"/>
+              <a:ea typeface="+mn-ea"/>
+              <a:cs typeface="+mn-cs"/>
+            </a:endParaRPr>
+          </a:p>
+          <a:p>
+            <a:r>
+              <a:rPr lang="en-US" sz="1200" b="0" i="0" kern="1200" dirty="0" err="1" smtClean="0">
+                <a:solidFill>
+                  <a:schemeClr val="tx1"/>
+                </a:solidFill>
+                <a:effectLst/>
+                <a:latin typeface="+mn-lt"/>
+                <a:ea typeface="+mn-ea"/>
+                <a:cs typeface="+mn-cs"/>
+              </a:rPr>
+              <a:t>withRedux</a:t>
+            </a:r>
+            <a:r>
+              <a:rPr lang="en-US" sz="1200" b="0" i="0" kern="1200" dirty="0" smtClean="0">
+                <a:solidFill>
+                  <a:schemeClr val="tx1"/>
+                </a:solidFill>
+                <a:effectLst/>
+                <a:latin typeface="+mn-lt"/>
+                <a:ea typeface="+mn-ea"/>
+                <a:cs typeface="+mn-cs"/>
+              </a:rPr>
+              <a:t>: flag that indicates whether the </a:t>
+            </a:r>
+            <a:r>
+              <a:rPr lang="en-US" sz="1200" b="0" i="0" kern="1200" dirty="0" err="1" smtClean="0">
+                <a:solidFill>
+                  <a:schemeClr val="tx1"/>
+                </a:solidFill>
+                <a:effectLst/>
+                <a:latin typeface="+mn-lt"/>
+                <a:ea typeface="+mn-ea"/>
+                <a:cs typeface="+mn-cs"/>
+              </a:rPr>
+              <a:t>HoC</a:t>
+            </a:r>
+            <a:r>
+              <a:rPr lang="en-US" sz="1200" b="0" i="0" kern="1200" dirty="0" smtClean="0">
+                <a:solidFill>
+                  <a:schemeClr val="tx1"/>
+                </a:solidFill>
+                <a:effectLst/>
+                <a:latin typeface="+mn-lt"/>
+                <a:ea typeface="+mn-ea"/>
+                <a:cs typeface="+mn-cs"/>
+              </a:rPr>
+              <a:t> should be wired up to the Redux store. By default, this parameter is false and the </a:t>
+            </a:r>
+            <a:r>
+              <a:rPr lang="en-US" sz="1200" b="0" i="0" kern="1200" dirty="0" err="1" smtClean="0">
+                <a:solidFill>
+                  <a:schemeClr val="tx1"/>
+                </a:solidFill>
+                <a:effectLst/>
+                <a:latin typeface="+mn-lt"/>
+                <a:ea typeface="+mn-ea"/>
+                <a:cs typeface="+mn-cs"/>
+              </a:rPr>
+              <a:t>HoC</a:t>
+            </a:r>
+            <a:r>
+              <a:rPr lang="en-US" sz="1200" b="0" i="0" kern="1200" dirty="0" smtClean="0">
+                <a:solidFill>
+                  <a:schemeClr val="tx1"/>
+                </a:solidFill>
+                <a:effectLst/>
+                <a:latin typeface="+mn-lt"/>
+                <a:ea typeface="+mn-ea"/>
+                <a:cs typeface="+mn-cs"/>
+              </a:rPr>
+              <a:t> injects </a:t>
+            </a:r>
+            <a:r>
+              <a:rPr lang="en-US" sz="1200" b="0" i="0" kern="1200" dirty="0" err="1" smtClean="0">
+                <a:solidFill>
+                  <a:schemeClr val="tx1"/>
+                </a:solidFill>
+                <a:effectLst/>
+                <a:latin typeface="+mn-lt"/>
+                <a:ea typeface="+mn-ea"/>
+                <a:cs typeface="+mn-cs"/>
+              </a:rPr>
+              <a:t>isConnected</a:t>
+            </a:r>
+            <a:r>
+              <a:rPr lang="en-US" sz="1200" b="0" i="0" kern="1200" dirty="0" smtClean="0">
+                <a:solidFill>
+                  <a:schemeClr val="tx1"/>
+                </a:solidFill>
+                <a:effectLst/>
+                <a:latin typeface="+mn-lt"/>
+                <a:ea typeface="+mn-ea"/>
+                <a:cs typeface="+mn-cs"/>
+              </a:rPr>
+              <a:t> as a prop into </a:t>
+            </a:r>
+            <a:r>
+              <a:rPr lang="en-US" sz="1200" b="0" i="0" kern="1200" dirty="0" err="1" smtClean="0">
+                <a:solidFill>
+                  <a:schemeClr val="tx1"/>
+                </a:solidFill>
+                <a:effectLst/>
+                <a:latin typeface="+mn-lt"/>
+                <a:ea typeface="+mn-ea"/>
+                <a:cs typeface="+mn-cs"/>
+              </a:rPr>
+              <a:t>WrappedComponent</a:t>
+            </a:r>
+            <a:r>
+              <a:rPr lang="en-US" sz="1200" b="0" i="0" kern="1200" dirty="0" smtClean="0">
+                <a:solidFill>
+                  <a:schemeClr val="tx1"/>
+                </a:solidFill>
+                <a:effectLst/>
+                <a:latin typeface="+mn-lt"/>
+                <a:ea typeface="+mn-ea"/>
+                <a:cs typeface="+mn-cs"/>
+              </a:rPr>
+              <a:t>. If true provided, it won't act as a component utility and pass any prop down, but instead perform the needed actions to sync up with the store. See below </a:t>
+            </a:r>
+            <a:r>
+              <a:rPr lang="en-US" sz="1200" b="0" i="0" u="none" strike="noStrike" kern="1200" dirty="0" smtClean="0">
+                <a:solidFill>
+                  <a:schemeClr val="tx1"/>
+                </a:solidFill>
+                <a:effectLst/>
+                <a:latin typeface="+mn-lt"/>
+                <a:ea typeface="+mn-ea"/>
+                <a:cs typeface="+mn-cs"/>
+                <a:hlinkClick r:id="rId3"/>
+              </a:rPr>
+              <a:t>Redux integration</a:t>
+            </a:r>
+            <a:r>
+              <a:rPr lang="en-US" sz="1200" b="0" i="0" kern="1200" dirty="0" smtClean="0">
+                <a:solidFill>
+                  <a:schemeClr val="tx1"/>
+                </a:solidFill>
+                <a:effectLst/>
+                <a:latin typeface="+mn-lt"/>
+                <a:ea typeface="+mn-ea"/>
+                <a:cs typeface="+mn-cs"/>
+              </a:rPr>
+              <a:t> for more details.</a:t>
+            </a:r>
+          </a:p>
+          <a:p>
+            <a:endParaRPr lang="en-US" sz="1200" b="0" i="0" kern="1200" dirty="0" smtClean="0">
+              <a:solidFill>
+                <a:schemeClr val="tx1"/>
+              </a:solidFill>
+              <a:effectLst/>
+              <a:latin typeface="+mn-lt"/>
+              <a:ea typeface="+mn-ea"/>
+              <a:cs typeface="+mn-cs"/>
+            </a:endParaRPr>
+          </a:p>
+          <a:p>
+            <a:r>
+              <a:rPr lang="en-US" sz="1200" b="0" i="0" kern="1200" dirty="0" smtClean="0">
+                <a:solidFill>
+                  <a:schemeClr val="tx1"/>
+                </a:solidFill>
+                <a:effectLst/>
+                <a:latin typeface="+mn-lt"/>
+                <a:ea typeface="+mn-ea"/>
+                <a:cs typeface="+mn-cs"/>
+              </a:rPr>
+              <a:t>timeout: amount of time (in </a:t>
+            </a:r>
+            <a:r>
+              <a:rPr lang="en-US" sz="1200" b="0" i="0" kern="1200" dirty="0" err="1" smtClean="0">
+                <a:solidFill>
+                  <a:schemeClr val="tx1"/>
+                </a:solidFill>
+                <a:effectLst/>
+                <a:latin typeface="+mn-lt"/>
+                <a:ea typeface="+mn-ea"/>
+                <a:cs typeface="+mn-cs"/>
+              </a:rPr>
+              <a:t>ms</a:t>
+            </a:r>
+            <a:r>
+              <a:rPr lang="en-US" sz="1200" b="0" i="0" kern="1200" dirty="0" smtClean="0">
+                <a:solidFill>
+                  <a:schemeClr val="tx1"/>
+                </a:solidFill>
+                <a:effectLst/>
+                <a:latin typeface="+mn-lt"/>
+                <a:ea typeface="+mn-ea"/>
+                <a:cs typeface="+mn-cs"/>
+              </a:rPr>
+              <a:t>) that the component should wait for the ping response. Defaults to 3s.</a:t>
+            </a:r>
+          </a:p>
+          <a:p>
+            <a:endParaRPr lang="en-US" sz="1200" b="0" i="0" kern="1200" dirty="0" smtClean="0">
+              <a:solidFill>
+                <a:schemeClr val="tx1"/>
+              </a:solidFill>
+              <a:effectLst/>
+              <a:latin typeface="+mn-lt"/>
+              <a:ea typeface="+mn-ea"/>
+              <a:cs typeface="+mn-cs"/>
+            </a:endParaRPr>
+          </a:p>
+          <a:p>
+            <a:r>
+              <a:rPr lang="en-US" sz="1200" b="0" i="0" kern="1200" dirty="0" err="1" smtClean="0">
+                <a:solidFill>
+                  <a:schemeClr val="tx1"/>
+                </a:solidFill>
+                <a:effectLst/>
+                <a:latin typeface="+mn-lt"/>
+                <a:ea typeface="+mn-ea"/>
+                <a:cs typeface="+mn-cs"/>
+              </a:rPr>
+              <a:t>pingServerUrl</a:t>
+            </a:r>
+            <a:r>
+              <a:rPr lang="en-US" sz="1200" b="0" i="0" kern="1200" dirty="0" smtClean="0">
+                <a:solidFill>
+                  <a:schemeClr val="tx1"/>
+                </a:solidFill>
+                <a:effectLst/>
+                <a:latin typeface="+mn-lt"/>
+                <a:ea typeface="+mn-ea"/>
+                <a:cs typeface="+mn-cs"/>
+              </a:rPr>
+              <a:t>: remote server to ping to. It defaults to </a:t>
+            </a:r>
+            <a:r>
+              <a:rPr lang="en-US" sz="1200" b="0" i="0" u="none" strike="noStrike" kern="1200" dirty="0" smtClean="0">
+                <a:solidFill>
+                  <a:schemeClr val="tx1"/>
+                </a:solidFill>
+                <a:effectLst/>
+                <a:latin typeface="+mn-lt"/>
+                <a:ea typeface="+mn-ea"/>
+                <a:cs typeface="+mn-cs"/>
+                <a:hlinkClick r:id="rId4"/>
+              </a:rPr>
+              <a:t>https://google.com</a:t>
+            </a:r>
+            <a:r>
+              <a:rPr lang="en-US" sz="1200" b="0" i="0" kern="1200" dirty="0" smtClean="0">
+                <a:solidFill>
+                  <a:schemeClr val="tx1"/>
+                </a:solidFill>
+                <a:effectLst/>
+                <a:latin typeface="+mn-lt"/>
+                <a:ea typeface="+mn-ea"/>
+                <a:cs typeface="+mn-cs"/>
+              </a:rPr>
+              <a:t> since it's probably one the most stable servers out there, but you can provide your own if needed.</a:t>
+            </a:r>
+          </a:p>
+          <a:p>
+            <a:endParaRPr lang="en-US" sz="1200" b="0" i="0" kern="1200" dirty="0" smtClean="0">
+              <a:solidFill>
+                <a:schemeClr val="tx1"/>
+              </a:solidFill>
+              <a:effectLst/>
+              <a:latin typeface="+mn-lt"/>
+              <a:ea typeface="+mn-ea"/>
+              <a:cs typeface="+mn-cs"/>
+            </a:endParaRPr>
+          </a:p>
+          <a:p>
+            <a:r>
+              <a:rPr lang="en-US" sz="1200" b="0" i="0" kern="1200" dirty="0" err="1" smtClean="0">
+                <a:solidFill>
+                  <a:schemeClr val="tx1"/>
+                </a:solidFill>
+                <a:effectLst/>
+                <a:latin typeface="+mn-lt"/>
+                <a:ea typeface="+mn-ea"/>
+                <a:cs typeface="+mn-cs"/>
+              </a:rPr>
+              <a:t>withExtraHeadRequest</a:t>
+            </a:r>
+            <a:r>
+              <a:rPr lang="en-US" sz="1200" b="0" i="0" kern="1200" dirty="0" smtClean="0">
+                <a:solidFill>
+                  <a:schemeClr val="tx1"/>
+                </a:solidFill>
+                <a:effectLst/>
+                <a:latin typeface="+mn-lt"/>
+                <a:ea typeface="+mn-ea"/>
+                <a:cs typeface="+mn-cs"/>
+              </a:rPr>
+              <a:t>: flag that denotes whether the extra ping check will be performed or not. Defaults to true.</a:t>
+            </a:r>
+          </a:p>
+          <a:p>
+            <a:endParaRPr lang="en-US" sz="1200" b="0" i="0" kern="1200" dirty="0" smtClean="0">
+              <a:solidFill>
+                <a:schemeClr val="tx1"/>
+              </a:solidFill>
+              <a:effectLst/>
+              <a:latin typeface="+mn-lt"/>
+              <a:ea typeface="+mn-ea"/>
+              <a:cs typeface="+mn-cs"/>
+            </a:endParaRPr>
+          </a:p>
+          <a:p>
+            <a:r>
+              <a:rPr lang="en-US" sz="1200" b="0" i="0" kern="1200" dirty="0" err="1" smtClean="0">
+                <a:solidFill>
+                  <a:schemeClr val="tx1"/>
+                </a:solidFill>
+                <a:effectLst/>
+                <a:latin typeface="+mn-lt"/>
+                <a:ea typeface="+mn-ea"/>
+                <a:cs typeface="+mn-cs"/>
+              </a:rPr>
+              <a:t>checkConnectionInterval</a:t>
+            </a:r>
+            <a:r>
+              <a:rPr lang="en-US" sz="1200" b="0" i="0" kern="1200" dirty="0" smtClean="0">
+                <a:solidFill>
+                  <a:schemeClr val="tx1"/>
+                </a:solidFill>
+                <a:effectLst/>
+                <a:latin typeface="+mn-lt"/>
+                <a:ea typeface="+mn-ea"/>
+                <a:cs typeface="+mn-cs"/>
+              </a:rPr>
+              <a:t>: the interval (in </a:t>
+            </a:r>
+            <a:r>
+              <a:rPr lang="en-US" sz="1200" b="0" i="0" kern="1200" dirty="0" err="1" smtClean="0">
+                <a:solidFill>
+                  <a:schemeClr val="tx1"/>
+                </a:solidFill>
+                <a:effectLst/>
+                <a:latin typeface="+mn-lt"/>
+                <a:ea typeface="+mn-ea"/>
+                <a:cs typeface="+mn-cs"/>
+              </a:rPr>
+              <a:t>ms</a:t>
+            </a:r>
+            <a:r>
+              <a:rPr lang="en-US" sz="1200" b="0" i="0" kern="1200" dirty="0" smtClean="0">
+                <a:solidFill>
+                  <a:schemeClr val="tx1"/>
+                </a:solidFill>
+                <a:effectLst/>
+                <a:latin typeface="+mn-lt"/>
+                <a:ea typeface="+mn-ea"/>
+                <a:cs typeface="+mn-cs"/>
+              </a:rPr>
+              <a:t>) you want to ping the server at. The default is 0, and that means it is not going to regularly check connectivity.</a:t>
+            </a:r>
+          </a:p>
+          <a:p>
             <a:endParaRPr lang="en-US" dirty="0"/>
           </a:p>
         </p:txBody>
@@ -1267,7 +1545,7 @@
           <a:p>
             <a:fld id="{5450D3AD-83DA-F14F-BC42-147EEC5EDD61}" type="slidenum">
               <a:rPr lang="en-US" smtClean="0"/>
-              <a:t>9</a:t>
+              <a:t>8</a:t>
             </a:fld>
             <a:endParaRPr lang="en-US"/>
           </a:p>
@@ -1276,7 +1554,7 @@
     </p:spTree>
     <p:extLst>
       <p:ext uri="{BB962C8B-B14F-4D97-AF65-F5344CB8AC3E}">
-        <p14:creationId xmlns:p14="http://schemas.microsoft.com/office/powerpoint/2010/main" val="1387097259"/>
+        <p14:creationId xmlns:p14="http://schemas.microsoft.com/office/powerpoint/2010/main" val="1736426534"/>
       </p:ext>
     </p:extLst>
   </p:cSld>
@@ -1330,6 +1608,90 @@
           <a:bodyPr/>
           <a:lstStyle/>
           <a:p>
+            <a:endParaRPr lang="en-US" dirty="0"/>
+          </a:p>
+        </p:txBody>
+      </p:sp>
+      <p:sp>
+        <p:nvSpPr>
+          <p:cNvPr id="4" name="Slide Number Placeholder 3"/>
+          <p:cNvSpPr>
+            <a:spLocks noGrp="1"/>
+          </p:cNvSpPr>
+          <p:nvPr>
+            <p:ph type="sldNum" sz="quarter" idx="10"/>
+          </p:nvPr>
+        </p:nvSpPr>
+        <p:spPr/>
+        <p:txBody>
+          <a:bodyPr/>
+          <a:lstStyle/>
+          <a:p>
+            <a:fld id="{5450D3AD-83DA-F14F-BC42-147EEC5EDD61}" type="slidenum">
+              <a:rPr lang="en-US" smtClean="0"/>
+              <a:t>10</a:t>
+            </a:fld>
+            <a:endParaRPr lang="en-US"/>
+          </a:p>
+        </p:txBody>
+      </p:sp>
+    </p:spTree>
+    <p:extLst>
+      <p:ext uri="{BB962C8B-B14F-4D97-AF65-F5344CB8AC3E}">
+        <p14:creationId xmlns:p14="http://schemas.microsoft.com/office/powerpoint/2010/main" val="1387097259"/>
+      </p:ext>
+    </p:extLst>
+  </p:cSld>
+  <p:clrMapOvr>
+    <a:masterClrMapping/>
+  </p:clrMapOvr>
+</p:notes>
+</file>
+
+<file path=ppt/notesSlides/notesSlide5.xml><?xml version="1.0" encoding="utf-8"?>
+<p:notes xmlns:a="http://schemas.openxmlformats.org/drawingml/2006/main" xmlns:r="http://schemas.openxmlformats.org/officeDocument/2006/relationships" xmlns:p="http://schemas.openxmlformats.org/presentationml/2006/main">
+  <p:cSld>
+    <p:spTree>
+      <p:nvGrpSpPr>
+        <p:cNvPr id="1" name=""/>
+        <p:cNvGrpSpPr/>
+        <p:nvPr/>
+      </p:nvGrpSpPr>
+      <p:grpSpPr>
+        <a:xfrm>
+          <a:off x="0" y="0"/>
+          <a:ext cx="0" cy="0"/>
+          <a:chOff x="0" y="0"/>
+          <a:chExt cx="0" cy="0"/>
+        </a:xfrm>
+      </p:grpSpPr>
+      <p:sp>
+        <p:nvSpPr>
+          <p:cNvPr id="2" name="Slide Image Placeholder 1"/>
+          <p:cNvSpPr>
+            <a:spLocks noGrp="1" noRot="1" noChangeAspect="1"/>
+          </p:cNvSpPr>
+          <p:nvPr>
+            <p:ph type="sldImg"/>
+          </p:nvPr>
+        </p:nvSpPr>
+        <p:spPr/>
+      </p:sp>
+      <p:sp>
+        <p:nvSpPr>
+          <p:cNvPr id="3" name="Notes Placeholder 2"/>
+          <p:cNvSpPr>
+            <a:spLocks noGrp="1"/>
+          </p:cNvSpPr>
+          <p:nvPr>
+            <p:ph type="body" idx="1"/>
+          </p:nvPr>
+        </p:nvSpPr>
+        <p:spPr/>
+        <p:txBody>
+          <a:bodyPr/>
+          <a:lstStyle/>
+          <a:p>
             <a:r>
               <a:rPr lang="en-US" dirty="0" smtClean="0"/>
               <a:t>What about saving our</a:t>
@@ -1359,7 +1721,7 @@
           <a:p>
             <a:fld id="{5450D3AD-83DA-F14F-BC42-147EEC5EDD61}" type="slidenum">
               <a:rPr lang="en-US" smtClean="0"/>
-              <a:t>10</a:t>
+              <a:t>11</a:t>
             </a:fld>
             <a:endParaRPr lang="en-US"/>
           </a:p>
@@ -1369,6 +1731,417 @@
     <p:extLst>
       <p:ext uri="{BB962C8B-B14F-4D97-AF65-F5344CB8AC3E}">
         <p14:creationId xmlns:p14="http://schemas.microsoft.com/office/powerpoint/2010/main" val="929378755"/>
+      </p:ext>
+    </p:extLst>
+  </p:cSld>
+  <p:clrMapOvr>
+    <a:masterClrMapping/>
+  </p:clrMapOvr>
+</p:notes>
+</file>
+
+<file path=ppt/notesSlides/notesSlide6.xml><?xml version="1.0" encoding="utf-8"?>
+<p:notes xmlns:a="http://schemas.openxmlformats.org/drawingml/2006/main" xmlns:r="http://schemas.openxmlformats.org/officeDocument/2006/relationships" xmlns:p="http://schemas.openxmlformats.org/presentationml/2006/main">
+  <p:cSld>
+    <p:spTree>
+      <p:nvGrpSpPr>
+        <p:cNvPr id="1" name=""/>
+        <p:cNvGrpSpPr/>
+        <p:nvPr/>
+      </p:nvGrpSpPr>
+      <p:grpSpPr>
+        <a:xfrm>
+          <a:off x="0" y="0"/>
+          <a:ext cx="0" cy="0"/>
+          <a:chOff x="0" y="0"/>
+          <a:chExt cx="0" cy="0"/>
+        </a:xfrm>
+      </p:grpSpPr>
+      <p:sp>
+        <p:nvSpPr>
+          <p:cNvPr id="2" name="Slide Image Placeholder 1"/>
+          <p:cNvSpPr>
+            <a:spLocks noGrp="1" noRot="1" noChangeAspect="1"/>
+          </p:cNvSpPr>
+          <p:nvPr>
+            <p:ph type="sldImg"/>
+          </p:nvPr>
+        </p:nvSpPr>
+        <p:spPr/>
+      </p:sp>
+      <p:sp>
+        <p:nvSpPr>
+          <p:cNvPr id="3" name="Notes Placeholder 2"/>
+          <p:cNvSpPr>
+            <a:spLocks noGrp="1"/>
+          </p:cNvSpPr>
+          <p:nvPr>
+            <p:ph type="body" idx="1"/>
+          </p:nvPr>
+        </p:nvSpPr>
+        <p:spPr/>
+        <p:txBody>
+          <a:bodyPr/>
+          <a:lstStyle/>
+          <a:p>
+            <a:endParaRPr lang="en-US" dirty="0"/>
+          </a:p>
+        </p:txBody>
+      </p:sp>
+      <p:sp>
+        <p:nvSpPr>
+          <p:cNvPr id="4" name="Slide Number Placeholder 3"/>
+          <p:cNvSpPr>
+            <a:spLocks noGrp="1"/>
+          </p:cNvSpPr>
+          <p:nvPr>
+            <p:ph type="sldNum" sz="quarter" idx="10"/>
+          </p:nvPr>
+        </p:nvSpPr>
+        <p:spPr/>
+        <p:txBody>
+          <a:bodyPr/>
+          <a:lstStyle/>
+          <a:p>
+            <a:fld id="{5450D3AD-83DA-F14F-BC42-147EEC5EDD61}" type="slidenum">
+              <a:rPr lang="en-US" smtClean="0"/>
+              <a:t>15</a:t>
+            </a:fld>
+            <a:endParaRPr lang="en-US"/>
+          </a:p>
+        </p:txBody>
+      </p:sp>
+    </p:spTree>
+    <p:extLst>
+      <p:ext uri="{BB962C8B-B14F-4D97-AF65-F5344CB8AC3E}">
+        <p14:creationId xmlns:p14="http://schemas.microsoft.com/office/powerpoint/2010/main" val="595533347"/>
+      </p:ext>
+    </p:extLst>
+  </p:cSld>
+  <p:clrMapOvr>
+    <a:masterClrMapping/>
+  </p:clrMapOvr>
+</p:notes>
+</file>
+
+<file path=ppt/notesSlides/notesSlide7.xml><?xml version="1.0" encoding="utf-8"?>
+<p:notes xmlns:a="http://schemas.openxmlformats.org/drawingml/2006/main" xmlns:r="http://schemas.openxmlformats.org/officeDocument/2006/relationships" xmlns:p="http://schemas.openxmlformats.org/presentationml/2006/main">
+  <p:cSld>
+    <p:spTree>
+      <p:nvGrpSpPr>
+        <p:cNvPr id="1" name=""/>
+        <p:cNvGrpSpPr/>
+        <p:nvPr/>
+      </p:nvGrpSpPr>
+      <p:grpSpPr>
+        <a:xfrm>
+          <a:off x="0" y="0"/>
+          <a:ext cx="0" cy="0"/>
+          <a:chOff x="0" y="0"/>
+          <a:chExt cx="0" cy="0"/>
+        </a:xfrm>
+      </p:grpSpPr>
+      <p:sp>
+        <p:nvSpPr>
+          <p:cNvPr id="2" name="Slide Image Placeholder 1"/>
+          <p:cNvSpPr>
+            <a:spLocks noGrp="1" noRot="1" noChangeAspect="1"/>
+          </p:cNvSpPr>
+          <p:nvPr>
+            <p:ph type="sldImg"/>
+          </p:nvPr>
+        </p:nvSpPr>
+        <p:spPr/>
+      </p:sp>
+      <p:sp>
+        <p:nvSpPr>
+          <p:cNvPr id="3" name="Notes Placeholder 2"/>
+          <p:cNvSpPr>
+            <a:spLocks noGrp="1"/>
+          </p:cNvSpPr>
+          <p:nvPr>
+            <p:ph type="body" idx="1"/>
+          </p:nvPr>
+        </p:nvSpPr>
+        <p:spPr/>
+        <p:txBody>
+          <a:bodyPr/>
+          <a:lstStyle/>
+          <a:p>
+            <a:pPr marL="171450" indent="-171450">
+              <a:buFontTx/>
+              <a:buChar char="-"/>
+            </a:pPr>
+            <a:r>
+              <a:rPr lang="en-US" dirty="0" smtClean="0"/>
+              <a:t>Hooked this up and everything was working</a:t>
+            </a:r>
+            <a:r>
+              <a:rPr lang="en-US" baseline="0" dirty="0" smtClean="0"/>
+              <a:t> fine, except for the form reducers.</a:t>
+            </a:r>
+          </a:p>
+          <a:p>
+            <a:pPr marL="171450" indent="-171450">
+              <a:buFontTx/>
+              <a:buChar char="-"/>
+            </a:pPr>
+            <a:r>
+              <a:rPr lang="en-US" baseline="0" dirty="0" smtClean="0"/>
+              <a:t>Turns out that the form reducer was re-initializing itself, and ignoring the </a:t>
+            </a:r>
+            <a:r>
+              <a:rPr lang="en-US" baseline="0" dirty="0" smtClean="0"/>
+              <a:t>values that were stored under the “form” key in </a:t>
+            </a:r>
+            <a:r>
+              <a:rPr lang="en-US" baseline="0" dirty="0" err="1" smtClean="0"/>
+              <a:t>AsyncStorage</a:t>
+            </a:r>
+            <a:r>
+              <a:rPr lang="en-US" baseline="0" dirty="0" smtClean="0"/>
+              <a:t> by redux-persist</a:t>
+            </a:r>
+          </a:p>
+          <a:p>
+            <a:pPr marL="171450" indent="-171450">
+              <a:buFontTx/>
+              <a:buChar char="-"/>
+            </a:pPr>
+            <a:r>
+              <a:rPr lang="en-US" baseline="0" dirty="0" smtClean="0"/>
+              <a:t>The best way to initialize existing values into a form is to just pass an “</a:t>
+            </a:r>
+            <a:r>
+              <a:rPr lang="en-US" baseline="0" dirty="0" err="1" smtClean="0"/>
+              <a:t>initialValues</a:t>
+            </a:r>
+            <a:r>
+              <a:rPr lang="en-US" baseline="0" dirty="0" smtClean="0"/>
+              <a:t>” to that form</a:t>
+            </a:r>
+          </a:p>
+        </p:txBody>
+      </p:sp>
+      <p:sp>
+        <p:nvSpPr>
+          <p:cNvPr id="4" name="Slide Number Placeholder 3"/>
+          <p:cNvSpPr>
+            <a:spLocks noGrp="1"/>
+          </p:cNvSpPr>
+          <p:nvPr>
+            <p:ph type="sldNum" sz="quarter" idx="10"/>
+          </p:nvPr>
+        </p:nvSpPr>
+        <p:spPr/>
+        <p:txBody>
+          <a:bodyPr/>
+          <a:lstStyle/>
+          <a:p>
+            <a:fld id="{5450D3AD-83DA-F14F-BC42-147EEC5EDD61}" type="slidenum">
+              <a:rPr lang="en-US" smtClean="0"/>
+              <a:t>17</a:t>
+            </a:fld>
+            <a:endParaRPr lang="en-US"/>
+          </a:p>
+        </p:txBody>
+      </p:sp>
+    </p:spTree>
+    <p:extLst>
+      <p:ext uri="{BB962C8B-B14F-4D97-AF65-F5344CB8AC3E}">
+        <p14:creationId xmlns:p14="http://schemas.microsoft.com/office/powerpoint/2010/main" val="1353464113"/>
+      </p:ext>
+    </p:extLst>
+  </p:cSld>
+  <p:clrMapOvr>
+    <a:masterClrMapping/>
+  </p:clrMapOvr>
+</p:notes>
+</file>
+
+<file path=ppt/notesSlides/notesSlide8.xml><?xml version="1.0" encoding="utf-8"?>
+<p:notes xmlns:a="http://schemas.openxmlformats.org/drawingml/2006/main" xmlns:r="http://schemas.openxmlformats.org/officeDocument/2006/relationships" xmlns:p="http://schemas.openxmlformats.org/presentationml/2006/main">
+  <p:cSld>
+    <p:spTree>
+      <p:nvGrpSpPr>
+        <p:cNvPr id="1" name=""/>
+        <p:cNvGrpSpPr/>
+        <p:nvPr/>
+      </p:nvGrpSpPr>
+      <p:grpSpPr>
+        <a:xfrm>
+          <a:off x="0" y="0"/>
+          <a:ext cx="0" cy="0"/>
+          <a:chOff x="0" y="0"/>
+          <a:chExt cx="0" cy="0"/>
+        </a:xfrm>
+      </p:grpSpPr>
+      <p:sp>
+        <p:nvSpPr>
+          <p:cNvPr id="2" name="Slide Image Placeholder 1"/>
+          <p:cNvSpPr>
+            <a:spLocks noGrp="1" noRot="1" noChangeAspect="1"/>
+          </p:cNvSpPr>
+          <p:nvPr>
+            <p:ph type="sldImg"/>
+          </p:nvPr>
+        </p:nvSpPr>
+        <p:spPr/>
+      </p:sp>
+      <p:sp>
+        <p:nvSpPr>
+          <p:cNvPr id="3" name="Notes Placeholder 2"/>
+          <p:cNvSpPr>
+            <a:spLocks noGrp="1"/>
+          </p:cNvSpPr>
+          <p:nvPr>
+            <p:ph type="body" idx="1"/>
+          </p:nvPr>
+        </p:nvSpPr>
+        <p:spPr/>
+        <p:txBody>
+          <a:bodyPr/>
+          <a:lstStyle/>
+          <a:p>
+            <a:endParaRPr lang="en-US" dirty="0"/>
+          </a:p>
+        </p:txBody>
+      </p:sp>
+      <p:sp>
+        <p:nvSpPr>
+          <p:cNvPr id="4" name="Slide Number Placeholder 3"/>
+          <p:cNvSpPr>
+            <a:spLocks noGrp="1"/>
+          </p:cNvSpPr>
+          <p:nvPr>
+            <p:ph type="sldNum" sz="quarter" idx="10"/>
+          </p:nvPr>
+        </p:nvSpPr>
+        <p:spPr/>
+        <p:txBody>
+          <a:bodyPr/>
+          <a:lstStyle/>
+          <a:p>
+            <a:fld id="{5450D3AD-83DA-F14F-BC42-147EEC5EDD61}" type="slidenum">
+              <a:rPr lang="en-US" smtClean="0"/>
+              <a:t>18</a:t>
+            </a:fld>
+            <a:endParaRPr lang="en-US"/>
+          </a:p>
+        </p:txBody>
+      </p:sp>
+    </p:spTree>
+    <p:extLst>
+      <p:ext uri="{BB962C8B-B14F-4D97-AF65-F5344CB8AC3E}">
+        <p14:creationId xmlns:p14="http://schemas.microsoft.com/office/powerpoint/2010/main" val="392516760"/>
+      </p:ext>
+    </p:extLst>
+  </p:cSld>
+  <p:clrMapOvr>
+    <a:masterClrMapping/>
+  </p:clrMapOvr>
+</p:notes>
+</file>
+
+<file path=ppt/notesSlides/notesSlide9.xml><?xml version="1.0" encoding="utf-8"?>
+<p:notes xmlns:a="http://schemas.openxmlformats.org/drawingml/2006/main" xmlns:r="http://schemas.openxmlformats.org/officeDocument/2006/relationships" xmlns:p="http://schemas.openxmlformats.org/presentationml/2006/main">
+  <p:cSld>
+    <p:spTree>
+      <p:nvGrpSpPr>
+        <p:cNvPr id="1" name=""/>
+        <p:cNvGrpSpPr/>
+        <p:nvPr/>
+      </p:nvGrpSpPr>
+      <p:grpSpPr>
+        <a:xfrm>
+          <a:off x="0" y="0"/>
+          <a:ext cx="0" cy="0"/>
+          <a:chOff x="0" y="0"/>
+          <a:chExt cx="0" cy="0"/>
+        </a:xfrm>
+      </p:grpSpPr>
+      <p:sp>
+        <p:nvSpPr>
+          <p:cNvPr id="2" name="Slide Image Placeholder 1"/>
+          <p:cNvSpPr>
+            <a:spLocks noGrp="1" noRot="1" noChangeAspect="1"/>
+          </p:cNvSpPr>
+          <p:nvPr>
+            <p:ph type="sldImg"/>
+          </p:nvPr>
+        </p:nvSpPr>
+        <p:spPr/>
+      </p:sp>
+      <p:sp>
+        <p:nvSpPr>
+          <p:cNvPr id="3" name="Notes Placeholder 2"/>
+          <p:cNvSpPr>
+            <a:spLocks noGrp="1"/>
+          </p:cNvSpPr>
+          <p:nvPr>
+            <p:ph type="body" idx="1"/>
+          </p:nvPr>
+        </p:nvSpPr>
+        <p:spPr/>
+        <p:txBody>
+          <a:bodyPr/>
+          <a:lstStyle/>
+          <a:p>
+            <a:r>
+              <a:rPr lang="en-US" dirty="0" smtClean="0"/>
+              <a:t>- </a:t>
+            </a:r>
+            <a:r>
+              <a:rPr lang="en-US" sz="1200" b="0" i="0" kern="1200" dirty="0" smtClean="0">
+                <a:solidFill>
+                  <a:schemeClr val="tx1"/>
+                </a:solidFill>
+                <a:effectLst/>
+                <a:latin typeface="+mn-lt"/>
+                <a:ea typeface="+mn-ea"/>
+                <a:cs typeface="+mn-cs"/>
+              </a:rPr>
+              <a:t>When the state object gets persisted, it first gets serialized with </a:t>
+            </a:r>
+            <a:r>
+              <a:rPr lang="en-US" dirty="0" err="1" smtClean="0"/>
+              <a:t>JSON.stringify</a:t>
+            </a:r>
+            <a:r>
+              <a:rPr lang="en-US" dirty="0" smtClean="0"/>
+              <a:t>()</a:t>
+            </a:r>
+            <a:endParaRPr lang="en-US" dirty="0"/>
+          </a:p>
+        </p:txBody>
+      </p:sp>
+      <p:sp>
+        <p:nvSpPr>
+          <p:cNvPr id="4" name="Slide Number Placeholder 3"/>
+          <p:cNvSpPr>
+            <a:spLocks noGrp="1"/>
+          </p:cNvSpPr>
+          <p:nvPr>
+            <p:ph type="sldNum" sz="quarter" idx="10"/>
+          </p:nvPr>
+        </p:nvSpPr>
+        <p:spPr/>
+        <p:txBody>
+          <a:bodyPr/>
+          <a:lstStyle/>
+          <a:p>
+            <a:fld id="{5450D3AD-83DA-F14F-BC42-147EEC5EDD61}" type="slidenum">
+              <a:rPr lang="en-US" smtClean="0"/>
+              <a:t>19</a:t>
+            </a:fld>
+            <a:endParaRPr lang="en-US"/>
+          </a:p>
+        </p:txBody>
+      </p:sp>
+    </p:spTree>
+    <p:extLst>
+      <p:ext uri="{BB962C8B-B14F-4D97-AF65-F5344CB8AC3E}">
+        <p14:creationId xmlns:p14="http://schemas.microsoft.com/office/powerpoint/2010/main" val="1013230823"/>
       </p:ext>
     </p:extLst>
   </p:cSld>
@@ -7041,15 +7814,7 @@
             </a:r>
             <a:r>
               <a:rPr lang="en-US" dirty="0" smtClean="0"/>
-              <a:t>yson Kunovsky | </a:t>
-            </a:r>
-            <a:r>
-              <a:rPr lang="en-US" dirty="0" smtClean="0"/>
-              <a:t>Principal - Inspire11 </a:t>
-            </a:r>
-            <a:r>
-              <a:rPr lang="en-US" dirty="0" smtClean="0"/>
-              <a:t>Consulting</a:t>
+              <a:t>yson Kunovsky | Principal - Inspire11 Consulting</a:t>
             </a:r>
             <a:endParaRPr lang="en-US" dirty="0"/>
           </a:p>
@@ -7069,6 +7834,77 @@
 </file>
 
 <file path=ppt/slides/slide10.xml><?xml version="1.0" encoding="utf-8"?>
+<p:sld xmlns:a="http://schemas.openxmlformats.org/drawingml/2006/main" xmlns:r="http://schemas.openxmlformats.org/officeDocument/2006/relationships" xmlns:p="http://schemas.openxmlformats.org/presentationml/2006/main">
+  <p:cSld>
+    <p:spTree>
+      <p:nvGrpSpPr>
+        <p:cNvPr id="1" name=""/>
+        <p:cNvGrpSpPr/>
+        <p:nvPr/>
+      </p:nvGrpSpPr>
+      <p:grpSpPr>
+        <a:xfrm>
+          <a:off x="0" y="0"/>
+          <a:ext cx="0" cy="0"/>
+          <a:chOff x="0" y="0"/>
+          <a:chExt cx="0" cy="0"/>
+        </a:xfrm>
+      </p:grpSpPr>
+      <p:sp>
+        <p:nvSpPr>
+          <p:cNvPr id="2" name="Title 1"/>
+          <p:cNvSpPr>
+            <a:spLocks noGrp="1"/>
+          </p:cNvSpPr>
+          <p:nvPr>
+            <p:ph type="title"/>
+          </p:nvPr>
+        </p:nvSpPr>
+        <p:spPr>
+          <a:xfrm>
+            <a:off x="1446834" y="2784234"/>
+            <a:ext cx="10745165" cy="1012261"/>
+          </a:xfrm>
+        </p:spPr>
+        <p:txBody>
+          <a:bodyPr>
+            <a:normAutofit/>
+          </a:bodyPr>
+          <a:lstStyle/>
+          <a:p>
+            <a:r>
+              <a:rPr lang="en-US" dirty="0" smtClean="0"/>
+              <a:t>Step 2 - Redux </a:t>
+            </a:r>
+            <a:r>
+              <a:rPr lang="en-US" dirty="0" smtClean="0"/>
+              <a:t>Persist</a:t>
+            </a:r>
+            <a:endParaRPr lang="en-US" dirty="0"/>
+          </a:p>
+        </p:txBody>
+      </p:sp>
+    </p:spTree>
+    <p:extLst>
+      <p:ext uri="{BB962C8B-B14F-4D97-AF65-F5344CB8AC3E}">
+        <p14:creationId xmlns:p14="http://schemas.microsoft.com/office/powerpoint/2010/main" val="811184968"/>
+      </p:ext>
+    </p:extLst>
+  </p:cSld>
+  <p:clrMapOvr>
+    <a:masterClrMapping/>
+  </p:clrMapOvr>
+  <p:timing>
+    <p:tnLst>
+      <p:par>
+        <p:cTn id="1" dur="indefinite" restart="never" nodeType="tmRoot"/>
+      </p:par>
+    </p:tnLst>
+  </p:timing>
+</p:sld>
+</file>
+
+<file path=ppt/slides/slide11.xml><?xml version="1.0" encoding="utf-8"?>
 <p:sld xmlns:a="http://schemas.openxmlformats.org/drawingml/2006/main" xmlns:r="http://schemas.openxmlformats.org/officeDocument/2006/relationships" xmlns:p="http://schemas.openxmlformats.org/presentationml/2006/main">
   <p:cSld>
     <p:spTree>
@@ -7119,10 +7955,115 @@
   <p:clrMapOvr>
     <a:masterClrMapping/>
   </p:clrMapOvr>
+  <p:timing>
+    <p:tnLst>
+      <p:par>
+        <p:cTn id="1" dur="indefinite" restart="never" nodeType="tmRoot"/>
+      </p:par>
+    </p:tnLst>
+  </p:timing>
 </p:sld>
 </file>
 
-<file path=ppt/slides/slide11.xml><?xml version="1.0" encoding="utf-8"?>
+<file path=ppt/slides/slide12.xml><?xml version="1.0" encoding="utf-8"?>
+<p:sld xmlns:a="http://schemas.openxmlformats.org/drawingml/2006/main" xmlns:r="http://schemas.openxmlformats.org/officeDocument/2006/relationships" xmlns:p="http://schemas.openxmlformats.org/presentationml/2006/main">
+  <p:cSld>
+    <p:spTree>
+      <p:nvGrpSpPr>
+        <p:cNvPr id="1" name=""/>
+        <p:cNvGrpSpPr/>
+        <p:nvPr/>
+      </p:nvGrpSpPr>
+      <p:grpSpPr>
+        <a:xfrm>
+          <a:off x="0" y="0"/>
+          <a:ext cx="0" cy="0"/>
+          <a:chOff x="0" y="0"/>
+          <a:chExt cx="0" cy="0"/>
+        </a:xfrm>
+      </p:grpSpPr>
+      <p:sp>
+        <p:nvSpPr>
+          <p:cNvPr id="2" name="Title 1"/>
+          <p:cNvSpPr>
+            <a:spLocks noGrp="1"/>
+          </p:cNvSpPr>
+          <p:nvPr>
+            <p:ph type="title"/>
+          </p:nvPr>
+        </p:nvSpPr>
+        <p:spPr/>
+        <p:txBody>
+          <a:bodyPr/>
+          <a:lstStyle/>
+          <a:p>
+            <a:r>
+              <a:rPr lang="en-US" dirty="0" smtClean="0"/>
+              <a:t>How does it work?</a:t>
+            </a:r>
+            <a:endParaRPr lang="en-US" dirty="0"/>
+          </a:p>
+        </p:txBody>
+      </p:sp>
+      <p:sp>
+        <p:nvSpPr>
+          <p:cNvPr id="3" name="Content Placeholder 2"/>
+          <p:cNvSpPr>
+            <a:spLocks noGrp="1"/>
+          </p:cNvSpPr>
+          <p:nvPr>
+            <p:ph idx="1"/>
+          </p:nvPr>
+        </p:nvSpPr>
+        <p:spPr/>
+        <p:txBody>
+          <a:bodyPr/>
+          <a:lstStyle/>
+          <a:p>
+            <a:r>
+              <a:rPr lang="en-US" dirty="0" smtClean="0"/>
+              <a:t>Takes your reducer state</a:t>
+            </a:r>
+          </a:p>
+          <a:p>
+            <a:r>
+              <a:rPr lang="en-US" dirty="0" smtClean="0"/>
+              <a:t>State </a:t>
+            </a:r>
+            <a:r>
+              <a:rPr lang="en-US" dirty="0"/>
+              <a:t>reconcilers define how incoming state is merged in with initial </a:t>
+            </a:r>
+            <a:r>
+              <a:rPr lang="en-US" dirty="0" smtClean="0"/>
+              <a:t>state </a:t>
+            </a:r>
+            <a:r>
+              <a:rPr lang="mr-IN" dirty="0" smtClean="0"/>
+              <a:t>–</a:t>
+            </a:r>
+            <a:r>
+              <a:rPr lang="en-US" dirty="0" smtClean="0"/>
+              <a:t> make sure to choose the right one for your needs.</a:t>
+            </a:r>
+            <a:endParaRPr lang="en-US" dirty="0"/>
+          </a:p>
+        </p:txBody>
+      </p:sp>
+    </p:spTree>
+    <p:extLst>
+      <p:ext uri="{BB962C8B-B14F-4D97-AF65-F5344CB8AC3E}">
+        <p14:creationId xmlns:p14="http://schemas.microsoft.com/office/powerpoint/2010/main" val="143790090"/>
+      </p:ext>
+    </p:extLst>
+  </p:cSld>
+  <p:clrMapOvr>
+    <a:masterClrMapping/>
+  </p:clrMapOvr>
+</p:sld>
+</file>
+
+<file path=ppt/slides/slide13.xml><?xml version="1.0" encoding="utf-8"?>
 <p:sld xmlns:a="http://schemas.openxmlformats.org/drawingml/2006/main" xmlns:r="http://schemas.openxmlformats.org/officeDocument/2006/relationships" xmlns:p="http://schemas.openxmlformats.org/presentationml/2006/main">
   <p:cSld>
     <p:spTree>
@@ -7179,10 +8120,17 @@
   <p:clrMapOvr>
     <a:masterClrMapping/>
   </p:clrMapOvr>
+  <p:timing>
+    <p:tnLst>
+      <p:par>
+        <p:cTn id="1" dur="indefinite" restart="never" nodeType="tmRoot"/>
+      </p:par>
+    </p:tnLst>
+  </p:timing>
 </p:sld>
 </file>
 
-<file path=ppt/slides/slide12.xml><?xml version="1.0" encoding="utf-8"?>
+<file path=ppt/slides/slide14.xml><?xml version="1.0" encoding="utf-8"?>
 <p:sld xmlns:a="http://schemas.openxmlformats.org/drawingml/2006/main" xmlns:r="http://schemas.openxmlformats.org/officeDocument/2006/relationships" xmlns:p="http://schemas.openxmlformats.org/presentationml/2006/main">
   <p:cSld>
     <p:spTree>
@@ -7239,142 +8187,13 @@
   <p:clrMapOvr>
     <a:masterClrMapping/>
   </p:clrMapOvr>
-</p:sld>
-</file>
-
-<file path=ppt/slides/slide13.xml><?xml version="1.0" encoding="utf-8"?>
-<p:sld xmlns:a="http://schemas.openxmlformats.org/drawingml/2006/main" xmlns:r="http://schemas.openxmlformats.org/officeDocument/2006/relationships" xmlns:p="http://schemas.openxmlformats.org/presentationml/2006/main">
-  <p:cSld>
-    <p:spTree>
-      <p:nvGrpSpPr>
-        <p:cNvPr id="1" name=""/>
-        <p:cNvGrpSpPr/>
-        <p:nvPr/>
-      </p:nvGrpSpPr>
-      <p:grpSpPr>
-        <a:xfrm>
-          <a:off x="0" y="0"/>
-          <a:ext cx="0" cy="0"/>
-          <a:chOff x="0" y="0"/>
-          <a:chExt cx="0" cy="0"/>
-        </a:xfrm>
-      </p:grpSpPr>
-      <p:sp>
-        <p:nvSpPr>
-          <p:cNvPr id="2" name="Title 1"/>
-          <p:cNvSpPr>
-            <a:spLocks noGrp="1"/>
-          </p:cNvSpPr>
-          <p:nvPr>
-            <p:ph type="title"/>
-          </p:nvPr>
-        </p:nvSpPr>
-        <p:spPr>
-          <a:xfrm>
-            <a:off x="1446834" y="2784234"/>
-            <a:ext cx="10745165" cy="1012261"/>
-          </a:xfrm>
-        </p:spPr>
-        <p:txBody>
-          <a:bodyPr>
-            <a:normAutofit/>
-          </a:bodyPr>
-          <a:lstStyle/>
-          <a:p>
-            <a:r>
-              <a:rPr lang="en-US" dirty="0" smtClean="0"/>
-              <a:t>Challenges</a:t>
-            </a:r>
-            <a:endParaRPr lang="en-US" dirty="0"/>
-          </a:p>
-        </p:txBody>
-      </p:sp>
-    </p:spTree>
-    <p:extLst>
-      <p:ext uri="{BB962C8B-B14F-4D97-AF65-F5344CB8AC3E}">
-        <p14:creationId xmlns:p14="http://schemas.microsoft.com/office/powerpoint/2010/main" val="2008643828"/>
-      </p:ext>
-    </p:extLst>
-  </p:cSld>
-  <p:clrMapOvr>
-    <a:masterClrMapping/>
-  </p:clrMapOvr>
-</p:sld>
-</file>
-
-<file path=ppt/slides/slide14.xml><?xml version="1.0" encoding="utf-8"?>
-<p:sld xmlns:a="http://schemas.openxmlformats.org/drawingml/2006/main" xmlns:r="http://schemas.openxmlformats.org/officeDocument/2006/relationships" xmlns:p="http://schemas.openxmlformats.org/presentationml/2006/main">
-  <p:cSld>
-    <p:spTree>
-      <p:nvGrpSpPr>
-        <p:cNvPr id="1" name=""/>
-        <p:cNvGrpSpPr/>
-        <p:nvPr/>
-      </p:nvGrpSpPr>
-      <p:grpSpPr>
-        <a:xfrm>
-          <a:off x="0" y="0"/>
-          <a:ext cx="0" cy="0"/>
-          <a:chOff x="0" y="0"/>
-          <a:chExt cx="0" cy="0"/>
-        </a:xfrm>
-      </p:grpSpPr>
-      <p:sp>
-        <p:nvSpPr>
-          <p:cNvPr id="2" name="Title 1"/>
-          <p:cNvSpPr>
-            <a:spLocks noGrp="1"/>
-          </p:cNvSpPr>
-          <p:nvPr>
-            <p:ph type="title"/>
-          </p:nvPr>
-        </p:nvSpPr>
-        <p:spPr/>
-        <p:txBody>
-          <a:bodyPr/>
-          <a:lstStyle/>
-          <a:p>
-            <a:r>
-              <a:rPr lang="en-US" dirty="0" smtClean="0"/>
-              <a:t>Redux Form</a:t>
-            </a:r>
-            <a:endParaRPr lang="en-US" dirty="0"/>
-          </a:p>
-        </p:txBody>
-      </p:sp>
-      <p:sp>
-        <p:nvSpPr>
-          <p:cNvPr id="3" name="Content Placeholder 2"/>
-          <p:cNvSpPr>
-            <a:spLocks noGrp="1"/>
-          </p:cNvSpPr>
-          <p:nvPr>
-            <p:ph idx="1"/>
-          </p:nvPr>
-        </p:nvSpPr>
-        <p:spPr/>
-        <p:txBody>
-          <a:bodyPr/>
-          <a:lstStyle/>
-          <a:p>
-            <a:r>
-              <a:rPr lang="en-US" dirty="0" smtClean="0"/>
-              <a:t>Challenges of saving our data with redux form</a:t>
-            </a:r>
-            <a:endParaRPr lang="en-US" dirty="0"/>
-          </a:p>
-        </p:txBody>
-      </p:sp>
-    </p:spTree>
-    <p:extLst>
-      <p:ext uri="{BB962C8B-B14F-4D97-AF65-F5344CB8AC3E}">
-        <p14:creationId xmlns:p14="http://schemas.microsoft.com/office/powerpoint/2010/main" val="899617810"/>
-      </p:ext>
-    </p:extLst>
-  </p:cSld>
-  <p:clrMapOvr>
-    <a:masterClrMapping/>
-  </p:clrMapOvr>
+  <p:timing>
+    <p:tnLst>
+      <p:par>
+        <p:cTn id="1" dur="indefinite" restart="never" nodeType="tmRoot"/>
+      </p:par>
+    </p:tnLst>
+  </p:timing>
 </p:sld>
 </file>
 
@@ -7405,37 +8224,21 @@
             <p:ph type="title"/>
           </p:nvPr>
         </p:nvSpPr>
-        <p:spPr/>
-        <p:txBody>
-          <a:bodyPr/>
+        <p:spPr>
+          <a:xfrm>
+            <a:off x="1446834" y="2784234"/>
+            <a:ext cx="10745165" cy="1012261"/>
+          </a:xfrm>
+        </p:spPr>
+        <p:txBody>
+          <a:bodyPr>
+            <a:normAutofit/>
+          </a:bodyPr>
           <a:lstStyle/>
           <a:p>
             <a:r>
               <a:rPr lang="en-US" dirty="0" smtClean="0"/>
-              <a:t>Developer Experience</a:t>
-            </a:r>
-            <a:endParaRPr lang="en-US" dirty="0"/>
-          </a:p>
-        </p:txBody>
-      </p:sp>
-      <p:sp>
-        <p:nvSpPr>
-          <p:cNvPr id="3" name="Content Placeholder 2"/>
-          <p:cNvSpPr>
-            <a:spLocks noGrp="1"/>
-          </p:cNvSpPr>
-          <p:nvPr>
-            <p:ph idx="1"/>
-          </p:nvPr>
-        </p:nvSpPr>
-        <p:spPr/>
-        <p:txBody>
-          <a:bodyPr/>
-          <a:lstStyle/>
-          <a:p>
-            <a:r>
-              <a:rPr lang="en-US" dirty="0" smtClean="0"/>
-              <a:t>Persisting the store between refreshes can be annoying</a:t>
+              <a:t>That’s it! (mostly)</a:t>
             </a:r>
             <a:endParaRPr lang="en-US" dirty="0"/>
           </a:p>
@@ -7444,13 +8247,20 @@
     </p:spTree>
     <p:extLst>
       <p:ext uri="{BB962C8B-B14F-4D97-AF65-F5344CB8AC3E}">
-        <p14:creationId xmlns:p14="http://schemas.microsoft.com/office/powerpoint/2010/main" val="71040956"/>
+        <p14:creationId xmlns:p14="http://schemas.microsoft.com/office/powerpoint/2010/main" val="2008643828"/>
       </p:ext>
     </p:extLst>
   </p:cSld>
   <p:clrMapOvr>
     <a:masterClrMapping/>
   </p:clrMapOvr>
+  <p:timing>
+    <p:tnLst>
+      <p:par>
+        <p:cTn id="1" dur="indefinite" restart="never" nodeType="tmRoot"/>
+      </p:par>
+    </p:tnLst>
+  </p:timing>
 </p:sld>
 </file>
 
@@ -7481,37 +8291,37 @@
             <p:ph type="title"/>
           </p:nvPr>
         </p:nvSpPr>
-        <p:spPr/>
-        <p:txBody>
-          <a:bodyPr/>
+        <p:spPr>
+          <a:xfrm>
+            <a:off x="1446834" y="2784234"/>
+            <a:ext cx="10745165" cy="1012261"/>
+          </a:xfrm>
+        </p:spPr>
+        <p:txBody>
+          <a:bodyPr>
+            <a:normAutofit fontScale="90000"/>
+          </a:bodyPr>
           <a:lstStyle/>
           <a:p>
             <a:r>
               <a:rPr lang="en-US" dirty="0" smtClean="0"/>
-              <a:t>Limitations</a:t>
-            </a:r>
-            <a:endParaRPr lang="en-US" dirty="0"/>
-          </a:p>
-        </p:txBody>
-      </p:sp>
-      <p:sp>
-        <p:nvSpPr>
-          <p:cNvPr id="3" name="Content Placeholder 2"/>
-          <p:cNvSpPr>
-            <a:spLocks noGrp="1"/>
-          </p:cNvSpPr>
-          <p:nvPr>
-            <p:ph idx="1"/>
-          </p:nvPr>
-        </p:nvSpPr>
-        <p:spPr/>
-        <p:txBody>
-          <a:bodyPr/>
-          <a:lstStyle/>
-          <a:p>
+              <a:t>Step 3 </a:t>
+            </a:r>
+            <a:r>
+              <a:rPr lang="mr-IN" dirty="0" smtClean="0"/>
+              <a:t>–</a:t>
+            </a:r>
             <a:r>
               <a:rPr lang="en-US" dirty="0" smtClean="0"/>
-              <a:t>Persisting the store between refreshes can be annoying</a:t>
+              <a:t> Get it working with </a:t>
+            </a:r>
+            <a:r>
+              <a:rPr lang="en-US" dirty="0" smtClean="0"/>
+              <a:t>r</a:t>
+            </a:r>
+            <a:r>
+              <a:rPr lang="en-US" dirty="0" smtClean="0"/>
+              <a:t>edux-form</a:t>
             </a:r>
             <a:endParaRPr lang="en-US" dirty="0"/>
           </a:p>
@@ -7520,13 +8330,20 @@
     </p:spTree>
     <p:extLst>
       <p:ext uri="{BB962C8B-B14F-4D97-AF65-F5344CB8AC3E}">
-        <p14:creationId xmlns:p14="http://schemas.microsoft.com/office/powerpoint/2010/main" val="361467079"/>
+        <p14:creationId xmlns:p14="http://schemas.microsoft.com/office/powerpoint/2010/main" val="794383630"/>
       </p:ext>
     </p:extLst>
   </p:cSld>
   <p:clrMapOvr>
     <a:masterClrMapping/>
   </p:clrMapOvr>
+  <p:timing>
+    <p:tnLst>
+      <p:par>
+        <p:cTn id="1" dur="indefinite" restart="never" nodeType="tmRoot"/>
+      </p:par>
+    </p:tnLst>
+  </p:timing>
 </p:sld>
 </file>
 
@@ -7559,12 +8376,26 @@
         </p:nvSpPr>
         <p:spPr/>
         <p:txBody>
-          <a:bodyPr/>
+          <a:bodyPr>
+            <a:normAutofit fontScale="90000"/>
+          </a:bodyPr>
           <a:lstStyle/>
           <a:p>
             <a:r>
               <a:rPr lang="en-US" dirty="0" smtClean="0"/>
-              <a:t>Resources</a:t>
+              <a:t>Redux </a:t>
+            </a:r>
+            <a:r>
+              <a:rPr lang="en-US" dirty="0" smtClean="0"/>
+              <a:t>Form </a:t>
+            </a:r>
+            <a:r>
+              <a:rPr lang="mr-IN" dirty="0" smtClean="0"/>
+              <a:t>–</a:t>
+            </a:r>
+            <a:r>
+              <a:rPr lang="en-US" dirty="0" smtClean="0"/>
+              <a:t> ensure form data saves</a:t>
             </a:r>
             <a:endParaRPr lang="en-US" dirty="0"/>
           </a:p>
@@ -7580,59 +8411,301 @@
             <p:ph idx="1"/>
           </p:nvPr>
         </p:nvSpPr>
-        <p:spPr/>
-        <p:txBody>
-          <a:bodyPr/>
-          <a:lstStyle/>
-          <a:p>
-            <a:r>
-              <a:rPr lang="en-US" dirty="0">
-                <a:hlinkClick r:id="rId2"/>
-              </a:rPr>
-              <a:t>https://</a:t>
-            </a:r>
-            <a:r>
-              <a:rPr lang="en-US" dirty="0" smtClean="0">
-                <a:hlinkClick r:id="rId2"/>
-              </a:rPr>
-              <a:t>blog.callstack.io/your-react-native-offline-tool-belt-795abd5f0183</a:t>
-            </a:r>
+        <p:spPr>
+          <a:xfrm>
+            <a:off x="653143" y="1825625"/>
+            <a:ext cx="10700657" cy="4351338"/>
+          </a:xfrm>
+        </p:spPr>
+        <p:txBody>
+          <a:bodyPr/>
+          <a:lstStyle/>
+          <a:p>
             <a:r>
               <a:rPr lang="en-US" dirty="0" smtClean="0"/>
-              <a:t> &lt;- explanation of </a:t>
-            </a:r>
-          </a:p>
-          <a:p>
-            <a:r>
-              <a:rPr lang="en-US" b="1" dirty="0" smtClean="0"/>
-              <a:t>Add code to my </a:t>
-            </a:r>
-            <a:r>
-              <a:rPr lang="en-US" b="1" dirty="0" err="1"/>
-              <a:t>G</a:t>
-            </a:r>
-            <a:r>
-              <a:rPr lang="en-US" b="1" dirty="0" err="1" smtClean="0"/>
-              <a:t>ithub</a:t>
-            </a:r>
-            <a:r>
-              <a:rPr lang="en-US" b="1" dirty="0" smtClean="0"/>
-              <a:t> here so people can see it!</a:t>
-            </a:r>
-            <a:endParaRPr lang="en-US" b="1" dirty="0"/>
-          </a:p>
-        </p:txBody>
-      </p:sp>
+              <a:t>When we refresh </a:t>
+            </a:r>
+            <a:r>
+              <a:rPr lang="en-US" smtClean="0"/>
+              <a:t>the app form </a:t>
+            </a:r>
+            <a:r>
+              <a:rPr lang="en-US" dirty="0" smtClean="0"/>
+              <a:t>data is not getting hydrated properly</a:t>
+            </a:r>
+            <a:r>
+              <a:rPr lang="mr-IN" dirty="0" smtClean="0"/>
+              <a:t>…</a:t>
+            </a:r>
+            <a:r>
+              <a:rPr lang="en-US" dirty="0" smtClean="0"/>
+              <a:t>.</a:t>
+            </a:r>
+          </a:p>
+          <a:p>
+            <a:r>
+              <a:rPr lang="en-US" dirty="0" smtClean="0"/>
+              <a:t>Expected this:</a:t>
+            </a:r>
+          </a:p>
+          <a:p>
+            <a:endParaRPr lang="en-US" dirty="0"/>
+          </a:p>
+          <a:p>
+            <a:endParaRPr lang="en-US" dirty="0" smtClean="0"/>
+          </a:p>
+          <a:p>
+            <a:endParaRPr lang="en-US" dirty="0"/>
+          </a:p>
+          <a:p>
+            <a:r>
+              <a:rPr lang="en-US" dirty="0" smtClean="0"/>
+              <a:t>But got this:</a:t>
+            </a:r>
+          </a:p>
+        </p:txBody>
+      </p:sp>
+      <p:pic>
+        <p:nvPicPr>
+          <p:cNvPr id="5" name="Picture 4"/>
+          <p:cNvPicPr>
+            <a:picLocks noChangeAspect="1"/>
+          </p:cNvPicPr>
+          <p:nvPr/>
+        </p:nvPicPr>
+        <p:blipFill>
+          <a:blip r:embed="rId3"/>
+          <a:stretch>
+            <a:fillRect/>
+          </a:stretch>
+        </p:blipFill>
+        <p:spPr>
+          <a:xfrm>
+            <a:off x="1120000" y="3056617"/>
+            <a:ext cx="7912100" cy="1066800"/>
+          </a:xfrm>
+          <a:prstGeom prst="rect">
+            <a:avLst/>
+          </a:prstGeom>
+        </p:spPr>
+      </p:pic>
+      <p:pic>
+        <p:nvPicPr>
+          <p:cNvPr id="6" name="Picture 5"/>
+          <p:cNvPicPr>
+            <a:picLocks noChangeAspect="1"/>
+          </p:cNvPicPr>
+          <p:nvPr/>
+        </p:nvPicPr>
+        <p:blipFill>
+          <a:blip r:embed="rId4"/>
+          <a:stretch>
+            <a:fillRect/>
+          </a:stretch>
+        </p:blipFill>
+        <p:spPr>
+          <a:xfrm>
+            <a:off x="1150521" y="4902540"/>
+            <a:ext cx="7923252" cy="649174"/>
+          </a:xfrm>
+          <a:prstGeom prst="rect">
+            <a:avLst/>
+          </a:prstGeom>
+        </p:spPr>
+      </p:pic>
     </p:spTree>
     <p:extLst>
       <p:ext uri="{BB962C8B-B14F-4D97-AF65-F5344CB8AC3E}">
-        <p14:creationId xmlns:p14="http://schemas.microsoft.com/office/powerpoint/2010/main" val="543916543"/>
+        <p14:creationId xmlns:p14="http://schemas.microsoft.com/office/powerpoint/2010/main" val="899617810"/>
       </p:ext>
     </p:extLst>
   </p:cSld>
   <p:clrMapOvr>
     <a:masterClrMapping/>
   </p:clrMapOvr>
+  <p:timing>
+    <p:tnLst>
+      <p:par>
+        <p:cTn id="1" dur="indefinite" restart="never" nodeType="tmRoot"/>
+      </p:par>
+    </p:tnLst>
+  </p:timing>
+</p:sld>
+</file>
+
+<file path=ppt/slides/slide18.xml><?xml version="1.0" encoding="utf-8"?>
+<p:sld xmlns:a="http://schemas.openxmlformats.org/drawingml/2006/main" xmlns:r="http://schemas.openxmlformats.org/officeDocument/2006/relationships" xmlns:p="http://schemas.openxmlformats.org/presentationml/2006/main">
+  <p:cSld>
+    <p:spTree>
+      <p:nvGrpSpPr>
+        <p:cNvPr id="1" name=""/>
+        <p:cNvGrpSpPr/>
+        <p:nvPr/>
+      </p:nvGrpSpPr>
+      <p:grpSpPr>
+        <a:xfrm>
+          <a:off x="0" y="0"/>
+          <a:ext cx="0" cy="0"/>
+          <a:chOff x="0" y="0"/>
+          <a:chExt cx="0" cy="0"/>
+        </a:xfrm>
+      </p:grpSpPr>
+      <p:sp>
+        <p:nvSpPr>
+          <p:cNvPr id="2" name="Title 1"/>
+          <p:cNvSpPr>
+            <a:spLocks noGrp="1"/>
+          </p:cNvSpPr>
+          <p:nvPr>
+            <p:ph type="title"/>
+          </p:nvPr>
+        </p:nvSpPr>
+        <p:spPr/>
+        <p:txBody>
+          <a:bodyPr/>
+          <a:lstStyle/>
+          <a:p>
+            <a:r>
+              <a:rPr lang="en-US" dirty="0" smtClean="0"/>
+              <a:t>Solution</a:t>
+            </a:r>
+            <a:endParaRPr lang="en-US" dirty="0"/>
+          </a:p>
+        </p:txBody>
+      </p:sp>
+      <p:sp>
+        <p:nvSpPr>
+          <p:cNvPr id="3" name="Content Placeholder 2"/>
+          <p:cNvSpPr>
+            <a:spLocks noGrp="1"/>
+          </p:cNvSpPr>
+          <p:nvPr>
+            <p:ph idx="1"/>
+          </p:nvPr>
+        </p:nvSpPr>
+        <p:spPr/>
+        <p:txBody>
+          <a:bodyPr/>
+          <a:lstStyle/>
+          <a:p>
+            <a:r>
+              <a:rPr lang="en-US" dirty="0" smtClean="0"/>
+              <a:t>Write a transform to populate </a:t>
+            </a:r>
+            <a:r>
+              <a:rPr lang="en-US" dirty="0" err="1" smtClean="0"/>
+              <a:t>initialValues</a:t>
+            </a:r>
+            <a:r>
+              <a:rPr lang="en-US" dirty="0" smtClean="0"/>
+              <a:t> on hydrate of the app</a:t>
+            </a:r>
+          </a:p>
+          <a:p>
+            <a:r>
+              <a:rPr lang="en-US" dirty="0"/>
+              <a:t>https://</a:t>
+            </a:r>
+            <a:r>
+              <a:rPr lang="en-US" dirty="0" err="1"/>
+              <a:t>github.com</a:t>
+            </a:r>
+            <a:r>
+              <a:rPr lang="en-US" dirty="0"/>
+              <a:t>/rt2zz/</a:t>
+            </a:r>
+            <a:r>
+              <a:rPr lang="en-US" dirty="0" err="1"/>
+              <a:t>redux-persist#transforms</a:t>
+            </a:r>
+            <a:endParaRPr lang="en-US" dirty="0" smtClean="0"/>
+          </a:p>
+        </p:txBody>
+      </p:sp>
+    </p:spTree>
+    <p:extLst>
+      <p:ext uri="{BB962C8B-B14F-4D97-AF65-F5344CB8AC3E}">
+        <p14:creationId xmlns:p14="http://schemas.microsoft.com/office/powerpoint/2010/main" val="1621720412"/>
+      </p:ext>
+    </p:extLst>
+  </p:cSld>
+  <p:clrMapOvr>
+    <a:masterClrMapping/>
+  </p:clrMapOvr>
+  <p:timing>
+    <p:tnLst>
+      <p:par>
+        <p:cTn id="1" dur="indefinite" restart="never" nodeType="tmRoot"/>
+      </p:par>
+    </p:tnLst>
+  </p:timing>
+</p:sld>
+</file>
+
+<file path=ppt/slides/slide19.xml><?xml version="1.0" encoding="utf-8"?>
+<p:sld xmlns:a="http://schemas.openxmlformats.org/drawingml/2006/main" xmlns:r="http://schemas.openxmlformats.org/officeDocument/2006/relationships" xmlns:p="http://schemas.openxmlformats.org/presentationml/2006/main">
+  <p:cSld>
+    <p:spTree>
+      <p:nvGrpSpPr>
+        <p:cNvPr id="1" name=""/>
+        <p:cNvGrpSpPr/>
+        <p:nvPr/>
+      </p:nvGrpSpPr>
+      <p:grpSpPr>
+        <a:xfrm>
+          <a:off x="0" y="0"/>
+          <a:ext cx="0" cy="0"/>
+          <a:chOff x="0" y="0"/>
+          <a:chExt cx="0" cy="0"/>
+        </a:xfrm>
+      </p:grpSpPr>
+      <p:pic>
+        <p:nvPicPr>
+          <p:cNvPr id="9" name="Picture 8"/>
+          <p:cNvPicPr>
+            <a:picLocks noChangeAspect="1"/>
+          </p:cNvPicPr>
+          <p:nvPr/>
+        </p:nvPicPr>
+        <p:blipFill>
+          <a:blip r:embed="rId3">
+            <a:extLst>
+              <a:ext uri="{28A0092B-C50C-407E-A947-70E740481C1C}">
+                <a14:useLocalDpi xmlns:a14="http://schemas.microsoft.com/office/drawing/2010/main" val="0"/>
+              </a:ext>
+            </a:extLst>
+          </a:blip>
+          <a:stretch>
+            <a:fillRect/>
+          </a:stretch>
+        </p:blipFill>
+        <p:spPr>
+          <a:xfrm>
+            <a:off x="2413000" y="0"/>
+            <a:ext cx="7350695" cy="6858000"/>
+          </a:xfrm>
+          <a:prstGeom prst="rect">
+            <a:avLst/>
+          </a:prstGeom>
+        </p:spPr>
+      </p:pic>
+    </p:spTree>
+    <p:extLst>
+      <p:ext uri="{BB962C8B-B14F-4D97-AF65-F5344CB8AC3E}">
+        <p14:creationId xmlns:p14="http://schemas.microsoft.com/office/powerpoint/2010/main" val="858867682"/>
+      </p:ext>
+    </p:extLst>
+  </p:cSld>
+  <p:clrMapOvr>
+    <a:masterClrMapping/>
+  </p:clrMapOvr>
+  <p:timing>
+    <p:tnLst>
+      <p:par>
+        <p:cTn id="1" dur="indefinite" restart="never" nodeType="tmRoot"/>
+      </p:par>
+    </p:tnLst>
+  </p:timing>
 </p:sld>
 </file>
 
@@ -7690,6 +8763,421 @@
 </p:sld>
 </file>
 
+<file path=ppt/slides/slide20.xml><?xml version="1.0" encoding="utf-8"?>
+<p:sld xmlns:a="http://schemas.openxmlformats.org/drawingml/2006/main" xmlns:r="http://schemas.openxmlformats.org/officeDocument/2006/relationships" xmlns:p="http://schemas.openxmlformats.org/presentationml/2006/main">
+  <p:cSld>
+    <p:spTree>
+      <p:nvGrpSpPr>
+        <p:cNvPr id="1" name=""/>
+        <p:cNvGrpSpPr/>
+        <p:nvPr/>
+      </p:nvGrpSpPr>
+      <p:grpSpPr>
+        <a:xfrm>
+          <a:off x="0" y="0"/>
+          <a:ext cx="0" cy="0"/>
+          <a:chOff x="0" y="0"/>
+          <a:chExt cx="0" cy="0"/>
+        </a:xfrm>
+      </p:grpSpPr>
+      <p:sp>
+        <p:nvSpPr>
+          <p:cNvPr id="2" name="Title 1"/>
+          <p:cNvSpPr>
+            <a:spLocks noGrp="1"/>
+          </p:cNvSpPr>
+          <p:nvPr>
+            <p:ph type="title"/>
+          </p:nvPr>
+        </p:nvSpPr>
+        <p:spPr>
+          <a:xfrm>
+            <a:off x="1446834" y="2784234"/>
+            <a:ext cx="10745165" cy="1012261"/>
+          </a:xfrm>
+        </p:spPr>
+        <p:txBody>
+          <a:bodyPr>
+            <a:normAutofit/>
+          </a:bodyPr>
+          <a:lstStyle/>
+          <a:p>
+            <a:r>
+              <a:rPr lang="en-US" dirty="0" smtClean="0"/>
+              <a:t>Step 4 </a:t>
+            </a:r>
+            <a:r>
+              <a:rPr lang="mr-IN" dirty="0" smtClean="0"/>
+              <a:t>–</a:t>
+            </a:r>
+            <a:r>
+              <a:rPr lang="en-US" dirty="0" smtClean="0"/>
+              <a:t> Solid developer experience</a:t>
+            </a:r>
+            <a:endParaRPr lang="en-US" dirty="0"/>
+          </a:p>
+        </p:txBody>
+      </p:sp>
+    </p:spTree>
+    <p:extLst>
+      <p:ext uri="{BB962C8B-B14F-4D97-AF65-F5344CB8AC3E}">
+        <p14:creationId xmlns:p14="http://schemas.microsoft.com/office/powerpoint/2010/main" val="1525950446"/>
+      </p:ext>
+    </p:extLst>
+  </p:cSld>
+  <p:clrMapOvr>
+    <a:masterClrMapping/>
+  </p:clrMapOvr>
+  <p:timing>
+    <p:tnLst>
+      <p:par>
+        <p:cTn id="1" dur="indefinite" restart="never" nodeType="tmRoot"/>
+      </p:par>
+    </p:tnLst>
+  </p:timing>
+</p:sld>
+</file>
+
+<file path=ppt/slides/slide21.xml><?xml version="1.0" encoding="utf-8"?>
+<p:sld xmlns:a="http://schemas.openxmlformats.org/drawingml/2006/main" xmlns:r="http://schemas.openxmlformats.org/officeDocument/2006/relationships" xmlns:p="http://schemas.openxmlformats.org/presentationml/2006/main">
+  <p:cSld>
+    <p:spTree>
+      <p:nvGrpSpPr>
+        <p:cNvPr id="1" name=""/>
+        <p:cNvGrpSpPr/>
+        <p:nvPr/>
+      </p:nvGrpSpPr>
+      <p:grpSpPr>
+        <a:xfrm>
+          <a:off x="0" y="0"/>
+          <a:ext cx="0" cy="0"/>
+          <a:chOff x="0" y="0"/>
+          <a:chExt cx="0" cy="0"/>
+        </a:xfrm>
+      </p:grpSpPr>
+      <p:sp>
+        <p:nvSpPr>
+          <p:cNvPr id="2" name="Title 1"/>
+          <p:cNvSpPr>
+            <a:spLocks noGrp="1"/>
+          </p:cNvSpPr>
+          <p:nvPr>
+            <p:ph type="title"/>
+          </p:nvPr>
+        </p:nvSpPr>
+        <p:spPr/>
+        <p:txBody>
+          <a:bodyPr/>
+          <a:lstStyle/>
+          <a:p>
+            <a:r>
+              <a:rPr lang="en-US" dirty="0" smtClean="0"/>
+              <a:t>Developer Experience</a:t>
+            </a:r>
+            <a:endParaRPr lang="en-US" dirty="0"/>
+          </a:p>
+        </p:txBody>
+      </p:sp>
+      <p:sp>
+        <p:nvSpPr>
+          <p:cNvPr id="3" name="Content Placeholder 2"/>
+          <p:cNvSpPr>
+            <a:spLocks noGrp="1"/>
+          </p:cNvSpPr>
+          <p:nvPr>
+            <p:ph idx="1"/>
+          </p:nvPr>
+        </p:nvSpPr>
+        <p:spPr/>
+        <p:txBody>
+          <a:bodyPr/>
+          <a:lstStyle/>
+          <a:p>
+            <a:r>
+              <a:rPr lang="en-US" dirty="0" smtClean="0"/>
+              <a:t>Store is now being persisted between refreshed, but new values were not appearing in the reducer when we add them</a:t>
+            </a:r>
+            <a:r>
+              <a:rPr lang="mr-IN" dirty="0" smtClean="0"/>
+              <a:t>…</a:t>
+            </a:r>
+            <a:endParaRPr lang="en-US" dirty="0"/>
+          </a:p>
+        </p:txBody>
+      </p:sp>
+      <p:pic>
+        <p:nvPicPr>
+          <p:cNvPr id="4" name="Picture 3"/>
+          <p:cNvPicPr>
+            <a:picLocks noChangeAspect="1"/>
+          </p:cNvPicPr>
+          <p:nvPr/>
+        </p:nvPicPr>
+        <p:blipFill>
+          <a:blip r:embed="rId3">
+            <a:extLst>
+              <a:ext uri="{28A0092B-C50C-407E-A947-70E740481C1C}">
+                <a14:useLocalDpi xmlns:a14="http://schemas.microsoft.com/office/drawing/2010/main" val="0"/>
+              </a:ext>
+            </a:extLst>
+          </a:blip>
+          <a:stretch>
+            <a:fillRect/>
+          </a:stretch>
+        </p:blipFill>
+        <p:spPr>
+          <a:xfrm>
+            <a:off x="0" y="2389841"/>
+            <a:ext cx="12192000" cy="3787122"/>
+          </a:xfrm>
+          <a:prstGeom prst="rect">
+            <a:avLst/>
+          </a:prstGeom>
+        </p:spPr>
+      </p:pic>
+    </p:spTree>
+    <p:extLst>
+      <p:ext uri="{BB962C8B-B14F-4D97-AF65-F5344CB8AC3E}">
+        <p14:creationId xmlns:p14="http://schemas.microsoft.com/office/powerpoint/2010/main" val="71040956"/>
+      </p:ext>
+    </p:extLst>
+  </p:cSld>
+  <p:clrMapOvr>
+    <a:masterClrMapping/>
+  </p:clrMapOvr>
+  <p:timing>
+    <p:tnLst>
+      <p:par>
+        <p:cTn id="1" dur="indefinite" restart="never" nodeType="tmRoot"/>
+      </p:par>
+    </p:tnLst>
+  </p:timing>
+</p:sld>
+</file>
+
+<file path=ppt/slides/slide22.xml><?xml version="1.0" encoding="utf-8"?>
+<p:sld xmlns:a="http://schemas.openxmlformats.org/drawingml/2006/main" xmlns:r="http://schemas.openxmlformats.org/officeDocument/2006/relationships" xmlns:p="http://schemas.openxmlformats.org/presentationml/2006/main">
+  <p:cSld>
+    <p:spTree>
+      <p:nvGrpSpPr>
+        <p:cNvPr id="1" name=""/>
+        <p:cNvGrpSpPr/>
+        <p:nvPr/>
+      </p:nvGrpSpPr>
+      <p:grpSpPr>
+        <a:xfrm>
+          <a:off x="0" y="0"/>
+          <a:ext cx="0" cy="0"/>
+          <a:chOff x="0" y="0"/>
+          <a:chExt cx="0" cy="0"/>
+        </a:xfrm>
+      </p:grpSpPr>
+      <p:sp>
+        <p:nvSpPr>
+          <p:cNvPr id="2" name="Title 1"/>
+          <p:cNvSpPr>
+            <a:spLocks noGrp="1"/>
+          </p:cNvSpPr>
+          <p:nvPr>
+            <p:ph type="title"/>
+          </p:nvPr>
+        </p:nvSpPr>
+        <p:spPr/>
+        <p:txBody>
+          <a:bodyPr/>
+          <a:lstStyle/>
+          <a:p>
+            <a:r>
+              <a:rPr lang="en-US" dirty="0" smtClean="0"/>
+              <a:t>Limitations</a:t>
+            </a:r>
+            <a:endParaRPr lang="en-US" dirty="0"/>
+          </a:p>
+        </p:txBody>
+      </p:sp>
+      <p:sp>
+        <p:nvSpPr>
+          <p:cNvPr id="3" name="Content Placeholder 2"/>
+          <p:cNvSpPr>
+            <a:spLocks noGrp="1"/>
+          </p:cNvSpPr>
+          <p:nvPr>
+            <p:ph idx="1"/>
+          </p:nvPr>
+        </p:nvSpPr>
+        <p:spPr/>
+        <p:txBody>
+          <a:bodyPr/>
+          <a:lstStyle/>
+          <a:p>
+            <a:r>
+              <a:rPr lang="en-US" dirty="0" smtClean="0"/>
+              <a:t>Not automatically saving user’s data when they come back online</a:t>
+            </a:r>
+            <a:endParaRPr lang="en-US" dirty="0"/>
+          </a:p>
+          <a:p>
+            <a:r>
+              <a:rPr lang="en-US" dirty="0" smtClean="0"/>
+              <a:t>Limited by expo’s background</a:t>
+            </a:r>
+          </a:p>
+        </p:txBody>
+      </p:sp>
+    </p:spTree>
+    <p:extLst>
+      <p:ext uri="{BB962C8B-B14F-4D97-AF65-F5344CB8AC3E}">
+        <p14:creationId xmlns:p14="http://schemas.microsoft.com/office/powerpoint/2010/main" val="361467079"/>
+      </p:ext>
+    </p:extLst>
+  </p:cSld>
+  <p:clrMapOvr>
+    <a:masterClrMapping/>
+  </p:clrMapOvr>
+</p:sld>
+</file>
+
+<file path=ppt/slides/slide23.xml><?xml version="1.0" encoding="utf-8"?>
+<p:sld xmlns:a="http://schemas.openxmlformats.org/drawingml/2006/main" xmlns:r="http://schemas.openxmlformats.org/officeDocument/2006/relationships" xmlns:p="http://schemas.openxmlformats.org/presentationml/2006/main">
+  <p:cSld>
+    <p:spTree>
+      <p:nvGrpSpPr>
+        <p:cNvPr id="1" name=""/>
+        <p:cNvGrpSpPr/>
+        <p:nvPr/>
+      </p:nvGrpSpPr>
+      <p:grpSpPr>
+        <a:xfrm>
+          <a:off x="0" y="0"/>
+          <a:ext cx="0" cy="0"/>
+          <a:chOff x="0" y="0"/>
+          <a:chExt cx="0" cy="0"/>
+        </a:xfrm>
+      </p:grpSpPr>
+      <p:sp>
+        <p:nvSpPr>
+          <p:cNvPr id="2" name="Title 1"/>
+          <p:cNvSpPr>
+            <a:spLocks noGrp="1"/>
+          </p:cNvSpPr>
+          <p:nvPr>
+            <p:ph type="title"/>
+          </p:nvPr>
+        </p:nvSpPr>
+        <p:spPr/>
+        <p:txBody>
+          <a:bodyPr/>
+          <a:lstStyle/>
+          <a:p>
+            <a:r>
+              <a:rPr lang="en-US" dirty="0" smtClean="0"/>
+              <a:t>Resources</a:t>
+            </a:r>
+            <a:endParaRPr lang="en-US" dirty="0"/>
+          </a:p>
+        </p:txBody>
+      </p:sp>
+      <p:sp>
+        <p:nvSpPr>
+          <p:cNvPr id="3" name="Content Placeholder 2"/>
+          <p:cNvSpPr>
+            <a:spLocks noGrp="1"/>
+          </p:cNvSpPr>
+          <p:nvPr>
+            <p:ph idx="1"/>
+          </p:nvPr>
+        </p:nvSpPr>
+        <p:spPr/>
+        <p:txBody>
+          <a:bodyPr/>
+          <a:lstStyle/>
+          <a:p>
+            <a:r>
+              <a:rPr lang="en-US" dirty="0" smtClean="0">
+                <a:hlinkClick r:id="rId3"/>
+              </a:rPr>
+              <a:t>https</a:t>
+            </a:r>
+            <a:r>
+              <a:rPr lang="en-US" dirty="0">
+                <a:hlinkClick r:id="rId3"/>
+              </a:rPr>
+              <a:t>://</a:t>
+            </a:r>
+            <a:r>
+              <a:rPr lang="en-US" dirty="0" smtClean="0">
+                <a:hlinkClick r:id="rId3"/>
+              </a:rPr>
+              <a:t>github.com/rt2zz/redux-persist</a:t>
+            </a:r>
+            <a:endParaRPr lang="en-US" dirty="0" smtClean="0"/>
+          </a:p>
+          <a:p>
+            <a:r>
+              <a:rPr lang="en-US" dirty="0">
+                <a:hlinkClick r:id="rId4"/>
+              </a:rPr>
+              <a:t>https://</a:t>
+            </a:r>
+            <a:r>
+              <a:rPr lang="en-US" dirty="0" smtClean="0">
+                <a:hlinkClick r:id="rId4"/>
+              </a:rPr>
+              <a:t>github.com/rgommezz/react-native-offline</a:t>
+            </a:r>
+            <a:endParaRPr lang="en-US" dirty="0"/>
+          </a:p>
+          <a:p>
+            <a:r>
+              <a:rPr lang="en-US" dirty="0">
+                <a:hlinkClick r:id="rId5"/>
+              </a:rPr>
+              <a:t>https://blog.callstack.io/your-react-native-offline-tool-belt-795abd5f0183</a:t>
+            </a:r>
+            <a:r>
+              <a:rPr lang="en-US" dirty="0"/>
+              <a:t> &lt;- </a:t>
+            </a:r>
+            <a:r>
+              <a:rPr lang="en-US" dirty="0" smtClean="0"/>
+              <a:t>good article on react-native-offline by its creator</a:t>
+            </a:r>
+            <a:endParaRPr lang="en-US" dirty="0" smtClean="0"/>
+          </a:p>
+          <a:p>
+            <a:r>
+              <a:rPr lang="en-US" dirty="0">
+                <a:hlinkClick r:id="rId6"/>
+              </a:rPr>
+              <a:t>https://</a:t>
+            </a:r>
+            <a:r>
+              <a:rPr lang="en-US" dirty="0" smtClean="0">
+                <a:hlinkClick r:id="rId6"/>
+              </a:rPr>
+              <a:t>github.com/kunovsky/reactOfflineTalk</a:t>
+            </a:r>
+            <a:r>
+              <a:rPr lang="en-US" dirty="0" smtClean="0"/>
+              <a:t> &lt;- slides and code from this talk</a:t>
+            </a:r>
+            <a:endParaRPr lang="en-US" dirty="0"/>
+          </a:p>
+        </p:txBody>
+      </p:sp>
+    </p:spTree>
+    <p:extLst>
+      <p:ext uri="{BB962C8B-B14F-4D97-AF65-F5344CB8AC3E}">
+        <p14:creationId xmlns:p14="http://schemas.microsoft.com/office/powerpoint/2010/main" val="543916543"/>
+      </p:ext>
+    </p:extLst>
+  </p:cSld>
+  <p:clrMapOvr>
+    <a:masterClrMapping/>
+  </p:clrMapOvr>
+</p:sld>
+</file>
+
 <file path=ppt/slides/slide3.xml><?xml version="1.0" encoding="utf-8"?>
 <p:sld xmlns:a="http://schemas.openxmlformats.org/drawingml/2006/main" xmlns:r="http://schemas.openxmlformats.org/officeDocument/2006/relationships" xmlns:p="http://schemas.openxmlformats.org/presentationml/2006/main">
   <p:cSld>
@@ -7719,12 +9207,26 @@
         </p:nvSpPr>
         <p:spPr/>
         <p:txBody>
-          <a:bodyPr/>
+          <a:bodyPr>
+            <a:normAutofit fontScale="90000"/>
+          </a:bodyPr>
           <a:lstStyle/>
           <a:p>
             <a:r>
               <a:rPr lang="en-US" dirty="0" smtClean="0"/>
-              <a:t>Things to consider</a:t>
+              <a:t>Offline access </a:t>
+            </a:r>
+            <a:r>
+              <a:rPr lang="mr-IN" dirty="0" smtClean="0"/>
+              <a:t>–</a:t>
+            </a:r>
+            <a:r>
+              <a:rPr lang="en-US" dirty="0" smtClean="0"/>
+              <a:t> questions to </a:t>
+            </a:r>
+            <a:r>
+              <a:rPr lang="en-US" dirty="0" smtClean="0"/>
+              <a:t>consider</a:t>
             </a:r>
             <a:endParaRPr lang="en-US" dirty="0"/>
           </a:p>
@@ -7747,26 +9249,63 @@
           <a:p>
             <a:r>
               <a:rPr lang="en-US" dirty="0" smtClean="0"/>
-              <a:t>Are we truly online?</a:t>
-            </a:r>
-          </a:p>
-          <a:p>
+              <a:t>Are we truly </a:t>
+            </a:r>
             <a:r>
               <a:rPr lang="en-US" dirty="0" smtClean="0"/>
-              <a:t>Only allow users to submit data if they have a connection</a:t>
-            </a:r>
-          </a:p>
-          <a:p>
+              <a:t>online? We only want to </a:t>
+            </a:r>
             <a:r>
               <a:rPr lang="en-US" dirty="0" smtClean="0"/>
-              <a:t>Save data for later use</a:t>
-            </a:r>
-          </a:p>
-          <a:p>
+              <a:t>allow users to submit data if they have a </a:t>
+            </a:r>
             <a:r>
               <a:rPr lang="en-US" dirty="0" smtClean="0"/>
-              <a:t>Make it work with redux-form</a:t>
-            </a:r>
+              <a:t>connection that works.</a:t>
+            </a:r>
+            <a:endParaRPr lang="en-US" dirty="0" smtClean="0"/>
+          </a:p>
+          <a:p>
+            <a:r>
+              <a:rPr lang="en-US" dirty="0" smtClean="0"/>
+              <a:t>If a user is offline, how do we save </a:t>
+            </a:r>
+            <a:r>
+              <a:rPr lang="en-US" dirty="0" smtClean="0"/>
+              <a:t>data for later </a:t>
+            </a:r>
+            <a:r>
+              <a:rPr lang="en-US" dirty="0" smtClean="0"/>
+              <a:t>use?</a:t>
+            </a:r>
+            <a:endParaRPr lang="en-US" dirty="0" smtClean="0"/>
+          </a:p>
+          <a:p>
+            <a:r>
+              <a:rPr lang="en-US" dirty="0" smtClean="0"/>
+              <a:t>How do we make this </a:t>
+            </a:r>
+            <a:r>
+              <a:rPr lang="en-US" dirty="0" smtClean="0"/>
+              <a:t>work </a:t>
+            </a:r>
+            <a:r>
+              <a:rPr lang="en-US" dirty="0" smtClean="0"/>
+              <a:t>with commonly used libs redux-form?</a:t>
+            </a:r>
+          </a:p>
+          <a:p>
+            <a:r>
+              <a:rPr lang="en-US" dirty="0" smtClean="0"/>
+              <a:t>How do we create a good developer experience?</a:t>
+            </a:r>
+          </a:p>
+          <a:p>
+            <a:r>
+              <a:rPr lang="en-US" dirty="0" smtClean="0"/>
+              <a:t>Should we automatically try and do stuff with saved data when a user comes back online? (no for this example)</a:t>
+            </a:r>
+            <a:endParaRPr lang="en-US" dirty="0" smtClean="0"/>
           </a:p>
           <a:p>
             <a:endParaRPr lang="en-US" dirty="0"/>
@@ -7813,6 +9352,130 @@
             <p:ph type="title"/>
           </p:nvPr>
         </p:nvSpPr>
+        <p:spPr/>
+        <p:txBody>
+          <a:bodyPr>
+            <a:normAutofit/>
+          </a:bodyPr>
+          <a:lstStyle/>
+          <a:p>
+            <a:r>
+              <a:rPr lang="en-US" dirty="0" smtClean="0"/>
+              <a:t>Stuff you will see in this talk</a:t>
+            </a:r>
+            <a:endParaRPr lang="en-US" dirty="0"/>
+          </a:p>
+        </p:txBody>
+      </p:sp>
+      <p:sp>
+        <p:nvSpPr>
+          <p:cNvPr id="3" name="Content Placeholder 2"/>
+          <p:cNvSpPr>
+            <a:spLocks noGrp="1"/>
+          </p:cNvSpPr>
+          <p:nvPr>
+            <p:ph idx="1"/>
+          </p:nvPr>
+        </p:nvSpPr>
+        <p:spPr/>
+        <p:txBody>
+          <a:bodyPr/>
+          <a:lstStyle/>
+          <a:p>
+            <a:r>
+              <a:rPr lang="en-US" dirty="0" smtClean="0"/>
+              <a:t>React Native (+ Expo)</a:t>
+            </a:r>
+          </a:p>
+          <a:p>
+            <a:r>
+              <a:rPr lang="en-US" dirty="0" smtClean="0"/>
+              <a:t>Native Base</a:t>
+            </a:r>
+            <a:endParaRPr lang="en-US" dirty="0" smtClean="0"/>
+          </a:p>
+          <a:p>
+            <a:r>
+              <a:rPr lang="en-US" dirty="0" smtClean="0"/>
+              <a:t>React Native Offline</a:t>
+            </a:r>
+          </a:p>
+          <a:p>
+            <a:r>
+              <a:rPr lang="en-US" dirty="0" smtClean="0"/>
+              <a:t>Redux</a:t>
+            </a:r>
+          </a:p>
+          <a:p>
+            <a:r>
+              <a:rPr lang="en-US" dirty="0" smtClean="0"/>
+              <a:t>Redux Persist</a:t>
+            </a:r>
+          </a:p>
+          <a:p>
+            <a:r>
+              <a:rPr lang="en-US" dirty="0" smtClean="0"/>
+              <a:t>Redux Form</a:t>
+            </a:r>
+          </a:p>
+          <a:p>
+            <a:r>
+              <a:rPr lang="en-US" dirty="0" smtClean="0"/>
+              <a:t>Recompose</a:t>
+            </a:r>
+          </a:p>
+          <a:p>
+            <a:r>
+              <a:rPr lang="en-US" dirty="0" smtClean="0"/>
+              <a:t>Higher Order Components</a:t>
+            </a:r>
+            <a:endParaRPr lang="en-US" dirty="0" smtClean="0"/>
+          </a:p>
+          <a:p>
+            <a:endParaRPr lang="en-US" dirty="0"/>
+          </a:p>
+        </p:txBody>
+      </p:sp>
+    </p:spTree>
+    <p:extLst>
+      <p:ext uri="{BB962C8B-B14F-4D97-AF65-F5344CB8AC3E}">
+        <p14:creationId xmlns:p14="http://schemas.microsoft.com/office/powerpoint/2010/main" val="396166593"/>
+      </p:ext>
+    </p:extLst>
+  </p:cSld>
+  <p:clrMapOvr>
+    <a:masterClrMapping/>
+  </p:clrMapOvr>
+</p:sld>
+</file>
+
+<file path=ppt/slides/slide5.xml><?xml version="1.0" encoding="utf-8"?>
+<p:sld xmlns:a="http://schemas.openxmlformats.org/drawingml/2006/main" xmlns:r="http://schemas.openxmlformats.org/officeDocument/2006/relationships" xmlns:p="http://schemas.openxmlformats.org/presentationml/2006/main">
+  <p:cSld>
+    <p:spTree>
+      <p:nvGrpSpPr>
+        <p:cNvPr id="1" name=""/>
+        <p:cNvGrpSpPr/>
+        <p:nvPr/>
+      </p:nvGrpSpPr>
+      <p:grpSpPr>
+        <a:xfrm>
+          <a:off x="0" y="0"/>
+          <a:ext cx="0" cy="0"/>
+          <a:chOff x="0" y="0"/>
+          <a:chExt cx="0" cy="0"/>
+        </a:xfrm>
+      </p:grpSpPr>
+      <p:sp>
+        <p:nvSpPr>
+          <p:cNvPr id="2" name="Title 1"/>
+          <p:cNvSpPr>
+            <a:spLocks noGrp="1"/>
+          </p:cNvSpPr>
+          <p:nvPr>
+            <p:ph type="title"/>
+          </p:nvPr>
+        </p:nvSpPr>
         <p:spPr>
           <a:xfrm>
             <a:off x="1446834" y="2784234"/>
@@ -7827,7 +9490,11 @@
           <a:p>
             <a:r>
               <a:rPr lang="en-US" dirty="0" smtClean="0"/>
-              <a:t>React Native Offline </a:t>
+              <a:t>Step 1 - React </a:t>
+            </a:r>
+            <a:r>
+              <a:rPr lang="en-US" dirty="0" smtClean="0"/>
+              <a:t>Native Offline </a:t>
             </a:r>
             <a:endParaRPr lang="en-US" dirty="0"/>
           </a:p>
@@ -7843,10 +9510,17 @@
   <p:clrMapOvr>
     <a:masterClrMapping/>
   </p:clrMapOvr>
+  <p:timing>
+    <p:tnLst>
+      <p:par>
+        <p:cTn id="1" dur="indefinite" restart="never" nodeType="tmRoot"/>
+      </p:par>
+    </p:tnLst>
+  </p:timing>
 </p:sld>
 </file>
 
-<file path=ppt/slides/slide5.xml><?xml version="1.0" encoding="utf-8"?>
+<file path=ppt/slides/slide6.xml><?xml version="1.0" encoding="utf-8"?>
 <p:sld xmlns:a="http://schemas.openxmlformats.org/drawingml/2006/main" xmlns:r="http://schemas.openxmlformats.org/officeDocument/2006/relationships" xmlns:p="http://schemas.openxmlformats.org/presentationml/2006/main">
   <p:cSld>
     <p:spTree>
@@ -7920,7 +9594,6 @@
               <a:rPr lang="en-US" dirty="0"/>
               <a:t>/your-react-native-offline-tool-belt-795abd5f0183</a:t>
             </a:r>
-            <a:endParaRPr lang="en-US" dirty="0"/>
           </a:p>
         </p:txBody>
       </p:sp>
@@ -7934,10 +9607,17 @@
   <p:clrMapOvr>
     <a:masterClrMapping/>
   </p:clrMapOvr>
+  <p:timing>
+    <p:tnLst>
+      <p:par>
+        <p:cTn id="1" dur="indefinite" restart="never" nodeType="tmRoot"/>
+      </p:par>
+    </p:tnLst>
+  </p:timing>
 </p:sld>
 </file>
 
-<file path=ppt/slides/slide6.xml><?xml version="1.0" encoding="utf-8"?>
+<file path=ppt/slides/slide7.xml><?xml version="1.0" encoding="utf-8"?>
 <p:sld xmlns:a="http://schemas.openxmlformats.org/drawingml/2006/main" xmlns:r="http://schemas.openxmlformats.org/officeDocument/2006/relationships" xmlns:p="http://schemas.openxmlformats.org/presentationml/2006/main">
   <p:cSld>
     <p:spTree>
@@ -7994,10 +9674,17 @@
   <p:clrMapOvr>
     <a:masterClrMapping/>
   </p:clrMapOvr>
+  <p:timing>
+    <p:tnLst>
+      <p:par>
+        <p:cTn id="1" dur="indefinite" restart="never" nodeType="tmRoot"/>
+      </p:par>
+    </p:tnLst>
+  </p:timing>
 </p:sld>
 </file>
 
-<file path=ppt/slides/slide7.xml><?xml version="1.0" encoding="utf-8"?>
+<file path=ppt/slides/slide8.xml><?xml version="1.0" encoding="utf-8"?>
 <p:sld xmlns:a="http://schemas.openxmlformats.org/drawingml/2006/main" xmlns:r="http://schemas.openxmlformats.org/officeDocument/2006/relationships" xmlns:p="http://schemas.openxmlformats.org/presentationml/2006/main">
   <p:cSld>
     <p:spTree>
@@ -8117,10 +9804,17 @@
   <p:clrMapOvr>
     <a:masterClrMapping/>
   </p:clrMapOvr>
+  <p:timing>
+    <p:tnLst>
+      <p:par>
+        <p:cTn id="1" dur="indefinite" restart="never" nodeType="tmRoot"/>
+      </p:par>
+    </p:tnLst>
+  </p:timing>
 </p:sld>
 </file>
 
-<file path=ppt/slides/slide8.xml><?xml version="1.0" encoding="utf-8"?>
+<file path=ppt/slides/slide9.xml><?xml version="1.0" encoding="utf-8"?>
 <p:sld xmlns:a="http://schemas.openxmlformats.org/drawingml/2006/main" xmlns:r="http://schemas.openxmlformats.org/officeDocument/2006/relationships" xmlns:p="http://schemas.openxmlformats.org/presentationml/2006/main">
   <p:cSld>
     <p:spTree>
@@ -8177,66 +9871,13 @@
   <p:clrMapOvr>
     <a:masterClrMapping/>
   </p:clrMapOvr>
-</p:sld>
-</file>
-
-<file path=ppt/slides/slide9.xml><?xml version="1.0" encoding="utf-8"?>
-<p:sld xmlns:a="http://schemas.openxmlformats.org/drawingml/2006/main" xmlns:r="http://schemas.openxmlformats.org/officeDocument/2006/relationships" xmlns:p="http://schemas.openxmlformats.org/presentationml/2006/main">
-  <p:cSld>
-    <p:spTree>
-      <p:nvGrpSpPr>
-        <p:cNvPr id="1" name=""/>
-        <p:cNvGrpSpPr/>
-        <p:nvPr/>
-      </p:nvGrpSpPr>
-      <p:grpSpPr>
-        <a:xfrm>
-          <a:off x="0" y="0"/>
-          <a:ext cx="0" cy="0"/>
-          <a:chOff x="0" y="0"/>
-          <a:chExt cx="0" cy="0"/>
-        </a:xfrm>
-      </p:grpSpPr>
-      <p:sp>
-        <p:nvSpPr>
-          <p:cNvPr id="2" name="Title 1"/>
-          <p:cNvSpPr>
-            <a:spLocks noGrp="1"/>
-          </p:cNvSpPr>
-          <p:nvPr>
-            <p:ph type="title"/>
-          </p:nvPr>
-        </p:nvSpPr>
-        <p:spPr>
-          <a:xfrm>
-            <a:off x="1446834" y="2784234"/>
-            <a:ext cx="10745165" cy="1012261"/>
-          </a:xfrm>
-        </p:spPr>
-        <p:txBody>
-          <a:bodyPr>
-            <a:normAutofit/>
-          </a:bodyPr>
-          <a:lstStyle/>
-          <a:p>
-            <a:r>
-              <a:rPr lang="en-US" dirty="0" smtClean="0"/>
-              <a:t>Redux Persist</a:t>
-            </a:r>
-            <a:endParaRPr lang="en-US" dirty="0"/>
-          </a:p>
-        </p:txBody>
-      </p:sp>
-    </p:spTree>
-    <p:extLst>
-      <p:ext uri="{BB962C8B-B14F-4D97-AF65-F5344CB8AC3E}">
-        <p14:creationId xmlns:p14="http://schemas.microsoft.com/office/powerpoint/2010/main" val="811184968"/>
-      </p:ext>
-    </p:extLst>
-  </p:cSld>
-  <p:clrMapOvr>
-    <a:masterClrMapping/>
-  </p:clrMapOvr>
+  <p:timing>
+    <p:tnLst>
+      <p:par>
+        <p:cTn id="1" dur="indefinite" restart="never" nodeType="tmRoot"/>
+      </p:par>
+    </p:tnLst>
+  </p:timing>
 </p:sld>
 </file>
 

--- a/react_offline_talk.pptx
+++ b/react_offline_talk.pptx
@@ -5,7 +5,7 @@
     <p:sldMasterId id="2147483726" r:id="rId1"/>
   </p:sldMasterIdLst>
   <p:notesMasterIdLst>
-    <p:notesMasterId r:id="rId25"/>
+    <p:notesMasterId r:id="rId27"/>
   </p:notesMasterIdLst>
   <p:sldIdLst>
     <p:sldId id="256" r:id="rId2"/>
@@ -14,23 +14,25 @@
     <p:sldId id="281" r:id="rId5"/>
     <p:sldId id="270" r:id="rId6"/>
     <p:sldId id="258" r:id="rId7"/>
-    <p:sldId id="260" r:id="rId8"/>
+    <p:sldId id="283" r:id="rId8"/>
     <p:sldId id="259" r:id="rId9"/>
-    <p:sldId id="261" r:id="rId10"/>
-    <p:sldId id="272" r:id="rId11"/>
-    <p:sldId id="262" r:id="rId12"/>
-    <p:sldId id="280" r:id="rId13"/>
-    <p:sldId id="269" r:id="rId14"/>
-    <p:sldId id="271" r:id="rId15"/>
-    <p:sldId id="273" r:id="rId16"/>
-    <p:sldId id="277" r:id="rId17"/>
-    <p:sldId id="264" r:id="rId18"/>
-    <p:sldId id="278" r:id="rId19"/>
-    <p:sldId id="276" r:id="rId20"/>
-    <p:sldId id="279" r:id="rId21"/>
-    <p:sldId id="274" r:id="rId22"/>
-    <p:sldId id="275" r:id="rId23"/>
-    <p:sldId id="266" r:id="rId24"/>
+    <p:sldId id="260" r:id="rId10"/>
+    <p:sldId id="261" r:id="rId11"/>
+    <p:sldId id="272" r:id="rId12"/>
+    <p:sldId id="262" r:id="rId13"/>
+    <p:sldId id="280" r:id="rId14"/>
+    <p:sldId id="282" r:id="rId15"/>
+    <p:sldId id="269" r:id="rId16"/>
+    <p:sldId id="271" r:id="rId17"/>
+    <p:sldId id="273" r:id="rId18"/>
+    <p:sldId id="277" r:id="rId19"/>
+    <p:sldId id="264" r:id="rId20"/>
+    <p:sldId id="278" r:id="rId21"/>
+    <p:sldId id="276" r:id="rId22"/>
+    <p:sldId id="279" r:id="rId23"/>
+    <p:sldId id="274" r:id="rId24"/>
+    <p:sldId id="275" r:id="rId25"/>
+    <p:sldId id="266" r:id="rId26"/>
   </p:sldIdLst>
   <p:sldSz cx="12192000" cy="6858000"/>
   <p:notesSz cx="6858000" cy="9144000"/>
@@ -531,25 +533,30 @@
           <a:bodyPr/>
           <a:lstStyle/>
           <a:p>
+            <a:pPr marL="171450" marR="0" lvl="0" indent="-171450" algn="l" defTabSz="914400" rtl="0" eaLnBrk="1" fontAlgn="auto" latinLnBrk="0" hangingPunct="1">
+              <a:lnSpc>
+                <a:spcPct val="100000"/>
+              </a:lnSpc>
+              <a:spcBef>
+                <a:spcPts val="0"/>
+              </a:spcBef>
+              <a:spcAft>
+                <a:spcPts val="0"/>
+              </a:spcAft>
+              <a:buClrTx/>
+              <a:buSzTx/>
+              <a:buFontTx/>
+              <a:buNone/>
+              <a:tabLst/>
+              <a:defRPr/>
+            </a:pPr>
             <a:r>
               <a:rPr lang="en-US" dirty="0" smtClean="0"/>
-              <a:t>- This</a:t>
+              <a:t>- Bio and information about</a:t>
             </a:r>
             <a:r>
               <a:rPr lang="en-US" baseline="0" dirty="0" smtClean="0"/>
-              <a:t> talk assumes a working knowledge of react native, redux, recompose, and higher order components. It is meant to be a </a:t>
-            </a:r>
-            <a:r>
-              <a:rPr lang="en-US" baseline="0" smtClean="0"/>
-              <a:t>simple explanation </a:t>
-            </a:r>
-            <a:r>
-              <a:rPr lang="en-US" baseline="0" dirty="0" smtClean="0"/>
-              <a:t>of how to add basic offline capabilities to any </a:t>
-            </a:r>
-            <a:r>
-              <a:rPr lang="en-US" baseline="0" smtClean="0"/>
-              <a:t>react native app.</a:t>
+              <a:t> the talk</a:t>
             </a:r>
             <a:endParaRPr lang="en-US" dirty="0"/>
           </a:p>
@@ -572,7 +579,7 @@
           <a:p>
             <a:fld id="{5450D3AD-83DA-F14F-BC42-147EEC5EDD61}" type="slidenum">
               <a:rPr lang="en-US" smtClean="0"/>
-              <a:t>4</a:t>
+              <a:t>1</a:t>
             </a:fld>
             <a:endParaRPr lang="en-US"/>
           </a:p>
@@ -581,7 +588,7 @@
     </p:spTree>
     <p:extLst>
       <p:ext uri="{BB962C8B-B14F-4D97-AF65-F5344CB8AC3E}">
-        <p14:creationId xmlns:p14="http://schemas.microsoft.com/office/powerpoint/2010/main" val="626217235"/>
+        <p14:creationId xmlns:p14="http://schemas.microsoft.com/office/powerpoint/2010/main" val="873229830"/>
       </p:ext>
     </p:extLst>
   </p:cSld>
@@ -656,7 +663,7 @@
           <a:p>
             <a:fld id="{5450D3AD-83DA-F14F-BC42-147EEC5EDD61}" type="slidenum">
               <a:rPr lang="en-US" smtClean="0"/>
-              <a:t>20</a:t>
+              <a:t>17</a:t>
             </a:fld>
             <a:endParaRPr lang="en-US"/>
           </a:p>
@@ -665,7 +672,7 @@
     </p:spTree>
     <p:extLst>
       <p:ext uri="{BB962C8B-B14F-4D97-AF65-F5344CB8AC3E}">
-        <p14:creationId xmlns:p14="http://schemas.microsoft.com/office/powerpoint/2010/main" val="262998548"/>
+        <p14:creationId xmlns:p14="http://schemas.microsoft.com/office/powerpoint/2010/main" val="595533347"/>
       </p:ext>
     </p:extLst>
   </p:cSld>
@@ -719,7 +726,40 @@
           <a:bodyPr/>
           <a:lstStyle/>
           <a:p>
-            <a:endParaRPr lang="en-US" dirty="0"/>
+            <a:pPr marL="171450" indent="-171450">
+              <a:buFontTx/>
+              <a:buChar char="-"/>
+            </a:pPr>
+            <a:r>
+              <a:rPr lang="en-US" dirty="0" smtClean="0"/>
+              <a:t>Hooked this up and everything was working</a:t>
+            </a:r>
+            <a:r>
+              <a:rPr lang="en-US" baseline="0" dirty="0" smtClean="0"/>
+              <a:t> fine, except for the form reducers.</a:t>
+            </a:r>
+          </a:p>
+          <a:p>
+            <a:pPr marL="171450" indent="-171450">
+              <a:buFontTx/>
+              <a:buChar char="-"/>
+            </a:pPr>
+            <a:r>
+              <a:rPr lang="en-US" baseline="0" dirty="0" smtClean="0"/>
+              <a:t>Turns out that the form reducer was re-initializing itself, and ignoring the </a:t>
+            </a:r>
+            <a:r>
+              <a:rPr lang="en-US" baseline="0" dirty="0" smtClean="0"/>
+              <a:t>values that were stored under the “form” key in </a:t>
+            </a:r>
+            <a:r>
+              <a:rPr lang="en-US" baseline="0" dirty="0" err="1" smtClean="0"/>
+              <a:t>AsyncStorage</a:t>
+            </a:r>
+            <a:r>
+              <a:rPr lang="en-US" baseline="0" dirty="0" smtClean="0"/>
+              <a:t> by redux-persist</a:t>
+            </a:r>
           </a:p>
         </p:txBody>
       </p:sp>
@@ -740,7 +780,7 @@
           <a:p>
             <a:fld id="{5450D3AD-83DA-F14F-BC42-147EEC5EDD61}" type="slidenum">
               <a:rPr lang="en-US" smtClean="0"/>
-              <a:t>21</a:t>
+              <a:t>19</a:t>
             </a:fld>
             <a:endParaRPr lang="en-US"/>
           </a:p>
@@ -749,7 +789,7 @@
     </p:spTree>
     <p:extLst>
       <p:ext uri="{BB962C8B-B14F-4D97-AF65-F5344CB8AC3E}">
-        <p14:creationId xmlns:p14="http://schemas.microsoft.com/office/powerpoint/2010/main" val="1326628179"/>
+        <p14:creationId xmlns:p14="http://schemas.microsoft.com/office/powerpoint/2010/main" val="1353464113"/>
       </p:ext>
     </p:extLst>
   </p:cSld>
@@ -803,6 +843,45 @@
           <a:bodyPr/>
           <a:lstStyle/>
           <a:p>
+            <a:pPr marL="0" marR="0" indent="0" algn="l" defTabSz="914400" rtl="0" eaLnBrk="1" fontAlgn="auto" latinLnBrk="0" hangingPunct="1">
+              <a:lnSpc>
+                <a:spcPct val="100000"/>
+              </a:lnSpc>
+              <a:spcBef>
+                <a:spcPts val="0"/>
+              </a:spcBef>
+              <a:spcAft>
+                <a:spcPts val="0"/>
+              </a:spcAft>
+              <a:buClrTx/>
+              <a:buSzTx/>
+              <a:buFontTx/>
+              <a:buNone/>
+              <a:tabLst/>
+              <a:defRPr/>
+            </a:pPr>
+            <a:r>
+              <a:rPr lang="en-US" baseline="0" dirty="0" smtClean="0"/>
+              <a:t>To solve this problem, we can do the same thing we would do if we were loading in data from a remote server and displaying it in the form </a:t>
+            </a:r>
+            <a:r>
+              <a:rPr lang="mr-IN" baseline="0" dirty="0" smtClean="0"/>
+              <a:t>–</a:t>
+            </a:r>
+            <a:r>
+              <a:rPr lang="en-US" baseline="0" dirty="0" smtClean="0"/>
+              <a:t> the best way to initialize existing values into a form is to just pass an “</a:t>
+            </a:r>
+            <a:r>
+              <a:rPr lang="en-US" baseline="0" dirty="0" err="1" smtClean="0"/>
+              <a:t>initialValues</a:t>
+            </a:r>
+            <a:r>
+              <a:rPr lang="en-US" baseline="0" dirty="0" smtClean="0"/>
+              <a:t>” to that form.</a:t>
+            </a:r>
+          </a:p>
+          <a:p>
             <a:endParaRPr lang="en-US" dirty="0"/>
           </a:p>
         </p:txBody>
@@ -824,7 +903,367 @@
           <a:p>
             <a:fld id="{5450D3AD-83DA-F14F-BC42-147EEC5EDD61}" type="slidenum">
               <a:rPr lang="en-US" smtClean="0"/>
+              <a:t>20</a:t>
+            </a:fld>
+            <a:endParaRPr lang="en-US"/>
+          </a:p>
+        </p:txBody>
+      </p:sp>
+    </p:spTree>
+    <p:extLst>
+      <p:ext uri="{BB962C8B-B14F-4D97-AF65-F5344CB8AC3E}">
+        <p14:creationId xmlns:p14="http://schemas.microsoft.com/office/powerpoint/2010/main" val="392516760"/>
+      </p:ext>
+    </p:extLst>
+  </p:cSld>
+  <p:clrMapOvr>
+    <a:masterClrMapping/>
+  </p:clrMapOvr>
+</p:notes>
+</file>
+
+<file path=ppt/notesSlides/notesSlide13.xml><?xml version="1.0" encoding="utf-8"?>
+<p:notes xmlns:a="http://schemas.openxmlformats.org/drawingml/2006/main" xmlns:r="http://schemas.openxmlformats.org/officeDocument/2006/relationships" xmlns:p="http://schemas.openxmlformats.org/presentationml/2006/main">
+  <p:cSld>
+    <p:spTree>
+      <p:nvGrpSpPr>
+        <p:cNvPr id="1" name=""/>
+        <p:cNvGrpSpPr/>
+        <p:nvPr/>
+      </p:nvGrpSpPr>
+      <p:grpSpPr>
+        <a:xfrm>
+          <a:off x="0" y="0"/>
+          <a:ext cx="0" cy="0"/>
+          <a:chOff x="0" y="0"/>
+          <a:chExt cx="0" cy="0"/>
+        </a:xfrm>
+      </p:grpSpPr>
+      <p:sp>
+        <p:nvSpPr>
+          <p:cNvPr id="2" name="Slide Image Placeholder 1"/>
+          <p:cNvSpPr>
+            <a:spLocks noGrp="1" noRot="1" noChangeAspect="1"/>
+          </p:cNvSpPr>
+          <p:nvPr>
+            <p:ph type="sldImg"/>
+          </p:nvPr>
+        </p:nvSpPr>
+        <p:spPr/>
+      </p:sp>
+      <p:sp>
+        <p:nvSpPr>
+          <p:cNvPr id="3" name="Notes Placeholder 2"/>
+          <p:cNvSpPr>
+            <a:spLocks noGrp="1"/>
+          </p:cNvSpPr>
+          <p:nvPr>
+            <p:ph type="body" idx="1"/>
+          </p:nvPr>
+        </p:nvSpPr>
+        <p:spPr/>
+        <p:txBody>
+          <a:bodyPr/>
+          <a:lstStyle/>
+          <a:p>
+            <a:r>
+              <a:rPr lang="en-US" dirty="0" smtClean="0"/>
+              <a:t>- </a:t>
+            </a:r>
+            <a:r>
+              <a:rPr lang="en-US" sz="1200" b="0" i="0" kern="1200" dirty="0" smtClean="0">
+                <a:solidFill>
+                  <a:schemeClr val="tx1"/>
+                </a:solidFill>
+                <a:effectLst/>
+                <a:latin typeface="+mn-lt"/>
+                <a:ea typeface="+mn-ea"/>
+                <a:cs typeface="+mn-cs"/>
+              </a:rPr>
+              <a:t>When the state object gets persisted, it first gets serialized with </a:t>
+            </a:r>
+            <a:r>
+              <a:rPr lang="en-US" dirty="0" err="1" smtClean="0"/>
+              <a:t>JSON.stringify</a:t>
+            </a:r>
+            <a:r>
+              <a:rPr lang="en-US" dirty="0" smtClean="0"/>
+              <a:t>()</a:t>
+            </a:r>
+            <a:endParaRPr lang="en-US" dirty="0"/>
+          </a:p>
+        </p:txBody>
+      </p:sp>
+      <p:sp>
+        <p:nvSpPr>
+          <p:cNvPr id="4" name="Slide Number Placeholder 3"/>
+          <p:cNvSpPr>
+            <a:spLocks noGrp="1"/>
+          </p:cNvSpPr>
+          <p:nvPr>
+            <p:ph type="sldNum" sz="quarter" idx="10"/>
+          </p:nvPr>
+        </p:nvSpPr>
+        <p:spPr/>
+        <p:txBody>
+          <a:bodyPr/>
+          <a:lstStyle/>
+          <a:p>
+            <a:fld id="{5450D3AD-83DA-F14F-BC42-147EEC5EDD61}" type="slidenum">
+              <a:rPr lang="en-US" smtClean="0"/>
+              <a:t>21</a:t>
+            </a:fld>
+            <a:endParaRPr lang="en-US"/>
+          </a:p>
+        </p:txBody>
+      </p:sp>
+    </p:spTree>
+    <p:extLst>
+      <p:ext uri="{BB962C8B-B14F-4D97-AF65-F5344CB8AC3E}">
+        <p14:creationId xmlns:p14="http://schemas.microsoft.com/office/powerpoint/2010/main" val="1013230823"/>
+      </p:ext>
+    </p:extLst>
+  </p:cSld>
+  <p:clrMapOvr>
+    <a:masterClrMapping/>
+  </p:clrMapOvr>
+</p:notes>
+</file>
+
+<file path=ppt/notesSlides/notesSlide14.xml><?xml version="1.0" encoding="utf-8"?>
+<p:notes xmlns:a="http://schemas.openxmlformats.org/drawingml/2006/main" xmlns:r="http://schemas.openxmlformats.org/officeDocument/2006/relationships" xmlns:p="http://schemas.openxmlformats.org/presentationml/2006/main">
+  <p:cSld>
+    <p:spTree>
+      <p:nvGrpSpPr>
+        <p:cNvPr id="1" name=""/>
+        <p:cNvGrpSpPr/>
+        <p:nvPr/>
+      </p:nvGrpSpPr>
+      <p:grpSpPr>
+        <a:xfrm>
+          <a:off x="0" y="0"/>
+          <a:ext cx="0" cy="0"/>
+          <a:chOff x="0" y="0"/>
+          <a:chExt cx="0" cy="0"/>
+        </a:xfrm>
+      </p:grpSpPr>
+      <p:sp>
+        <p:nvSpPr>
+          <p:cNvPr id="2" name="Slide Image Placeholder 1"/>
+          <p:cNvSpPr>
+            <a:spLocks noGrp="1" noRot="1" noChangeAspect="1"/>
+          </p:cNvSpPr>
+          <p:nvPr>
+            <p:ph type="sldImg"/>
+          </p:nvPr>
+        </p:nvSpPr>
+        <p:spPr/>
+      </p:sp>
+      <p:sp>
+        <p:nvSpPr>
+          <p:cNvPr id="3" name="Notes Placeholder 2"/>
+          <p:cNvSpPr>
+            <a:spLocks noGrp="1"/>
+          </p:cNvSpPr>
+          <p:nvPr>
+            <p:ph type="body" idx="1"/>
+          </p:nvPr>
+        </p:nvSpPr>
+        <p:spPr/>
+        <p:txBody>
+          <a:bodyPr/>
+          <a:lstStyle/>
+          <a:p>
+            <a:endParaRPr lang="en-US" dirty="0"/>
+          </a:p>
+        </p:txBody>
+      </p:sp>
+      <p:sp>
+        <p:nvSpPr>
+          <p:cNvPr id="4" name="Slide Number Placeholder 3"/>
+          <p:cNvSpPr>
+            <a:spLocks noGrp="1"/>
+          </p:cNvSpPr>
+          <p:nvPr>
+            <p:ph type="sldNum" sz="quarter" idx="10"/>
+          </p:nvPr>
+        </p:nvSpPr>
+        <p:spPr/>
+        <p:txBody>
+          <a:bodyPr/>
+          <a:lstStyle/>
+          <a:p>
+            <a:fld id="{5450D3AD-83DA-F14F-BC42-147EEC5EDD61}" type="slidenum">
+              <a:rPr lang="en-US" smtClean="0"/>
+              <a:t>22</a:t>
+            </a:fld>
+            <a:endParaRPr lang="en-US"/>
+          </a:p>
+        </p:txBody>
+      </p:sp>
+    </p:spTree>
+    <p:extLst>
+      <p:ext uri="{BB962C8B-B14F-4D97-AF65-F5344CB8AC3E}">
+        <p14:creationId xmlns:p14="http://schemas.microsoft.com/office/powerpoint/2010/main" val="262998548"/>
+      </p:ext>
+    </p:extLst>
+  </p:cSld>
+  <p:clrMapOvr>
+    <a:masterClrMapping/>
+  </p:clrMapOvr>
+</p:notes>
+</file>
+
+<file path=ppt/notesSlides/notesSlide15.xml><?xml version="1.0" encoding="utf-8"?>
+<p:notes xmlns:a="http://schemas.openxmlformats.org/drawingml/2006/main" xmlns:r="http://schemas.openxmlformats.org/officeDocument/2006/relationships" xmlns:p="http://schemas.openxmlformats.org/presentationml/2006/main">
+  <p:cSld>
+    <p:spTree>
+      <p:nvGrpSpPr>
+        <p:cNvPr id="1" name=""/>
+        <p:cNvGrpSpPr/>
+        <p:nvPr/>
+      </p:nvGrpSpPr>
+      <p:grpSpPr>
+        <a:xfrm>
+          <a:off x="0" y="0"/>
+          <a:ext cx="0" cy="0"/>
+          <a:chOff x="0" y="0"/>
+          <a:chExt cx="0" cy="0"/>
+        </a:xfrm>
+      </p:grpSpPr>
+      <p:sp>
+        <p:nvSpPr>
+          <p:cNvPr id="2" name="Slide Image Placeholder 1"/>
+          <p:cNvSpPr>
+            <a:spLocks noGrp="1" noRot="1" noChangeAspect="1"/>
+          </p:cNvSpPr>
+          <p:nvPr>
+            <p:ph type="sldImg"/>
+          </p:nvPr>
+        </p:nvSpPr>
+        <p:spPr/>
+      </p:sp>
+      <p:sp>
+        <p:nvSpPr>
+          <p:cNvPr id="3" name="Notes Placeholder 2"/>
+          <p:cNvSpPr>
+            <a:spLocks noGrp="1"/>
+          </p:cNvSpPr>
+          <p:nvPr>
+            <p:ph type="body" idx="1"/>
+          </p:nvPr>
+        </p:nvSpPr>
+        <p:spPr/>
+        <p:txBody>
+          <a:bodyPr/>
+          <a:lstStyle/>
+          <a:p>
+            <a:endParaRPr lang="en-US" dirty="0"/>
+          </a:p>
+        </p:txBody>
+      </p:sp>
+      <p:sp>
+        <p:nvSpPr>
+          <p:cNvPr id="4" name="Slide Number Placeholder 3"/>
+          <p:cNvSpPr>
+            <a:spLocks noGrp="1"/>
+          </p:cNvSpPr>
+          <p:nvPr>
+            <p:ph type="sldNum" sz="quarter" idx="10"/>
+          </p:nvPr>
+        </p:nvSpPr>
+        <p:spPr/>
+        <p:txBody>
+          <a:bodyPr/>
+          <a:lstStyle/>
+          <a:p>
+            <a:fld id="{5450D3AD-83DA-F14F-BC42-147EEC5EDD61}" type="slidenum">
+              <a:rPr lang="en-US" smtClean="0"/>
               <a:t>23</a:t>
+            </a:fld>
+            <a:endParaRPr lang="en-US"/>
+          </a:p>
+        </p:txBody>
+      </p:sp>
+    </p:spTree>
+    <p:extLst>
+      <p:ext uri="{BB962C8B-B14F-4D97-AF65-F5344CB8AC3E}">
+        <p14:creationId xmlns:p14="http://schemas.microsoft.com/office/powerpoint/2010/main" val="1326628179"/>
+      </p:ext>
+    </p:extLst>
+  </p:cSld>
+  <p:clrMapOvr>
+    <a:masterClrMapping/>
+  </p:clrMapOvr>
+</p:notes>
+</file>
+
+<file path=ppt/notesSlides/notesSlide16.xml><?xml version="1.0" encoding="utf-8"?>
+<p:notes xmlns:a="http://schemas.openxmlformats.org/drawingml/2006/main" xmlns:r="http://schemas.openxmlformats.org/officeDocument/2006/relationships" xmlns:p="http://schemas.openxmlformats.org/presentationml/2006/main">
+  <p:cSld>
+    <p:spTree>
+      <p:nvGrpSpPr>
+        <p:cNvPr id="1" name=""/>
+        <p:cNvGrpSpPr/>
+        <p:nvPr/>
+      </p:nvGrpSpPr>
+      <p:grpSpPr>
+        <a:xfrm>
+          <a:off x="0" y="0"/>
+          <a:ext cx="0" cy="0"/>
+          <a:chOff x="0" y="0"/>
+          <a:chExt cx="0" cy="0"/>
+        </a:xfrm>
+      </p:grpSpPr>
+      <p:sp>
+        <p:nvSpPr>
+          <p:cNvPr id="2" name="Slide Image Placeholder 1"/>
+          <p:cNvSpPr>
+            <a:spLocks noGrp="1" noRot="1" noChangeAspect="1"/>
+          </p:cNvSpPr>
+          <p:nvPr>
+            <p:ph type="sldImg"/>
+          </p:nvPr>
+        </p:nvSpPr>
+        <p:spPr/>
+      </p:sp>
+      <p:sp>
+        <p:nvSpPr>
+          <p:cNvPr id="3" name="Notes Placeholder 2"/>
+          <p:cNvSpPr>
+            <a:spLocks noGrp="1"/>
+          </p:cNvSpPr>
+          <p:nvPr>
+            <p:ph type="body" idx="1"/>
+          </p:nvPr>
+        </p:nvSpPr>
+        <p:spPr/>
+        <p:txBody>
+          <a:bodyPr/>
+          <a:lstStyle/>
+          <a:p>
+            <a:endParaRPr lang="en-US" dirty="0"/>
+          </a:p>
+        </p:txBody>
+      </p:sp>
+      <p:sp>
+        <p:nvSpPr>
+          <p:cNvPr id="4" name="Slide Number Placeholder 3"/>
+          <p:cNvSpPr>
+            <a:spLocks noGrp="1"/>
+          </p:cNvSpPr>
+          <p:nvPr>
+            <p:ph type="sldNum" sz="quarter" idx="10"/>
+          </p:nvPr>
+        </p:nvSpPr>
+        <p:spPr/>
+        <p:txBody>
+          <a:bodyPr/>
+          <a:lstStyle/>
+          <a:p>
+            <a:fld id="{5450D3AD-83DA-F14F-BC42-147EEC5EDD61}" type="slidenum">
+              <a:rPr lang="en-US" smtClean="0"/>
+              <a:t>25</a:t>
             </a:fld>
             <a:endParaRPr lang="en-US"/>
           </a:p>
@@ -906,15 +1345,11 @@
             </a:pPr>
             <a:r>
               <a:rPr lang="en-US" dirty="0" smtClean="0"/>
-              <a:t>React Native ships with the </a:t>
-            </a:r>
-            <a:r>
-              <a:rPr lang="en-US" dirty="0" err="1" smtClean="0"/>
-              <a:t>NetInfo</a:t>
+              <a:t>- </a:t>
             </a:r>
             <a:r>
               <a:rPr lang="en-US" dirty="0" smtClean="0"/>
-              <a:t> module in order to detect internet connectivity. The API is pretty basic and it may be sufficient for small apps but its usage gets cumbersome as your app grows. Besides that, it only detects network connectivity and does not guarantee internet access so it can provide false positives.</a:t>
+              <a:t>We only want to allow users to submit data if they have a connection that works.</a:t>
             </a:r>
           </a:p>
           <a:p>
@@ -939,7 +1374,7 @@
           <a:p>
             <a:fld id="{5450D3AD-83DA-F14F-BC42-147EEC5EDD61}" type="slidenum">
               <a:rPr lang="en-US" smtClean="0"/>
-              <a:t>6</a:t>
+              <a:t>3</a:t>
             </a:fld>
             <a:endParaRPr lang="en-US"/>
           </a:p>
@@ -948,7 +1383,7 @@
     </p:spTree>
     <p:extLst>
       <p:ext uri="{BB962C8B-B14F-4D97-AF65-F5344CB8AC3E}">
-        <p14:creationId xmlns:p14="http://schemas.microsoft.com/office/powerpoint/2010/main" val="1128285962"/>
+        <p14:creationId xmlns:p14="http://schemas.microsoft.com/office/powerpoint/2010/main" val="1127780477"/>
       </p:ext>
     </p:extLst>
   </p:cSld>
@@ -1003,527 +1438,13 @@
           <a:lstStyle/>
           <a:p>
             <a:r>
-              <a:rPr lang="en-US" dirty="0" err="1" smtClean="0"/>
-              <a:t>withRedux</a:t>
-            </a:r>
-            <a:r>
-              <a:rPr lang="en-US" sz="1200" b="0" i="0" kern="1200" dirty="0" smtClean="0">
-                <a:solidFill>
-                  <a:schemeClr val="tx1"/>
-                </a:solidFill>
-                <a:effectLst/>
-                <a:latin typeface="+mn-lt"/>
-                <a:ea typeface="+mn-ea"/>
-                <a:cs typeface="+mn-cs"/>
-              </a:rPr>
-              <a:t>: flag that indicates whether the </a:t>
-            </a:r>
-            <a:r>
-              <a:rPr lang="en-US" sz="1200" b="0" i="0" kern="1200" dirty="0" err="1" smtClean="0">
-                <a:solidFill>
-                  <a:schemeClr val="tx1"/>
-                </a:solidFill>
-                <a:effectLst/>
-                <a:latin typeface="+mn-lt"/>
-                <a:ea typeface="+mn-ea"/>
-                <a:cs typeface="+mn-cs"/>
-              </a:rPr>
-              <a:t>HoC</a:t>
-            </a:r>
-            <a:r>
-              <a:rPr lang="en-US" sz="1200" b="0" i="0" kern="1200" dirty="0" smtClean="0">
-                <a:solidFill>
-                  <a:schemeClr val="tx1"/>
-                </a:solidFill>
-                <a:effectLst/>
-                <a:latin typeface="+mn-lt"/>
-                <a:ea typeface="+mn-ea"/>
-                <a:cs typeface="+mn-cs"/>
-              </a:rPr>
-              <a:t> should be wired up to the Redux store. By default, this parameter is </a:t>
-            </a:r>
-            <a:r>
               <a:rPr lang="en-US" dirty="0" smtClean="0"/>
-              <a:t>false</a:t>
-            </a:r>
-            <a:r>
-              <a:rPr lang="en-US" sz="1200" b="0" i="0" kern="1200" dirty="0" smtClean="0">
-                <a:solidFill>
-                  <a:schemeClr val="tx1"/>
-                </a:solidFill>
-                <a:effectLst/>
-                <a:latin typeface="+mn-lt"/>
-                <a:ea typeface="+mn-ea"/>
-                <a:cs typeface="+mn-cs"/>
-              </a:rPr>
-              <a:t> and the </a:t>
-            </a:r>
-            <a:r>
-              <a:rPr lang="en-US" sz="1200" b="0" i="0" kern="1200" dirty="0" err="1" smtClean="0">
-                <a:solidFill>
-                  <a:schemeClr val="tx1"/>
-                </a:solidFill>
-                <a:effectLst/>
-                <a:latin typeface="+mn-lt"/>
-                <a:ea typeface="+mn-ea"/>
-                <a:cs typeface="+mn-cs"/>
-              </a:rPr>
-              <a:t>HoC</a:t>
-            </a:r>
-            <a:r>
-              <a:rPr lang="en-US" sz="1200" b="0" i="0" kern="1200" dirty="0" smtClean="0">
-                <a:solidFill>
-                  <a:schemeClr val="tx1"/>
-                </a:solidFill>
-                <a:effectLst/>
-                <a:latin typeface="+mn-lt"/>
-                <a:ea typeface="+mn-ea"/>
-                <a:cs typeface="+mn-cs"/>
-              </a:rPr>
-              <a:t> injects </a:t>
-            </a:r>
-            <a:r>
-              <a:rPr lang="en-US" dirty="0" err="1" smtClean="0"/>
-              <a:t>isConnected</a:t>
-            </a:r>
-            <a:r>
-              <a:rPr lang="en-US" sz="1200" b="0" i="0" kern="1200" dirty="0" smtClean="0">
-                <a:solidFill>
-                  <a:schemeClr val="tx1"/>
-                </a:solidFill>
-                <a:effectLst/>
-                <a:latin typeface="+mn-lt"/>
-                <a:ea typeface="+mn-ea"/>
-                <a:cs typeface="+mn-cs"/>
-              </a:rPr>
-              <a:t> as a prop into </a:t>
-            </a:r>
-            <a:r>
-              <a:rPr lang="en-US" dirty="0" err="1" smtClean="0"/>
-              <a:t>WrappedComponent</a:t>
-            </a:r>
-            <a:r>
-              <a:rPr lang="en-US" sz="1200" b="0" i="0" kern="1200" dirty="0" smtClean="0">
-                <a:solidFill>
-                  <a:schemeClr val="tx1"/>
-                </a:solidFill>
-                <a:effectLst/>
-                <a:latin typeface="+mn-lt"/>
-                <a:ea typeface="+mn-ea"/>
-                <a:cs typeface="+mn-cs"/>
-              </a:rPr>
-              <a:t>. If </a:t>
-            </a:r>
-            <a:r>
-              <a:rPr lang="en-US" dirty="0" smtClean="0"/>
-              <a:t>true</a:t>
-            </a:r>
-            <a:r>
-              <a:rPr lang="en-US" sz="1200" b="0" i="0" kern="1200" dirty="0" smtClean="0">
-                <a:solidFill>
-                  <a:schemeClr val="tx1"/>
-                </a:solidFill>
-                <a:effectLst/>
-                <a:latin typeface="+mn-lt"/>
-                <a:ea typeface="+mn-ea"/>
-                <a:cs typeface="+mn-cs"/>
-              </a:rPr>
-              <a:t> provided, it won't act as a component utility and pass any prop down, but instead perform the needed actions to sync up with the store. See below </a:t>
-            </a:r>
-            <a:r>
-              <a:rPr lang="en-US" sz="1200" b="0" i="0" u="none" strike="noStrike" kern="1200" dirty="0" smtClean="0">
-                <a:solidFill>
-                  <a:schemeClr val="tx1"/>
-                </a:solidFill>
-                <a:effectLst/>
-                <a:latin typeface="+mn-lt"/>
-                <a:ea typeface="+mn-ea"/>
-                <a:cs typeface="+mn-cs"/>
-                <a:hlinkClick r:id="rId3"/>
-              </a:rPr>
-              <a:t>Redux integration</a:t>
-            </a:r>
-            <a:r>
-              <a:rPr lang="en-US" sz="1200" b="0" i="0" kern="1200" dirty="0" smtClean="0">
-                <a:solidFill>
-                  <a:schemeClr val="tx1"/>
-                </a:solidFill>
-                <a:effectLst/>
-                <a:latin typeface="+mn-lt"/>
-                <a:ea typeface="+mn-ea"/>
-                <a:cs typeface="+mn-cs"/>
-              </a:rPr>
-              <a:t> for more details.</a:t>
-            </a:r>
-          </a:p>
-          <a:p>
-            <a:endParaRPr lang="en-US" sz="1200" b="0" i="0" kern="1200" dirty="0" smtClean="0">
-              <a:solidFill>
-                <a:schemeClr val="tx1"/>
-              </a:solidFill>
-              <a:effectLst/>
-              <a:latin typeface="+mn-lt"/>
-              <a:ea typeface="+mn-ea"/>
-              <a:cs typeface="+mn-cs"/>
-            </a:endParaRPr>
-          </a:p>
-          <a:p>
-            <a:r>
-              <a:rPr lang="en-US" sz="1200" b="0" i="0" kern="1200" dirty="0" err="1" smtClean="0">
-                <a:solidFill>
-                  <a:schemeClr val="tx1"/>
-                </a:solidFill>
-                <a:effectLst/>
-                <a:latin typeface="+mn-lt"/>
-                <a:ea typeface="+mn-ea"/>
-                <a:cs typeface="+mn-cs"/>
-              </a:rPr>
-              <a:t>withRedux</a:t>
-            </a:r>
-            <a:r>
-              <a:rPr lang="en-US" sz="1200" b="0" i="0" kern="1200" dirty="0" smtClean="0">
-                <a:solidFill>
-                  <a:schemeClr val="tx1"/>
-                </a:solidFill>
-                <a:effectLst/>
-                <a:latin typeface="+mn-lt"/>
-                <a:ea typeface="+mn-ea"/>
-                <a:cs typeface="+mn-cs"/>
-              </a:rPr>
-              <a:t>: flag that indicates whether the </a:t>
-            </a:r>
-            <a:r>
-              <a:rPr lang="en-US" sz="1200" b="0" i="0" kern="1200" dirty="0" err="1" smtClean="0">
-                <a:solidFill>
-                  <a:schemeClr val="tx1"/>
-                </a:solidFill>
-                <a:effectLst/>
-                <a:latin typeface="+mn-lt"/>
-                <a:ea typeface="+mn-ea"/>
-                <a:cs typeface="+mn-cs"/>
-              </a:rPr>
-              <a:t>HoC</a:t>
-            </a:r>
-            <a:r>
-              <a:rPr lang="en-US" sz="1200" b="0" i="0" kern="1200" dirty="0" smtClean="0">
-                <a:solidFill>
-                  <a:schemeClr val="tx1"/>
-                </a:solidFill>
-                <a:effectLst/>
-                <a:latin typeface="+mn-lt"/>
-                <a:ea typeface="+mn-ea"/>
-                <a:cs typeface="+mn-cs"/>
-              </a:rPr>
-              <a:t> should be wired up to the Redux store. By default, this parameter is false and the </a:t>
-            </a:r>
-            <a:r>
-              <a:rPr lang="en-US" sz="1200" b="0" i="0" kern="1200" dirty="0" err="1" smtClean="0">
-                <a:solidFill>
-                  <a:schemeClr val="tx1"/>
-                </a:solidFill>
-                <a:effectLst/>
-                <a:latin typeface="+mn-lt"/>
-                <a:ea typeface="+mn-ea"/>
-                <a:cs typeface="+mn-cs"/>
-              </a:rPr>
-              <a:t>HoC</a:t>
-            </a:r>
-            <a:r>
-              <a:rPr lang="en-US" sz="1200" b="0" i="0" kern="1200" dirty="0" smtClean="0">
-                <a:solidFill>
-                  <a:schemeClr val="tx1"/>
-                </a:solidFill>
-                <a:effectLst/>
-                <a:latin typeface="+mn-lt"/>
-                <a:ea typeface="+mn-ea"/>
-                <a:cs typeface="+mn-cs"/>
-              </a:rPr>
-              <a:t> injects </a:t>
-            </a:r>
-            <a:r>
-              <a:rPr lang="en-US" sz="1200" b="0" i="0" kern="1200" dirty="0" err="1" smtClean="0">
-                <a:solidFill>
-                  <a:schemeClr val="tx1"/>
-                </a:solidFill>
-                <a:effectLst/>
-                <a:latin typeface="+mn-lt"/>
-                <a:ea typeface="+mn-ea"/>
-                <a:cs typeface="+mn-cs"/>
-              </a:rPr>
-              <a:t>isConnected</a:t>
-            </a:r>
-            <a:r>
-              <a:rPr lang="en-US" sz="1200" b="0" i="0" kern="1200" dirty="0" smtClean="0">
-                <a:solidFill>
-                  <a:schemeClr val="tx1"/>
-                </a:solidFill>
-                <a:effectLst/>
-                <a:latin typeface="+mn-lt"/>
-                <a:ea typeface="+mn-ea"/>
-                <a:cs typeface="+mn-cs"/>
-              </a:rPr>
-              <a:t> as a prop into </a:t>
-            </a:r>
-            <a:r>
-              <a:rPr lang="en-US" sz="1200" b="0" i="0" kern="1200" dirty="0" err="1" smtClean="0">
-                <a:solidFill>
-                  <a:schemeClr val="tx1"/>
-                </a:solidFill>
-                <a:effectLst/>
-                <a:latin typeface="+mn-lt"/>
-                <a:ea typeface="+mn-ea"/>
-                <a:cs typeface="+mn-cs"/>
-              </a:rPr>
-              <a:t>WrappedComponent</a:t>
-            </a:r>
-            <a:r>
-              <a:rPr lang="en-US" sz="1200" b="0" i="0" kern="1200" dirty="0" smtClean="0">
-                <a:solidFill>
-                  <a:schemeClr val="tx1"/>
-                </a:solidFill>
-                <a:effectLst/>
-                <a:latin typeface="+mn-lt"/>
-                <a:ea typeface="+mn-ea"/>
-                <a:cs typeface="+mn-cs"/>
-              </a:rPr>
-              <a:t>. If true provided, it won't act as a component utility and pass any prop down, but instead perform the needed actions to sync up with the store. See below </a:t>
-            </a:r>
-            <a:r>
-              <a:rPr lang="en-US" sz="1200" b="0" i="0" u="none" strike="noStrike" kern="1200" dirty="0" smtClean="0">
-                <a:solidFill>
-                  <a:schemeClr val="tx1"/>
-                </a:solidFill>
-                <a:effectLst/>
-                <a:latin typeface="+mn-lt"/>
-                <a:ea typeface="+mn-ea"/>
-                <a:cs typeface="+mn-cs"/>
-                <a:hlinkClick r:id="rId3"/>
-              </a:rPr>
-              <a:t>Redux integration</a:t>
-            </a:r>
-            <a:r>
-              <a:rPr lang="en-US" sz="1200" b="0" i="0" kern="1200" dirty="0" smtClean="0">
-                <a:solidFill>
-                  <a:schemeClr val="tx1"/>
-                </a:solidFill>
-                <a:effectLst/>
-                <a:latin typeface="+mn-lt"/>
-                <a:ea typeface="+mn-ea"/>
-                <a:cs typeface="+mn-cs"/>
-              </a:rPr>
-              <a:t> for more details.</a:t>
-            </a:r>
-          </a:p>
-          <a:p>
-            <a:endParaRPr lang="en-US" sz="1200" b="0" i="0" kern="1200" dirty="0" smtClean="0">
-              <a:solidFill>
-                <a:schemeClr val="tx1"/>
-              </a:solidFill>
-              <a:effectLst/>
-              <a:latin typeface="+mn-lt"/>
-              <a:ea typeface="+mn-ea"/>
-              <a:cs typeface="+mn-cs"/>
-            </a:endParaRPr>
-          </a:p>
-          <a:p>
-            <a:r>
-              <a:rPr lang="en-US" sz="1200" b="0" i="0" kern="1200" dirty="0" smtClean="0">
-                <a:solidFill>
-                  <a:schemeClr val="tx1"/>
-                </a:solidFill>
-                <a:effectLst/>
-                <a:latin typeface="+mn-lt"/>
-                <a:ea typeface="+mn-ea"/>
-                <a:cs typeface="+mn-cs"/>
-              </a:rPr>
-              <a:t>timeout: amount of time (in </a:t>
-            </a:r>
-            <a:r>
-              <a:rPr lang="en-US" sz="1200" b="0" i="0" kern="1200" dirty="0" err="1" smtClean="0">
-                <a:solidFill>
-                  <a:schemeClr val="tx1"/>
-                </a:solidFill>
-                <a:effectLst/>
-                <a:latin typeface="+mn-lt"/>
-                <a:ea typeface="+mn-ea"/>
-                <a:cs typeface="+mn-cs"/>
-              </a:rPr>
-              <a:t>ms</a:t>
-            </a:r>
-            <a:r>
-              <a:rPr lang="en-US" sz="1200" b="0" i="0" kern="1200" dirty="0" smtClean="0">
-                <a:solidFill>
-                  <a:schemeClr val="tx1"/>
-                </a:solidFill>
-                <a:effectLst/>
-                <a:latin typeface="+mn-lt"/>
-                <a:ea typeface="+mn-ea"/>
-                <a:cs typeface="+mn-cs"/>
-              </a:rPr>
-              <a:t>) that the component should wait for the ping response. Defaults to 3s.</a:t>
-            </a:r>
-          </a:p>
-          <a:p>
-            <a:endParaRPr lang="en-US" sz="1200" b="0" i="0" kern="1200" dirty="0" smtClean="0">
-              <a:solidFill>
-                <a:schemeClr val="tx1"/>
-              </a:solidFill>
-              <a:effectLst/>
-              <a:latin typeface="+mn-lt"/>
-              <a:ea typeface="+mn-ea"/>
-              <a:cs typeface="+mn-cs"/>
-            </a:endParaRPr>
-          </a:p>
-          <a:p>
-            <a:r>
-              <a:rPr lang="en-US" sz="1200" b="0" i="0" kern="1200" dirty="0" err="1" smtClean="0">
-                <a:solidFill>
-                  <a:schemeClr val="tx1"/>
-                </a:solidFill>
-                <a:effectLst/>
-                <a:latin typeface="+mn-lt"/>
-                <a:ea typeface="+mn-ea"/>
-                <a:cs typeface="+mn-cs"/>
-              </a:rPr>
-              <a:t>pingServerUrl</a:t>
-            </a:r>
-            <a:r>
-              <a:rPr lang="en-US" sz="1200" b="0" i="0" kern="1200" dirty="0" smtClean="0">
-                <a:solidFill>
-                  <a:schemeClr val="tx1"/>
-                </a:solidFill>
-                <a:effectLst/>
-                <a:latin typeface="+mn-lt"/>
-                <a:ea typeface="+mn-ea"/>
-                <a:cs typeface="+mn-cs"/>
-              </a:rPr>
-              <a:t>: remote server to ping to. It defaults to </a:t>
-            </a:r>
-            <a:r>
-              <a:rPr lang="en-US" sz="1200" b="0" i="0" u="none" strike="noStrike" kern="1200" dirty="0" smtClean="0">
-                <a:solidFill>
-                  <a:schemeClr val="tx1"/>
-                </a:solidFill>
-                <a:effectLst/>
-                <a:latin typeface="+mn-lt"/>
-                <a:ea typeface="+mn-ea"/>
-                <a:cs typeface="+mn-cs"/>
-                <a:hlinkClick r:id="rId4"/>
-              </a:rPr>
-              <a:t>https://google.com</a:t>
-            </a:r>
-            <a:r>
-              <a:rPr lang="en-US" sz="1200" b="0" i="0" kern="1200" dirty="0" smtClean="0">
-                <a:solidFill>
-                  <a:schemeClr val="tx1"/>
-                </a:solidFill>
-                <a:effectLst/>
-                <a:latin typeface="+mn-lt"/>
-                <a:ea typeface="+mn-ea"/>
-                <a:cs typeface="+mn-cs"/>
-              </a:rPr>
-              <a:t> since it's probably one the most stable servers out there, but you can provide your own if needed.</a:t>
-            </a:r>
-          </a:p>
-          <a:p>
-            <a:endParaRPr lang="en-US" sz="1200" b="0" i="0" kern="1200" dirty="0" smtClean="0">
-              <a:solidFill>
-                <a:schemeClr val="tx1"/>
-              </a:solidFill>
-              <a:effectLst/>
-              <a:latin typeface="+mn-lt"/>
-              <a:ea typeface="+mn-ea"/>
-              <a:cs typeface="+mn-cs"/>
-            </a:endParaRPr>
-          </a:p>
-          <a:p>
-            <a:r>
-              <a:rPr lang="en-US" sz="1200" b="0" i="0" kern="1200" dirty="0" err="1" smtClean="0">
-                <a:solidFill>
-                  <a:schemeClr val="tx1"/>
-                </a:solidFill>
-                <a:effectLst/>
-                <a:latin typeface="+mn-lt"/>
-                <a:ea typeface="+mn-ea"/>
-                <a:cs typeface="+mn-cs"/>
-              </a:rPr>
-              <a:t>withExtraHeadRequest</a:t>
-            </a:r>
-            <a:r>
-              <a:rPr lang="en-US" sz="1200" b="0" i="0" kern="1200" dirty="0" smtClean="0">
-                <a:solidFill>
-                  <a:schemeClr val="tx1"/>
-                </a:solidFill>
-                <a:effectLst/>
-                <a:latin typeface="+mn-lt"/>
-                <a:ea typeface="+mn-ea"/>
-                <a:cs typeface="+mn-cs"/>
-              </a:rPr>
-              <a:t>: flag that denotes whether the extra ping check will be performed or not. Defaults to true.</a:t>
-            </a:r>
-          </a:p>
-          <a:p>
-            <a:endParaRPr lang="en-US" sz="1200" b="0" i="0" kern="1200" dirty="0" smtClean="0">
-              <a:solidFill>
-                <a:schemeClr val="tx1"/>
-              </a:solidFill>
-              <a:effectLst/>
-              <a:latin typeface="+mn-lt"/>
-              <a:ea typeface="+mn-ea"/>
-              <a:cs typeface="+mn-cs"/>
-            </a:endParaRPr>
-          </a:p>
-          <a:p>
-            <a:r>
-              <a:rPr lang="en-US" sz="1200" b="0" i="0" kern="1200" dirty="0" err="1" smtClean="0">
-                <a:solidFill>
-                  <a:schemeClr val="tx1"/>
-                </a:solidFill>
-                <a:effectLst/>
-                <a:latin typeface="+mn-lt"/>
-                <a:ea typeface="+mn-ea"/>
-                <a:cs typeface="+mn-cs"/>
-              </a:rPr>
-              <a:t>checkConnectionInterval</a:t>
-            </a:r>
-            <a:r>
-              <a:rPr lang="en-US" sz="1200" b="0" i="0" kern="1200" dirty="0" smtClean="0">
-                <a:solidFill>
-                  <a:schemeClr val="tx1"/>
-                </a:solidFill>
-                <a:effectLst/>
-                <a:latin typeface="+mn-lt"/>
-                <a:ea typeface="+mn-ea"/>
-                <a:cs typeface="+mn-cs"/>
-              </a:rPr>
-              <a:t>: the interval (in </a:t>
-            </a:r>
-            <a:r>
-              <a:rPr lang="en-US" sz="1200" b="0" i="0" kern="1200" dirty="0" err="1" smtClean="0">
-                <a:solidFill>
-                  <a:schemeClr val="tx1"/>
-                </a:solidFill>
-                <a:effectLst/>
-                <a:latin typeface="+mn-lt"/>
-                <a:ea typeface="+mn-ea"/>
-                <a:cs typeface="+mn-cs"/>
-              </a:rPr>
-              <a:t>ms</a:t>
-            </a:r>
-            <a:r>
-              <a:rPr lang="en-US" sz="1200" b="0" i="0" kern="1200" dirty="0" smtClean="0">
-                <a:solidFill>
-                  <a:schemeClr val="tx1"/>
-                </a:solidFill>
-                <a:effectLst/>
-                <a:latin typeface="+mn-lt"/>
-                <a:ea typeface="+mn-ea"/>
-                <a:cs typeface="+mn-cs"/>
-              </a:rPr>
-              <a:t>) you want to ping the server at. The default is 0, and that means it is not going to regularly check connectivity.</a:t>
-            </a:r>
-          </a:p>
-          <a:p>
+              <a:t>- This</a:t>
+            </a:r>
+            <a:r>
+              <a:rPr lang="en-US" baseline="0" dirty="0" smtClean="0"/>
+              <a:t> talk assumes a working knowledge of react native, redux, recompose, and higher order components. It is meant to be a simple explanation of how to add basic offline capabilities to any react native app.</a:t>
+            </a:r>
             <a:endParaRPr lang="en-US" dirty="0"/>
           </a:p>
         </p:txBody>
@@ -1545,7 +1466,7 @@
           <a:p>
             <a:fld id="{5450D3AD-83DA-F14F-BC42-147EEC5EDD61}" type="slidenum">
               <a:rPr lang="en-US" smtClean="0"/>
-              <a:t>8</a:t>
+              <a:t>4</a:t>
             </a:fld>
             <a:endParaRPr lang="en-US"/>
           </a:p>
@@ -1554,7 +1475,7 @@
     </p:spTree>
     <p:extLst>
       <p:ext uri="{BB962C8B-B14F-4D97-AF65-F5344CB8AC3E}">
-        <p14:creationId xmlns:p14="http://schemas.microsoft.com/office/powerpoint/2010/main" val="1736426534"/>
+        <p14:creationId xmlns:p14="http://schemas.microsoft.com/office/powerpoint/2010/main" val="626217235"/>
       </p:ext>
     </p:extLst>
   </p:cSld>
@@ -1608,6 +1529,14 @@
           <a:bodyPr/>
           <a:lstStyle/>
           <a:p>
+            <a:r>
+              <a:rPr lang="en-US" dirty="0" smtClean="0"/>
+              <a:t>- Most basic thing</a:t>
+            </a:r>
+            <a:r>
+              <a:rPr lang="en-US" baseline="0" dirty="0" smtClean="0"/>
+              <a:t> we need to do it check to see if a user is online, and if not, do something</a:t>
+            </a:r>
             <a:endParaRPr lang="en-US" dirty="0"/>
           </a:p>
         </p:txBody>
@@ -1629,7 +1558,7 @@
           <a:p>
             <a:fld id="{5450D3AD-83DA-F14F-BC42-147EEC5EDD61}" type="slidenum">
               <a:rPr lang="en-US" smtClean="0"/>
-              <a:t>10</a:t>
+              <a:t>5</a:t>
             </a:fld>
             <a:endParaRPr lang="en-US"/>
           </a:p>
@@ -1638,7 +1567,7 @@
     </p:spTree>
     <p:extLst>
       <p:ext uri="{BB962C8B-B14F-4D97-AF65-F5344CB8AC3E}">
-        <p14:creationId xmlns:p14="http://schemas.microsoft.com/office/powerpoint/2010/main" val="1387097259"/>
+        <p14:creationId xmlns:p14="http://schemas.microsoft.com/office/powerpoint/2010/main" val="1392628310"/>
       </p:ext>
     </p:extLst>
   </p:cSld>
@@ -1692,14 +1621,37 @@
           <a:bodyPr/>
           <a:lstStyle/>
           <a:p>
+            <a:pPr marL="0" marR="0" indent="0" algn="l" defTabSz="914400" rtl="0" eaLnBrk="1" fontAlgn="auto" latinLnBrk="0" hangingPunct="1">
+              <a:lnSpc>
+                <a:spcPct val="100000"/>
+              </a:lnSpc>
+              <a:spcBef>
+                <a:spcPts val="0"/>
+              </a:spcBef>
+              <a:spcAft>
+                <a:spcPts val="0"/>
+              </a:spcAft>
+              <a:buClrTx/>
+              <a:buSzTx/>
+              <a:buFontTx/>
+              <a:buNone/>
+              <a:tabLst/>
+              <a:defRPr/>
+            </a:pPr>
             <a:r>
               <a:rPr lang="en-US" dirty="0" smtClean="0"/>
-              <a:t>What about saving our</a:t>
-            </a:r>
-            <a:r>
-              <a:rPr lang="en-US" baseline="0" dirty="0" smtClean="0"/>
-              <a:t> data?</a:t>
-            </a:r>
+              <a:t>React Native ships with the </a:t>
+            </a:r>
+            <a:r>
+              <a:rPr lang="en-US" dirty="0" err="1" smtClean="0"/>
+              <a:t>NetInfo</a:t>
+            </a:r>
+            <a:r>
+              <a:rPr lang="en-US" dirty="0" smtClean="0"/>
+              <a:t> module in order to detect internet connectivity. The API is pretty basic and it may be sufficient for small apps but its usage gets cumbersome as your app grows. Besides that, it only detects network connectivity and does not guarantee internet access so it can provide false positives.</a:t>
+            </a:r>
+          </a:p>
+          <a:p>
             <a:endParaRPr lang="en-US" dirty="0"/>
           </a:p>
         </p:txBody>
@@ -1721,7 +1673,7 @@
           <a:p>
             <a:fld id="{5450D3AD-83DA-F14F-BC42-147EEC5EDD61}" type="slidenum">
               <a:rPr lang="en-US" smtClean="0"/>
-              <a:t>11</a:t>
+              <a:t>6</a:t>
             </a:fld>
             <a:endParaRPr lang="en-US"/>
           </a:p>
@@ -1730,7 +1682,7 @@
     </p:spTree>
     <p:extLst>
       <p:ext uri="{BB962C8B-B14F-4D97-AF65-F5344CB8AC3E}">
-        <p14:creationId xmlns:p14="http://schemas.microsoft.com/office/powerpoint/2010/main" val="929378755"/>
+        <p14:creationId xmlns:p14="http://schemas.microsoft.com/office/powerpoint/2010/main" val="1128285962"/>
       </p:ext>
     </p:extLst>
   </p:cSld>
@@ -1784,6 +1736,37 @@
           <a:bodyPr/>
           <a:lstStyle/>
           <a:p>
+            <a:pPr marL="0" marR="0" indent="0" algn="l" defTabSz="914400" rtl="0" eaLnBrk="1" fontAlgn="auto" latinLnBrk="0" hangingPunct="1">
+              <a:lnSpc>
+                <a:spcPct val="100000"/>
+              </a:lnSpc>
+              <a:spcBef>
+                <a:spcPts val="0"/>
+              </a:spcBef>
+              <a:spcAft>
+                <a:spcPts val="0"/>
+              </a:spcAft>
+              <a:buClrTx/>
+              <a:buSzTx/>
+              <a:buFontTx/>
+              <a:buNone/>
+              <a:tabLst/>
+              <a:defRPr/>
+            </a:pPr>
+            <a:r>
+              <a:rPr lang="en-US" dirty="0" smtClean="0"/>
+              <a:t>React Native ships with the </a:t>
+            </a:r>
+            <a:r>
+              <a:rPr lang="en-US" dirty="0" err="1" smtClean="0"/>
+              <a:t>NetInfo</a:t>
+            </a:r>
+            <a:r>
+              <a:rPr lang="en-US" dirty="0" smtClean="0"/>
+              <a:t> module in order to detect internet connectivity. The API is pretty basic and it may be sufficient for small apps but its usage gets cumbersome as your app grows. Besides that, it only detects network connectivity and does not guarantee internet access so it can provide false positives.</a:t>
+            </a:r>
+          </a:p>
+          <a:p>
             <a:endParaRPr lang="en-US" dirty="0"/>
           </a:p>
         </p:txBody>
@@ -1805,7 +1788,7 @@
           <a:p>
             <a:fld id="{5450D3AD-83DA-F14F-BC42-147EEC5EDD61}" type="slidenum">
               <a:rPr lang="en-US" smtClean="0"/>
-              <a:t>15</a:t>
+              <a:t>7</a:t>
             </a:fld>
             <a:endParaRPr lang="en-US"/>
           </a:p>
@@ -1814,7 +1797,7 @@
     </p:spTree>
     <p:extLst>
       <p:ext uri="{BB962C8B-B14F-4D97-AF65-F5344CB8AC3E}">
-        <p14:creationId xmlns:p14="http://schemas.microsoft.com/office/powerpoint/2010/main" val="595533347"/>
+        <p14:creationId xmlns:p14="http://schemas.microsoft.com/office/powerpoint/2010/main" val="400465926"/>
       </p:ext>
     </p:extLst>
   </p:cSld>
@@ -1868,58 +1851,529 @@
           <a:bodyPr/>
           <a:lstStyle/>
           <a:p>
-            <a:pPr marL="171450" indent="-171450">
-              <a:buFontTx/>
-              <a:buChar char="-"/>
-            </a:pPr>
+            <a:r>
+              <a:rPr lang="en-US" dirty="0" err="1" smtClean="0"/>
+              <a:t>withRedux</a:t>
+            </a:r>
+            <a:r>
+              <a:rPr lang="en-US" sz="1200" b="0" i="0" kern="1200" dirty="0" smtClean="0">
+                <a:solidFill>
+                  <a:schemeClr val="tx1"/>
+                </a:solidFill>
+                <a:effectLst/>
+                <a:latin typeface="+mn-lt"/>
+                <a:ea typeface="+mn-ea"/>
+                <a:cs typeface="+mn-cs"/>
+              </a:rPr>
+              <a:t>: flag that indicates whether the </a:t>
+            </a:r>
+            <a:r>
+              <a:rPr lang="en-US" sz="1200" b="0" i="0" kern="1200" dirty="0" err="1" smtClean="0">
+                <a:solidFill>
+                  <a:schemeClr val="tx1"/>
+                </a:solidFill>
+                <a:effectLst/>
+                <a:latin typeface="+mn-lt"/>
+                <a:ea typeface="+mn-ea"/>
+                <a:cs typeface="+mn-cs"/>
+              </a:rPr>
+              <a:t>HoC</a:t>
+            </a:r>
+            <a:r>
+              <a:rPr lang="en-US" sz="1200" b="0" i="0" kern="1200" dirty="0" smtClean="0">
+                <a:solidFill>
+                  <a:schemeClr val="tx1"/>
+                </a:solidFill>
+                <a:effectLst/>
+                <a:latin typeface="+mn-lt"/>
+                <a:ea typeface="+mn-ea"/>
+                <a:cs typeface="+mn-cs"/>
+              </a:rPr>
+              <a:t> should be wired up to the Redux store. By default, this parameter is </a:t>
+            </a:r>
             <a:r>
               <a:rPr lang="en-US" dirty="0" smtClean="0"/>
-              <a:t>Hooked this up and everything was working</a:t>
-            </a:r>
-            <a:r>
-              <a:rPr lang="en-US" baseline="0" dirty="0" smtClean="0"/>
-              <a:t> fine, except for the form reducers.</a:t>
-            </a:r>
-          </a:p>
-          <a:p>
-            <a:pPr marL="171450" indent="-171450">
-              <a:buFontTx/>
-              <a:buChar char="-"/>
-            </a:pPr>
-            <a:r>
-              <a:rPr lang="en-US" baseline="0" dirty="0" smtClean="0"/>
-              <a:t>Turns out that the form reducer was re-initializing itself, and ignoring the </a:t>
-            </a:r>
-            <a:r>
-              <a:rPr lang="en-US" baseline="0" dirty="0" smtClean="0"/>
-              <a:t>values that were stored under the “form” key in </a:t>
-            </a:r>
-            <a:r>
-              <a:rPr lang="en-US" baseline="0" dirty="0" err="1" smtClean="0"/>
-              <a:t>AsyncStorage</a:t>
-            </a:r>
-            <a:r>
-              <a:rPr lang="en-US" baseline="0" dirty="0" smtClean="0"/>
-              <a:t> by redux-persist</a:t>
-            </a:r>
-          </a:p>
-          <a:p>
-            <a:pPr marL="171450" indent="-171450">
-              <a:buFontTx/>
-              <a:buChar char="-"/>
-            </a:pPr>
-            <a:r>
-              <a:rPr lang="en-US" baseline="0" dirty="0" smtClean="0"/>
-              <a:t>The best way to initialize existing values into a form is to just pass an “</a:t>
-            </a:r>
-            <a:r>
-              <a:rPr lang="en-US" baseline="0" dirty="0" err="1" smtClean="0"/>
-              <a:t>initialValues</a:t>
-            </a:r>
-            <a:r>
-              <a:rPr lang="en-US" baseline="0" dirty="0" smtClean="0"/>
-              <a:t>” to that form</a:t>
-            </a:r>
+              <a:t>false</a:t>
+            </a:r>
+            <a:r>
+              <a:rPr lang="en-US" sz="1200" b="0" i="0" kern="1200" dirty="0" smtClean="0">
+                <a:solidFill>
+                  <a:schemeClr val="tx1"/>
+                </a:solidFill>
+                <a:effectLst/>
+                <a:latin typeface="+mn-lt"/>
+                <a:ea typeface="+mn-ea"/>
+                <a:cs typeface="+mn-cs"/>
+              </a:rPr>
+              <a:t> and the </a:t>
+            </a:r>
+            <a:r>
+              <a:rPr lang="en-US" sz="1200" b="0" i="0" kern="1200" dirty="0" err="1" smtClean="0">
+                <a:solidFill>
+                  <a:schemeClr val="tx1"/>
+                </a:solidFill>
+                <a:effectLst/>
+                <a:latin typeface="+mn-lt"/>
+                <a:ea typeface="+mn-ea"/>
+                <a:cs typeface="+mn-cs"/>
+              </a:rPr>
+              <a:t>HoC</a:t>
+            </a:r>
+            <a:r>
+              <a:rPr lang="en-US" sz="1200" b="0" i="0" kern="1200" dirty="0" smtClean="0">
+                <a:solidFill>
+                  <a:schemeClr val="tx1"/>
+                </a:solidFill>
+                <a:effectLst/>
+                <a:latin typeface="+mn-lt"/>
+                <a:ea typeface="+mn-ea"/>
+                <a:cs typeface="+mn-cs"/>
+              </a:rPr>
+              <a:t> injects </a:t>
+            </a:r>
+            <a:r>
+              <a:rPr lang="en-US" dirty="0" err="1" smtClean="0"/>
+              <a:t>isConnected</a:t>
+            </a:r>
+            <a:r>
+              <a:rPr lang="en-US" sz="1200" b="0" i="0" kern="1200" dirty="0" smtClean="0">
+                <a:solidFill>
+                  <a:schemeClr val="tx1"/>
+                </a:solidFill>
+                <a:effectLst/>
+                <a:latin typeface="+mn-lt"/>
+                <a:ea typeface="+mn-ea"/>
+                <a:cs typeface="+mn-cs"/>
+              </a:rPr>
+              <a:t> as a prop into </a:t>
+            </a:r>
+            <a:r>
+              <a:rPr lang="en-US" dirty="0" err="1" smtClean="0"/>
+              <a:t>WrappedComponent</a:t>
+            </a:r>
+            <a:r>
+              <a:rPr lang="en-US" sz="1200" b="0" i="0" kern="1200" dirty="0" smtClean="0">
+                <a:solidFill>
+                  <a:schemeClr val="tx1"/>
+                </a:solidFill>
+                <a:effectLst/>
+                <a:latin typeface="+mn-lt"/>
+                <a:ea typeface="+mn-ea"/>
+                <a:cs typeface="+mn-cs"/>
+              </a:rPr>
+              <a:t>. If </a:t>
+            </a:r>
+            <a:r>
+              <a:rPr lang="en-US" dirty="0" smtClean="0"/>
+              <a:t>true</a:t>
+            </a:r>
+            <a:r>
+              <a:rPr lang="en-US" sz="1200" b="0" i="0" kern="1200" dirty="0" smtClean="0">
+                <a:solidFill>
+                  <a:schemeClr val="tx1"/>
+                </a:solidFill>
+                <a:effectLst/>
+                <a:latin typeface="+mn-lt"/>
+                <a:ea typeface="+mn-ea"/>
+                <a:cs typeface="+mn-cs"/>
+              </a:rPr>
+              <a:t> provided, it won't act as a component utility and pass any prop down, but instead perform the needed actions to sync up with the store. See below </a:t>
+            </a:r>
+            <a:r>
+              <a:rPr lang="en-US" sz="1200" b="0" i="0" u="none" strike="noStrike" kern="1200" dirty="0" smtClean="0">
+                <a:solidFill>
+                  <a:schemeClr val="tx1"/>
+                </a:solidFill>
+                <a:effectLst/>
+                <a:latin typeface="+mn-lt"/>
+                <a:ea typeface="+mn-ea"/>
+                <a:cs typeface="+mn-cs"/>
+                <a:hlinkClick r:id="rId3"/>
+              </a:rPr>
+              <a:t>Redux integration</a:t>
+            </a:r>
+            <a:r>
+              <a:rPr lang="en-US" sz="1200" b="0" i="0" kern="1200" dirty="0" smtClean="0">
+                <a:solidFill>
+                  <a:schemeClr val="tx1"/>
+                </a:solidFill>
+                <a:effectLst/>
+                <a:latin typeface="+mn-lt"/>
+                <a:ea typeface="+mn-ea"/>
+                <a:cs typeface="+mn-cs"/>
+              </a:rPr>
+              <a:t> for more details.</a:t>
+            </a:r>
+          </a:p>
+          <a:p>
+            <a:endParaRPr lang="en-US" sz="1200" b="0" i="0" kern="1200" dirty="0" smtClean="0">
+              <a:solidFill>
+                <a:schemeClr val="tx1"/>
+              </a:solidFill>
+              <a:effectLst/>
+              <a:latin typeface="+mn-lt"/>
+              <a:ea typeface="+mn-ea"/>
+              <a:cs typeface="+mn-cs"/>
+            </a:endParaRPr>
+          </a:p>
+          <a:p>
+            <a:r>
+              <a:rPr lang="en-US" sz="1200" b="0" i="0" kern="1200" dirty="0" err="1" smtClean="0">
+                <a:solidFill>
+                  <a:schemeClr val="tx1"/>
+                </a:solidFill>
+                <a:effectLst/>
+                <a:latin typeface="+mn-lt"/>
+                <a:ea typeface="+mn-ea"/>
+                <a:cs typeface="+mn-cs"/>
+              </a:rPr>
+              <a:t>withRedux</a:t>
+            </a:r>
+            <a:r>
+              <a:rPr lang="en-US" sz="1200" b="0" i="0" kern="1200" dirty="0" smtClean="0">
+                <a:solidFill>
+                  <a:schemeClr val="tx1"/>
+                </a:solidFill>
+                <a:effectLst/>
+                <a:latin typeface="+mn-lt"/>
+                <a:ea typeface="+mn-ea"/>
+                <a:cs typeface="+mn-cs"/>
+              </a:rPr>
+              <a:t>: flag that indicates whether the </a:t>
+            </a:r>
+            <a:r>
+              <a:rPr lang="en-US" sz="1200" b="0" i="0" kern="1200" dirty="0" err="1" smtClean="0">
+                <a:solidFill>
+                  <a:schemeClr val="tx1"/>
+                </a:solidFill>
+                <a:effectLst/>
+                <a:latin typeface="+mn-lt"/>
+                <a:ea typeface="+mn-ea"/>
+                <a:cs typeface="+mn-cs"/>
+              </a:rPr>
+              <a:t>HoC</a:t>
+            </a:r>
+            <a:r>
+              <a:rPr lang="en-US" sz="1200" b="0" i="0" kern="1200" dirty="0" smtClean="0">
+                <a:solidFill>
+                  <a:schemeClr val="tx1"/>
+                </a:solidFill>
+                <a:effectLst/>
+                <a:latin typeface="+mn-lt"/>
+                <a:ea typeface="+mn-ea"/>
+                <a:cs typeface="+mn-cs"/>
+              </a:rPr>
+              <a:t> should be wired up to the Redux store. By default, this parameter is false and the </a:t>
+            </a:r>
+            <a:r>
+              <a:rPr lang="en-US" sz="1200" b="0" i="0" kern="1200" dirty="0" err="1" smtClean="0">
+                <a:solidFill>
+                  <a:schemeClr val="tx1"/>
+                </a:solidFill>
+                <a:effectLst/>
+                <a:latin typeface="+mn-lt"/>
+                <a:ea typeface="+mn-ea"/>
+                <a:cs typeface="+mn-cs"/>
+              </a:rPr>
+              <a:t>HoC</a:t>
+            </a:r>
+            <a:r>
+              <a:rPr lang="en-US" sz="1200" b="0" i="0" kern="1200" dirty="0" smtClean="0">
+                <a:solidFill>
+                  <a:schemeClr val="tx1"/>
+                </a:solidFill>
+                <a:effectLst/>
+                <a:latin typeface="+mn-lt"/>
+                <a:ea typeface="+mn-ea"/>
+                <a:cs typeface="+mn-cs"/>
+              </a:rPr>
+              <a:t> injects </a:t>
+            </a:r>
+            <a:r>
+              <a:rPr lang="en-US" sz="1200" b="0" i="0" kern="1200" dirty="0" err="1" smtClean="0">
+                <a:solidFill>
+                  <a:schemeClr val="tx1"/>
+                </a:solidFill>
+                <a:effectLst/>
+                <a:latin typeface="+mn-lt"/>
+                <a:ea typeface="+mn-ea"/>
+                <a:cs typeface="+mn-cs"/>
+              </a:rPr>
+              <a:t>isConnected</a:t>
+            </a:r>
+            <a:r>
+              <a:rPr lang="en-US" sz="1200" b="0" i="0" kern="1200" dirty="0" smtClean="0">
+                <a:solidFill>
+                  <a:schemeClr val="tx1"/>
+                </a:solidFill>
+                <a:effectLst/>
+                <a:latin typeface="+mn-lt"/>
+                <a:ea typeface="+mn-ea"/>
+                <a:cs typeface="+mn-cs"/>
+              </a:rPr>
+              <a:t> as a prop into </a:t>
+            </a:r>
+            <a:r>
+              <a:rPr lang="en-US" sz="1200" b="0" i="0" kern="1200" dirty="0" err="1" smtClean="0">
+                <a:solidFill>
+                  <a:schemeClr val="tx1"/>
+                </a:solidFill>
+                <a:effectLst/>
+                <a:latin typeface="+mn-lt"/>
+                <a:ea typeface="+mn-ea"/>
+                <a:cs typeface="+mn-cs"/>
+              </a:rPr>
+              <a:t>WrappedComponent</a:t>
+            </a:r>
+            <a:r>
+              <a:rPr lang="en-US" sz="1200" b="0" i="0" kern="1200" dirty="0" smtClean="0">
+                <a:solidFill>
+                  <a:schemeClr val="tx1"/>
+                </a:solidFill>
+                <a:effectLst/>
+                <a:latin typeface="+mn-lt"/>
+                <a:ea typeface="+mn-ea"/>
+                <a:cs typeface="+mn-cs"/>
+              </a:rPr>
+              <a:t>. If true provided, it won't act as a component utility and pass any prop down, but instead perform the needed actions to sync up with the store. See below </a:t>
+            </a:r>
+            <a:r>
+              <a:rPr lang="en-US" sz="1200" b="0" i="0" u="none" strike="noStrike" kern="1200" dirty="0" smtClean="0">
+                <a:solidFill>
+                  <a:schemeClr val="tx1"/>
+                </a:solidFill>
+                <a:effectLst/>
+                <a:latin typeface="+mn-lt"/>
+                <a:ea typeface="+mn-ea"/>
+                <a:cs typeface="+mn-cs"/>
+                <a:hlinkClick r:id="rId3"/>
+              </a:rPr>
+              <a:t>Redux integration</a:t>
+            </a:r>
+            <a:r>
+              <a:rPr lang="en-US" sz="1200" b="0" i="0" kern="1200" dirty="0" smtClean="0">
+                <a:solidFill>
+                  <a:schemeClr val="tx1"/>
+                </a:solidFill>
+                <a:effectLst/>
+                <a:latin typeface="+mn-lt"/>
+                <a:ea typeface="+mn-ea"/>
+                <a:cs typeface="+mn-cs"/>
+              </a:rPr>
+              <a:t> for more details.</a:t>
+            </a:r>
+          </a:p>
+          <a:p>
+            <a:endParaRPr lang="en-US" sz="1200" b="0" i="0" kern="1200" dirty="0" smtClean="0">
+              <a:solidFill>
+                <a:schemeClr val="tx1"/>
+              </a:solidFill>
+              <a:effectLst/>
+              <a:latin typeface="+mn-lt"/>
+              <a:ea typeface="+mn-ea"/>
+              <a:cs typeface="+mn-cs"/>
+            </a:endParaRPr>
+          </a:p>
+          <a:p>
+            <a:r>
+              <a:rPr lang="en-US" sz="1200" b="0" i="0" kern="1200" dirty="0" smtClean="0">
+                <a:solidFill>
+                  <a:schemeClr val="tx1"/>
+                </a:solidFill>
+                <a:effectLst/>
+                <a:latin typeface="+mn-lt"/>
+                <a:ea typeface="+mn-ea"/>
+                <a:cs typeface="+mn-cs"/>
+              </a:rPr>
+              <a:t>timeout: amount of time (in </a:t>
+            </a:r>
+            <a:r>
+              <a:rPr lang="en-US" sz="1200" b="0" i="0" kern="1200" dirty="0" err="1" smtClean="0">
+                <a:solidFill>
+                  <a:schemeClr val="tx1"/>
+                </a:solidFill>
+                <a:effectLst/>
+                <a:latin typeface="+mn-lt"/>
+                <a:ea typeface="+mn-ea"/>
+                <a:cs typeface="+mn-cs"/>
+              </a:rPr>
+              <a:t>ms</a:t>
+            </a:r>
+            <a:r>
+              <a:rPr lang="en-US" sz="1200" b="0" i="0" kern="1200" dirty="0" smtClean="0">
+                <a:solidFill>
+                  <a:schemeClr val="tx1"/>
+                </a:solidFill>
+                <a:effectLst/>
+                <a:latin typeface="+mn-lt"/>
+                <a:ea typeface="+mn-ea"/>
+                <a:cs typeface="+mn-cs"/>
+              </a:rPr>
+              <a:t>) that the component should wait for the ping response. Defaults to 3s.</a:t>
+            </a:r>
+          </a:p>
+          <a:p>
+            <a:endParaRPr lang="en-US" sz="1200" b="0" i="0" kern="1200" dirty="0" smtClean="0">
+              <a:solidFill>
+                <a:schemeClr val="tx1"/>
+              </a:solidFill>
+              <a:effectLst/>
+              <a:latin typeface="+mn-lt"/>
+              <a:ea typeface="+mn-ea"/>
+              <a:cs typeface="+mn-cs"/>
+            </a:endParaRPr>
+          </a:p>
+          <a:p>
+            <a:r>
+              <a:rPr lang="en-US" sz="1200" b="0" i="0" kern="1200" dirty="0" err="1" smtClean="0">
+                <a:solidFill>
+                  <a:schemeClr val="tx1"/>
+                </a:solidFill>
+                <a:effectLst/>
+                <a:latin typeface="+mn-lt"/>
+                <a:ea typeface="+mn-ea"/>
+                <a:cs typeface="+mn-cs"/>
+              </a:rPr>
+              <a:t>pingServerUrl</a:t>
+            </a:r>
+            <a:r>
+              <a:rPr lang="en-US" sz="1200" b="0" i="0" kern="1200" dirty="0" smtClean="0">
+                <a:solidFill>
+                  <a:schemeClr val="tx1"/>
+                </a:solidFill>
+                <a:effectLst/>
+                <a:latin typeface="+mn-lt"/>
+                <a:ea typeface="+mn-ea"/>
+                <a:cs typeface="+mn-cs"/>
+              </a:rPr>
+              <a:t>: remote server to ping to. It defaults to </a:t>
+            </a:r>
+            <a:r>
+              <a:rPr lang="en-US" sz="1200" b="0" i="0" u="none" strike="noStrike" kern="1200" dirty="0" smtClean="0">
+                <a:solidFill>
+                  <a:schemeClr val="tx1"/>
+                </a:solidFill>
+                <a:effectLst/>
+                <a:latin typeface="+mn-lt"/>
+                <a:ea typeface="+mn-ea"/>
+                <a:cs typeface="+mn-cs"/>
+                <a:hlinkClick r:id="rId4"/>
+              </a:rPr>
+              <a:t>https://google.com</a:t>
+            </a:r>
+            <a:r>
+              <a:rPr lang="en-US" sz="1200" b="0" i="0" kern="1200" dirty="0" smtClean="0">
+                <a:solidFill>
+                  <a:schemeClr val="tx1"/>
+                </a:solidFill>
+                <a:effectLst/>
+                <a:latin typeface="+mn-lt"/>
+                <a:ea typeface="+mn-ea"/>
+                <a:cs typeface="+mn-cs"/>
+              </a:rPr>
+              <a:t> since it's probably one the most stable servers out there, but you can provide your own if needed.</a:t>
+            </a:r>
+          </a:p>
+          <a:p>
+            <a:endParaRPr lang="en-US" sz="1200" b="0" i="0" kern="1200" dirty="0" smtClean="0">
+              <a:solidFill>
+                <a:schemeClr val="tx1"/>
+              </a:solidFill>
+              <a:effectLst/>
+              <a:latin typeface="+mn-lt"/>
+              <a:ea typeface="+mn-ea"/>
+              <a:cs typeface="+mn-cs"/>
+            </a:endParaRPr>
+          </a:p>
+          <a:p>
+            <a:r>
+              <a:rPr lang="en-US" sz="1200" b="0" i="0" kern="1200" dirty="0" err="1" smtClean="0">
+                <a:solidFill>
+                  <a:schemeClr val="tx1"/>
+                </a:solidFill>
+                <a:effectLst/>
+                <a:latin typeface="+mn-lt"/>
+                <a:ea typeface="+mn-ea"/>
+                <a:cs typeface="+mn-cs"/>
+              </a:rPr>
+              <a:t>withExtraHeadRequest</a:t>
+            </a:r>
+            <a:r>
+              <a:rPr lang="en-US" sz="1200" b="0" i="0" kern="1200" dirty="0" smtClean="0">
+                <a:solidFill>
+                  <a:schemeClr val="tx1"/>
+                </a:solidFill>
+                <a:effectLst/>
+                <a:latin typeface="+mn-lt"/>
+                <a:ea typeface="+mn-ea"/>
+                <a:cs typeface="+mn-cs"/>
+              </a:rPr>
+              <a:t>: flag that denotes whether the extra ping check will be performed or not. Defaults to true.</a:t>
+            </a:r>
+          </a:p>
+          <a:p>
+            <a:endParaRPr lang="en-US" sz="1200" b="0" i="0" kern="1200" dirty="0" smtClean="0">
+              <a:solidFill>
+                <a:schemeClr val="tx1"/>
+              </a:solidFill>
+              <a:effectLst/>
+              <a:latin typeface="+mn-lt"/>
+              <a:ea typeface="+mn-ea"/>
+              <a:cs typeface="+mn-cs"/>
+            </a:endParaRPr>
+          </a:p>
+          <a:p>
+            <a:r>
+              <a:rPr lang="en-US" sz="1200" b="0" i="0" kern="1200" dirty="0" err="1" smtClean="0">
+                <a:solidFill>
+                  <a:schemeClr val="tx1"/>
+                </a:solidFill>
+                <a:effectLst/>
+                <a:latin typeface="+mn-lt"/>
+                <a:ea typeface="+mn-ea"/>
+                <a:cs typeface="+mn-cs"/>
+              </a:rPr>
+              <a:t>checkConnectionInterval</a:t>
+            </a:r>
+            <a:r>
+              <a:rPr lang="en-US" sz="1200" b="0" i="0" kern="1200" dirty="0" smtClean="0">
+                <a:solidFill>
+                  <a:schemeClr val="tx1"/>
+                </a:solidFill>
+                <a:effectLst/>
+                <a:latin typeface="+mn-lt"/>
+                <a:ea typeface="+mn-ea"/>
+                <a:cs typeface="+mn-cs"/>
+              </a:rPr>
+              <a:t>: the interval (in </a:t>
+            </a:r>
+            <a:r>
+              <a:rPr lang="en-US" sz="1200" b="0" i="0" kern="1200" dirty="0" err="1" smtClean="0">
+                <a:solidFill>
+                  <a:schemeClr val="tx1"/>
+                </a:solidFill>
+                <a:effectLst/>
+                <a:latin typeface="+mn-lt"/>
+                <a:ea typeface="+mn-ea"/>
+                <a:cs typeface="+mn-cs"/>
+              </a:rPr>
+              <a:t>ms</a:t>
+            </a:r>
+            <a:r>
+              <a:rPr lang="en-US" sz="1200" b="0" i="0" kern="1200" dirty="0" smtClean="0">
+                <a:solidFill>
+                  <a:schemeClr val="tx1"/>
+                </a:solidFill>
+                <a:effectLst/>
+                <a:latin typeface="+mn-lt"/>
+                <a:ea typeface="+mn-ea"/>
+                <a:cs typeface="+mn-cs"/>
+              </a:rPr>
+              <a:t>) you want to ping the server at. The default is 0, and that means it is not going to regularly check connectivity.</a:t>
+            </a:r>
+          </a:p>
+          <a:p>
+            <a:endParaRPr lang="en-US" dirty="0"/>
           </a:p>
         </p:txBody>
       </p:sp>
@@ -1940,7 +2394,7 @@
           <a:p>
             <a:fld id="{5450D3AD-83DA-F14F-BC42-147EEC5EDD61}" type="slidenum">
               <a:rPr lang="en-US" smtClean="0"/>
-              <a:t>17</a:t>
+              <a:t>8</a:t>
             </a:fld>
             <a:endParaRPr lang="en-US"/>
           </a:p>
@@ -1949,7 +2403,7 @@
     </p:spTree>
     <p:extLst>
       <p:ext uri="{BB962C8B-B14F-4D97-AF65-F5344CB8AC3E}">
-        <p14:creationId xmlns:p14="http://schemas.microsoft.com/office/powerpoint/2010/main" val="1353464113"/>
+        <p14:creationId xmlns:p14="http://schemas.microsoft.com/office/powerpoint/2010/main" val="1736426534"/>
       </p:ext>
     </p:extLst>
   </p:cSld>
@@ -2024,7 +2478,7 @@
           <a:p>
             <a:fld id="{5450D3AD-83DA-F14F-BC42-147EEC5EDD61}" type="slidenum">
               <a:rPr lang="en-US" smtClean="0"/>
-              <a:t>18</a:t>
+              <a:t>11</a:t>
             </a:fld>
             <a:endParaRPr lang="en-US"/>
           </a:p>
@@ -2033,7 +2487,7 @@
     </p:spTree>
     <p:extLst>
       <p:ext uri="{BB962C8B-B14F-4D97-AF65-F5344CB8AC3E}">
-        <p14:creationId xmlns:p14="http://schemas.microsoft.com/office/powerpoint/2010/main" val="392516760"/>
+        <p14:creationId xmlns:p14="http://schemas.microsoft.com/office/powerpoint/2010/main" val="1387097259"/>
       </p:ext>
     </p:extLst>
   </p:cSld>
@@ -2089,27 +2543,11 @@
           <a:p>
             <a:r>
               <a:rPr lang="en-US" dirty="0" smtClean="0"/>
-              <a:t>- </a:t>
-            </a:r>
-            <a:r>
-              <a:rPr lang="en-US" sz="1200" b="0" i="0" kern="1200" dirty="0" smtClean="0">
-                <a:solidFill>
-                  <a:schemeClr val="tx1"/>
-                </a:solidFill>
-                <a:effectLst/>
-                <a:latin typeface="+mn-lt"/>
-                <a:ea typeface="+mn-ea"/>
-                <a:cs typeface="+mn-cs"/>
-              </a:rPr>
-              <a:t>When the state object gets persisted, it first gets serialized with </a:t>
-            </a:r>
-            <a:r>
-              <a:rPr lang="en-US" dirty="0" err="1" smtClean="0"/>
-              <a:t>JSON.stringify</a:t>
-            </a:r>
-            <a:r>
-              <a:rPr lang="en-US" dirty="0" smtClean="0"/>
-              <a:t>()</a:t>
+              <a:t>What about saving our</a:t>
+            </a:r>
+            <a:r>
+              <a:rPr lang="en-US" baseline="0" dirty="0" smtClean="0"/>
+              <a:t> data?</a:t>
             </a:r>
             <a:endParaRPr lang="en-US" dirty="0"/>
           </a:p>
@@ -2132,7 +2570,7 @@
           <a:p>
             <a:fld id="{5450D3AD-83DA-F14F-BC42-147EEC5EDD61}" type="slidenum">
               <a:rPr lang="en-US" smtClean="0"/>
-              <a:t>19</a:t>
+              <a:t>12</a:t>
             </a:fld>
             <a:endParaRPr lang="en-US"/>
           </a:p>
@@ -2141,7 +2579,7 @@
     </p:spTree>
     <p:extLst>
       <p:ext uri="{BB962C8B-B14F-4D97-AF65-F5344CB8AC3E}">
-        <p14:creationId xmlns:p14="http://schemas.microsoft.com/office/powerpoint/2010/main" val="1013230823"/>
+        <p14:creationId xmlns:p14="http://schemas.microsoft.com/office/powerpoint/2010/main" val="929378755"/>
       </p:ext>
     </p:extLst>
   </p:cSld>
@@ -7805,7 +8243,9 @@
         </p:nvSpPr>
         <p:spPr/>
         <p:txBody>
-          <a:bodyPr/>
+          <a:bodyPr>
+            <a:normAutofit/>
+          </a:bodyPr>
           <a:lstStyle/>
           <a:p>
             <a:r>
@@ -7814,7 +8254,15 @@
             </a:r>
             <a:r>
               <a:rPr lang="en-US" dirty="0" smtClean="0"/>
-              <a:t>yson Kunovsky | Principal - Inspire11 Consulting</a:t>
+              <a:t>yson Kunovsky | </a:t>
+            </a:r>
+            <a:r>
+              <a:rPr lang="en-US" dirty="0" smtClean="0"/>
+              <a:t>Principal - </a:t>
+            </a:r>
+            <a:r>
+              <a:rPr lang="en-US" dirty="0" smtClean="0"/>
+              <a:t>Inspire11 Consulting</a:t>
             </a:r>
             <a:endParaRPr lang="en-US" dirty="0"/>
           </a:p>
@@ -7850,6 +8298,73 @@
           <a:chExt cx="0" cy="0"/>
         </a:xfrm>
       </p:grpSpPr>
+      <p:pic>
+        <p:nvPicPr>
+          <p:cNvPr id="2" name="Picture 1"/>
+          <p:cNvPicPr>
+            <a:picLocks noChangeAspect="1"/>
+          </p:cNvPicPr>
+          <p:nvPr/>
+        </p:nvPicPr>
+        <p:blipFill>
+          <a:blip r:embed="rId2">
+            <a:extLst>
+              <a:ext uri="{28A0092B-C50C-407E-A947-70E740481C1C}">
+                <a14:useLocalDpi xmlns:a14="http://schemas.microsoft.com/office/drawing/2010/main" val="0"/>
+              </a:ext>
+            </a:extLst>
+          </a:blip>
+          <a:stretch>
+            <a:fillRect/>
+          </a:stretch>
+        </p:blipFill>
+        <p:spPr>
+          <a:xfrm>
+            <a:off x="1845129" y="-327671"/>
+            <a:ext cx="8362357" cy="7544900"/>
+          </a:xfrm>
+          <a:prstGeom prst="rect">
+            <a:avLst/>
+          </a:prstGeom>
+        </p:spPr>
+      </p:pic>
+    </p:spTree>
+    <p:extLst>
+      <p:ext uri="{BB962C8B-B14F-4D97-AF65-F5344CB8AC3E}">
+        <p14:creationId xmlns:p14="http://schemas.microsoft.com/office/powerpoint/2010/main" val="338398623"/>
+      </p:ext>
+    </p:extLst>
+  </p:cSld>
+  <p:clrMapOvr>
+    <a:masterClrMapping/>
+  </p:clrMapOvr>
+  <p:timing>
+    <p:tnLst>
+      <p:par>
+        <p:cTn id="1" dur="indefinite" restart="never" nodeType="tmRoot"/>
+      </p:par>
+    </p:tnLst>
+  </p:timing>
+</p:sld>
+</file>
+
+<file path=ppt/slides/slide11.xml><?xml version="1.0" encoding="utf-8"?>
+<p:sld xmlns:a="http://schemas.openxmlformats.org/drawingml/2006/main" xmlns:r="http://schemas.openxmlformats.org/officeDocument/2006/relationships" xmlns:p="http://schemas.openxmlformats.org/presentationml/2006/main">
+  <p:cSld>
+    <p:spTree>
+      <p:nvGrpSpPr>
+        <p:cNvPr id="1" name=""/>
+        <p:cNvGrpSpPr/>
+        <p:nvPr/>
+      </p:nvGrpSpPr>
+      <p:grpSpPr>
+        <a:xfrm>
+          <a:off x="0" y="0"/>
+          <a:ext cx="0" cy="0"/>
+          <a:chOff x="0" y="0"/>
+          <a:chExt cx="0" cy="0"/>
+        </a:xfrm>
+      </p:grpSpPr>
       <p:sp>
         <p:nvSpPr>
           <p:cNvPr id="2" name="Title 1"/>
@@ -7904,7 +8419,7 @@
 </p:sld>
 </file>
 
-<file path=ppt/slides/slide11.xml><?xml version="1.0" encoding="utf-8"?>
+<file path=ppt/slides/slide12.xml><?xml version="1.0" encoding="utf-8"?>
 <p:sld xmlns:a="http://schemas.openxmlformats.org/drawingml/2006/main" xmlns:r="http://schemas.openxmlformats.org/officeDocument/2006/relationships" xmlns:p="http://schemas.openxmlformats.org/presentationml/2006/main">
   <p:cSld>
     <p:spTree>
@@ -7965,7 +8480,7 @@
 </p:sld>
 </file>
 
-<file path=ppt/slides/slide12.xml><?xml version="1.0" encoding="utf-8"?>
+<file path=ppt/slides/slide13.xml><?xml version="1.0" encoding="utf-8"?>
 <p:sld xmlns:a="http://schemas.openxmlformats.org/drawingml/2006/main" xmlns:r="http://schemas.openxmlformats.org/officeDocument/2006/relationships" xmlns:p="http://schemas.openxmlformats.org/presentationml/2006/main">
   <p:cSld>
     <p:spTree>
@@ -8022,21 +8537,38 @@
           <a:p>
             <a:r>
               <a:rPr lang="en-US" dirty="0" smtClean="0"/>
-              <a:t>Takes your reducer state</a:t>
-            </a:r>
-          </a:p>
-          <a:p>
+              <a:t>Takes your reducer state </a:t>
+            </a:r>
+            <a:r>
+              <a:rPr lang="en-US" dirty="0"/>
+              <a:t>and saves, defaults to </a:t>
+            </a:r>
+            <a:r>
+              <a:rPr lang="en-US" dirty="0" err="1"/>
+              <a:t>localStorage</a:t>
+            </a:r>
+            <a:r>
+              <a:rPr lang="en-US" dirty="0"/>
+              <a:t> for web and </a:t>
+            </a:r>
+            <a:r>
+              <a:rPr lang="en-US" dirty="0" err="1"/>
+              <a:t>AsyncStorage</a:t>
+            </a:r>
+            <a:r>
+              <a:rPr lang="en-US" dirty="0"/>
+              <a:t> for </a:t>
+            </a:r>
             <a:r>
               <a:rPr lang="en-US" dirty="0" smtClean="0"/>
-              <a:t>State </a:t>
-            </a:r>
-            <a:r>
-              <a:rPr lang="en-US" dirty="0"/>
-              <a:t>reconcilers define how incoming state is merged in with initial </a:t>
-            </a:r>
+              <a:t>react-native.</a:t>
+            </a:r>
+            <a:endParaRPr lang="en-US" dirty="0"/>
+          </a:p>
+          <a:p>
             <a:r>
               <a:rPr lang="en-US" dirty="0" smtClean="0"/>
-              <a:t>state </a:t>
+              <a:t>State reconcilers define how incoming state is merged in with initial state </a:t>
             </a:r>
             <a:r>
               <a:rPr lang="mr-IN" dirty="0" smtClean="0"/>
@@ -8063,7 +8595,102 @@
 </p:sld>
 </file>
 
-<file path=ppt/slides/slide13.xml><?xml version="1.0" encoding="utf-8"?>
+<file path=ppt/slides/slide14.xml><?xml version="1.0" encoding="utf-8"?>
+<p:sld xmlns:a="http://schemas.openxmlformats.org/drawingml/2006/main" xmlns:r="http://schemas.openxmlformats.org/officeDocument/2006/relationships" xmlns:p="http://schemas.openxmlformats.org/presentationml/2006/main">
+  <p:cSld>
+    <p:spTree>
+      <p:nvGrpSpPr>
+        <p:cNvPr id="1" name=""/>
+        <p:cNvGrpSpPr/>
+        <p:nvPr/>
+      </p:nvGrpSpPr>
+      <p:grpSpPr>
+        <a:xfrm>
+          <a:off x="0" y="0"/>
+          <a:ext cx="0" cy="0"/>
+          <a:chOff x="0" y="0"/>
+          <a:chExt cx="0" cy="0"/>
+        </a:xfrm>
+      </p:grpSpPr>
+      <p:pic>
+        <p:nvPicPr>
+          <p:cNvPr id="4" name="Picture 3"/>
+          <p:cNvPicPr>
+            <a:picLocks noChangeAspect="1"/>
+          </p:cNvPicPr>
+          <p:nvPr/>
+        </p:nvPicPr>
+        <p:blipFill>
+          <a:blip r:embed="rId2"/>
+          <a:stretch>
+            <a:fillRect/>
+          </a:stretch>
+        </p:blipFill>
+        <p:spPr>
+          <a:xfrm>
+            <a:off x="234950" y="355600"/>
+            <a:ext cx="11722100" cy="6146800"/>
+          </a:xfrm>
+          <a:prstGeom prst="rect">
+            <a:avLst/>
+          </a:prstGeom>
+        </p:spPr>
+      </p:pic>
+      <p:sp>
+        <p:nvSpPr>
+          <p:cNvPr id="5" name="Rectangle 4"/>
+          <p:cNvSpPr/>
+          <p:nvPr/>
+        </p:nvSpPr>
+        <p:spPr>
+          <a:xfrm>
+            <a:off x="234950" y="6502400"/>
+            <a:ext cx="5473871" cy="369332"/>
+          </a:xfrm>
+          <a:prstGeom prst="rect">
+            <a:avLst/>
+          </a:prstGeom>
+        </p:spPr>
+        <p:txBody>
+          <a:bodyPr wrap="none">
+            <a:spAutoFit/>
+          </a:bodyPr>
+          <a:lstStyle/>
+          <a:p>
+            <a:r>
+              <a:rPr lang="en-US" dirty="0"/>
+              <a:t>https://</a:t>
+            </a:r>
+            <a:r>
+              <a:rPr lang="en-US" dirty="0" err="1"/>
+              <a:t>github.com</a:t>
+            </a:r>
+            <a:r>
+              <a:rPr lang="en-US" dirty="0"/>
+              <a:t>/rt2zz/</a:t>
+            </a:r>
+            <a:r>
+              <a:rPr lang="en-US" dirty="0" err="1"/>
+              <a:t>redux-persist#state-reconciler</a:t>
+            </a:r>
+            <a:endParaRPr lang="en-US" dirty="0"/>
+          </a:p>
+        </p:txBody>
+      </p:sp>
+    </p:spTree>
+    <p:extLst>
+      <p:ext uri="{BB962C8B-B14F-4D97-AF65-F5344CB8AC3E}">
+        <p14:creationId xmlns:p14="http://schemas.microsoft.com/office/powerpoint/2010/main" val="1698713575"/>
+      </p:ext>
+    </p:extLst>
+  </p:cSld>
+  <p:clrMapOvr>
+    <a:masterClrMapping/>
+  </p:clrMapOvr>
+</p:sld>
+</file>
+
+<file path=ppt/slides/slide15.xml><?xml version="1.0" encoding="utf-8"?>
 <p:sld xmlns:a="http://schemas.openxmlformats.org/drawingml/2006/main" xmlns:r="http://schemas.openxmlformats.org/officeDocument/2006/relationships" xmlns:p="http://schemas.openxmlformats.org/presentationml/2006/main">
   <p:cSld>
     <p:spTree>
@@ -8130,7 +8757,7 @@
 </p:sld>
 </file>
 
-<file path=ppt/slides/slide14.xml><?xml version="1.0" encoding="utf-8"?>
+<file path=ppt/slides/slide16.xml><?xml version="1.0" encoding="utf-8"?>
 <p:sld xmlns:a="http://schemas.openxmlformats.org/drawingml/2006/main" xmlns:r="http://schemas.openxmlformats.org/officeDocument/2006/relationships" xmlns:p="http://schemas.openxmlformats.org/presentationml/2006/main">
   <p:cSld>
     <p:spTree>
@@ -8197,7 +8824,7 @@
 </p:sld>
 </file>
 
-<file path=ppt/slides/slide15.xml><?xml version="1.0" encoding="utf-8"?>
+<file path=ppt/slides/slide17.xml><?xml version="1.0" encoding="utf-8"?>
 <p:sld xmlns:a="http://schemas.openxmlformats.org/drawingml/2006/main" xmlns:r="http://schemas.openxmlformats.org/officeDocument/2006/relationships" xmlns:p="http://schemas.openxmlformats.org/presentationml/2006/main">
   <p:cSld>
     <p:spTree>
@@ -8264,7 +8891,7 @@
 </p:sld>
 </file>
 
-<file path=ppt/slides/slide16.xml><?xml version="1.0" encoding="utf-8"?>
+<file path=ppt/slides/slide18.xml><?xml version="1.0" encoding="utf-8"?>
 <p:sld xmlns:a="http://schemas.openxmlformats.org/drawingml/2006/main" xmlns:r="http://schemas.openxmlformats.org/officeDocument/2006/relationships" xmlns:p="http://schemas.openxmlformats.org/presentationml/2006/main">
   <p:cSld>
     <p:spTree>
@@ -8347,7 +8974,7 @@
 </p:sld>
 </file>
 
-<file path=ppt/slides/slide17.xml><?xml version="1.0" encoding="utf-8"?>
+<file path=ppt/slides/slide19.xml><?xml version="1.0" encoding="utf-8"?>
 <p:sld xmlns:a="http://schemas.openxmlformats.org/drawingml/2006/main" xmlns:r="http://schemas.openxmlformats.org/officeDocument/2006/relationships" xmlns:p="http://schemas.openxmlformats.org/presentationml/2006/main">
   <p:cSld>
     <p:spTree>
@@ -8517,182 +9144,6 @@
     <p:extLst>
       <p:ext uri="{BB962C8B-B14F-4D97-AF65-F5344CB8AC3E}">
         <p14:creationId xmlns:p14="http://schemas.microsoft.com/office/powerpoint/2010/main" val="899617810"/>
-      </p:ext>
-    </p:extLst>
-  </p:cSld>
-  <p:clrMapOvr>
-    <a:masterClrMapping/>
-  </p:clrMapOvr>
-  <p:timing>
-    <p:tnLst>
-      <p:par>
-        <p:cTn id="1" dur="indefinite" restart="never" nodeType="tmRoot"/>
-      </p:par>
-    </p:tnLst>
-  </p:timing>
-</p:sld>
-</file>
-
-<file path=ppt/slides/slide18.xml><?xml version="1.0" encoding="utf-8"?>
-<p:sld xmlns:a="http://schemas.openxmlformats.org/drawingml/2006/main" xmlns:r="http://schemas.openxmlformats.org/officeDocument/2006/relationships" xmlns:p="http://schemas.openxmlformats.org/presentationml/2006/main">
-  <p:cSld>
-    <p:spTree>
-      <p:nvGrpSpPr>
-        <p:cNvPr id="1" name=""/>
-        <p:cNvGrpSpPr/>
-        <p:nvPr/>
-      </p:nvGrpSpPr>
-      <p:grpSpPr>
-        <a:xfrm>
-          <a:off x="0" y="0"/>
-          <a:ext cx="0" cy="0"/>
-          <a:chOff x="0" y="0"/>
-          <a:chExt cx="0" cy="0"/>
-        </a:xfrm>
-      </p:grpSpPr>
-      <p:sp>
-        <p:nvSpPr>
-          <p:cNvPr id="2" name="Title 1"/>
-          <p:cNvSpPr>
-            <a:spLocks noGrp="1"/>
-          </p:cNvSpPr>
-          <p:nvPr>
-            <p:ph type="title"/>
-          </p:nvPr>
-        </p:nvSpPr>
-        <p:spPr/>
-        <p:txBody>
-          <a:bodyPr/>
-          <a:lstStyle/>
-          <a:p>
-            <a:r>
-              <a:rPr lang="en-US" dirty="0" smtClean="0"/>
-              <a:t>Solution</a:t>
-            </a:r>
-            <a:endParaRPr lang="en-US" dirty="0"/>
-          </a:p>
-        </p:txBody>
-      </p:sp>
-      <p:sp>
-        <p:nvSpPr>
-          <p:cNvPr id="3" name="Content Placeholder 2"/>
-          <p:cNvSpPr>
-            <a:spLocks noGrp="1"/>
-          </p:cNvSpPr>
-          <p:nvPr>
-            <p:ph idx="1"/>
-          </p:nvPr>
-        </p:nvSpPr>
-        <p:spPr/>
-        <p:txBody>
-          <a:bodyPr/>
-          <a:lstStyle/>
-          <a:p>
-            <a:r>
-              <a:rPr lang="en-US" dirty="0" smtClean="0"/>
-              <a:t>Write a transform to populate </a:t>
-            </a:r>
-            <a:r>
-              <a:rPr lang="en-US" dirty="0" err="1" smtClean="0"/>
-              <a:t>initialValues</a:t>
-            </a:r>
-            <a:r>
-              <a:rPr lang="en-US" dirty="0" smtClean="0"/>
-              <a:t> on hydrate of the app</a:t>
-            </a:r>
-          </a:p>
-          <a:p>
-            <a:r>
-              <a:rPr lang="en-US" dirty="0"/>
-              <a:t>https://</a:t>
-            </a:r>
-            <a:r>
-              <a:rPr lang="en-US" dirty="0" err="1"/>
-              <a:t>github.com</a:t>
-            </a:r>
-            <a:r>
-              <a:rPr lang="en-US" dirty="0"/>
-              <a:t>/rt2zz/</a:t>
-            </a:r>
-            <a:r>
-              <a:rPr lang="en-US" dirty="0" err="1"/>
-              <a:t>redux-persist#transforms</a:t>
-            </a:r>
-            <a:endParaRPr lang="en-US" dirty="0" smtClean="0"/>
-          </a:p>
-        </p:txBody>
-      </p:sp>
-    </p:spTree>
-    <p:extLst>
-      <p:ext uri="{BB962C8B-B14F-4D97-AF65-F5344CB8AC3E}">
-        <p14:creationId xmlns:p14="http://schemas.microsoft.com/office/powerpoint/2010/main" val="1621720412"/>
-      </p:ext>
-    </p:extLst>
-  </p:cSld>
-  <p:clrMapOvr>
-    <a:masterClrMapping/>
-  </p:clrMapOvr>
-  <p:timing>
-    <p:tnLst>
-      <p:par>
-        <p:cTn id="1" dur="indefinite" restart="never" nodeType="tmRoot"/>
-      </p:par>
-    </p:tnLst>
-  </p:timing>
-</p:sld>
-</file>
-
-<file path=ppt/slides/slide19.xml><?xml version="1.0" encoding="utf-8"?>
-<p:sld xmlns:a="http://schemas.openxmlformats.org/drawingml/2006/main" xmlns:r="http://schemas.openxmlformats.org/officeDocument/2006/relationships" xmlns:p="http://schemas.openxmlformats.org/presentationml/2006/main">
-  <p:cSld>
-    <p:spTree>
-      <p:nvGrpSpPr>
-        <p:cNvPr id="1" name=""/>
-        <p:cNvGrpSpPr/>
-        <p:nvPr/>
-      </p:nvGrpSpPr>
-      <p:grpSpPr>
-        <a:xfrm>
-          <a:off x="0" y="0"/>
-          <a:ext cx="0" cy="0"/>
-          <a:chOff x="0" y="0"/>
-          <a:chExt cx="0" cy="0"/>
-        </a:xfrm>
-      </p:grpSpPr>
-      <p:pic>
-        <p:nvPicPr>
-          <p:cNvPr id="9" name="Picture 8"/>
-          <p:cNvPicPr>
-            <a:picLocks noChangeAspect="1"/>
-          </p:cNvPicPr>
-          <p:nvPr/>
-        </p:nvPicPr>
-        <p:blipFill>
-          <a:blip r:embed="rId3">
-            <a:extLst>
-              <a:ext uri="{28A0092B-C50C-407E-A947-70E740481C1C}">
-                <a14:useLocalDpi xmlns:a14="http://schemas.microsoft.com/office/drawing/2010/main" val="0"/>
-              </a:ext>
-            </a:extLst>
-          </a:blip>
-          <a:stretch>
-            <a:fillRect/>
-          </a:stretch>
-        </p:blipFill>
-        <p:spPr>
-          <a:xfrm>
-            <a:off x="2413000" y="0"/>
-            <a:ext cx="7350695" cy="6858000"/>
-          </a:xfrm>
-          <a:prstGeom prst="rect">
-            <a:avLst/>
-          </a:prstGeom>
-        </p:spPr>
-      </p:pic>
-    </p:spTree>
-    <p:extLst>
-      <p:ext uri="{BB962C8B-B14F-4D97-AF65-F5344CB8AC3E}">
-        <p14:creationId xmlns:p14="http://schemas.microsoft.com/office/powerpoint/2010/main" val="858867682"/>
       </p:ext>
     </p:extLst>
   </p:cSld>
@@ -8790,6 +9241,182 @@
             <p:ph type="title"/>
           </p:nvPr>
         </p:nvSpPr>
+        <p:spPr/>
+        <p:txBody>
+          <a:bodyPr/>
+          <a:lstStyle/>
+          <a:p>
+            <a:r>
+              <a:rPr lang="en-US" dirty="0" smtClean="0"/>
+              <a:t>Solution</a:t>
+            </a:r>
+            <a:endParaRPr lang="en-US" dirty="0"/>
+          </a:p>
+        </p:txBody>
+      </p:sp>
+      <p:sp>
+        <p:nvSpPr>
+          <p:cNvPr id="3" name="Content Placeholder 2"/>
+          <p:cNvSpPr>
+            <a:spLocks noGrp="1"/>
+          </p:cNvSpPr>
+          <p:nvPr>
+            <p:ph idx="1"/>
+          </p:nvPr>
+        </p:nvSpPr>
+        <p:spPr/>
+        <p:txBody>
+          <a:bodyPr/>
+          <a:lstStyle/>
+          <a:p>
+            <a:r>
+              <a:rPr lang="en-US" dirty="0" smtClean="0"/>
+              <a:t>Write a transform to populate </a:t>
+            </a:r>
+            <a:r>
+              <a:rPr lang="en-US" dirty="0" err="1" smtClean="0"/>
+              <a:t>initialValues</a:t>
+            </a:r>
+            <a:r>
+              <a:rPr lang="en-US" dirty="0" smtClean="0"/>
+              <a:t> on hydrate of the app</a:t>
+            </a:r>
+          </a:p>
+          <a:p>
+            <a:r>
+              <a:rPr lang="en-US" dirty="0"/>
+              <a:t>https://</a:t>
+            </a:r>
+            <a:r>
+              <a:rPr lang="en-US" dirty="0" err="1"/>
+              <a:t>github.com</a:t>
+            </a:r>
+            <a:r>
+              <a:rPr lang="en-US" dirty="0"/>
+              <a:t>/rt2zz/</a:t>
+            </a:r>
+            <a:r>
+              <a:rPr lang="en-US" dirty="0" err="1"/>
+              <a:t>redux-persist#transforms</a:t>
+            </a:r>
+            <a:endParaRPr lang="en-US" dirty="0" smtClean="0"/>
+          </a:p>
+        </p:txBody>
+      </p:sp>
+    </p:spTree>
+    <p:extLst>
+      <p:ext uri="{BB962C8B-B14F-4D97-AF65-F5344CB8AC3E}">
+        <p14:creationId xmlns:p14="http://schemas.microsoft.com/office/powerpoint/2010/main" val="1621720412"/>
+      </p:ext>
+    </p:extLst>
+  </p:cSld>
+  <p:clrMapOvr>
+    <a:masterClrMapping/>
+  </p:clrMapOvr>
+  <p:timing>
+    <p:tnLst>
+      <p:par>
+        <p:cTn id="1" dur="indefinite" restart="never" nodeType="tmRoot"/>
+      </p:par>
+    </p:tnLst>
+  </p:timing>
+</p:sld>
+</file>
+
+<file path=ppt/slides/slide21.xml><?xml version="1.0" encoding="utf-8"?>
+<p:sld xmlns:a="http://schemas.openxmlformats.org/drawingml/2006/main" xmlns:r="http://schemas.openxmlformats.org/officeDocument/2006/relationships" xmlns:p="http://schemas.openxmlformats.org/presentationml/2006/main">
+  <p:cSld>
+    <p:spTree>
+      <p:nvGrpSpPr>
+        <p:cNvPr id="1" name=""/>
+        <p:cNvGrpSpPr/>
+        <p:nvPr/>
+      </p:nvGrpSpPr>
+      <p:grpSpPr>
+        <a:xfrm>
+          <a:off x="0" y="0"/>
+          <a:ext cx="0" cy="0"/>
+          <a:chOff x="0" y="0"/>
+          <a:chExt cx="0" cy="0"/>
+        </a:xfrm>
+      </p:grpSpPr>
+      <p:pic>
+        <p:nvPicPr>
+          <p:cNvPr id="9" name="Picture 8"/>
+          <p:cNvPicPr>
+            <a:picLocks noChangeAspect="1"/>
+          </p:cNvPicPr>
+          <p:nvPr/>
+        </p:nvPicPr>
+        <p:blipFill>
+          <a:blip r:embed="rId3">
+            <a:extLst>
+              <a:ext uri="{28A0092B-C50C-407E-A947-70E740481C1C}">
+                <a14:useLocalDpi xmlns:a14="http://schemas.microsoft.com/office/drawing/2010/main" val="0"/>
+              </a:ext>
+            </a:extLst>
+          </a:blip>
+          <a:stretch>
+            <a:fillRect/>
+          </a:stretch>
+        </p:blipFill>
+        <p:spPr>
+          <a:xfrm>
+            <a:off x="2413000" y="0"/>
+            <a:ext cx="7350695" cy="6858000"/>
+          </a:xfrm>
+          <a:prstGeom prst="rect">
+            <a:avLst/>
+          </a:prstGeom>
+        </p:spPr>
+      </p:pic>
+    </p:spTree>
+    <p:extLst>
+      <p:ext uri="{BB962C8B-B14F-4D97-AF65-F5344CB8AC3E}">
+        <p14:creationId xmlns:p14="http://schemas.microsoft.com/office/powerpoint/2010/main" val="858867682"/>
+      </p:ext>
+    </p:extLst>
+  </p:cSld>
+  <p:clrMapOvr>
+    <a:masterClrMapping/>
+  </p:clrMapOvr>
+  <p:timing>
+    <p:tnLst>
+      <p:par>
+        <p:cTn id="1" dur="indefinite" restart="never" nodeType="tmRoot"/>
+      </p:par>
+    </p:tnLst>
+  </p:timing>
+</p:sld>
+</file>
+
+<file path=ppt/slides/slide22.xml><?xml version="1.0" encoding="utf-8"?>
+<p:sld xmlns:a="http://schemas.openxmlformats.org/drawingml/2006/main" xmlns:r="http://schemas.openxmlformats.org/officeDocument/2006/relationships" xmlns:p="http://schemas.openxmlformats.org/presentationml/2006/main">
+  <p:cSld>
+    <p:spTree>
+      <p:nvGrpSpPr>
+        <p:cNvPr id="1" name=""/>
+        <p:cNvGrpSpPr/>
+        <p:nvPr/>
+      </p:nvGrpSpPr>
+      <p:grpSpPr>
+        <a:xfrm>
+          <a:off x="0" y="0"/>
+          <a:ext cx="0" cy="0"/>
+          <a:chOff x="0" y="0"/>
+          <a:chExt cx="0" cy="0"/>
+        </a:xfrm>
+      </p:grpSpPr>
+      <p:sp>
+        <p:nvSpPr>
+          <p:cNvPr id="2" name="Title 1"/>
+          <p:cNvSpPr>
+            <a:spLocks noGrp="1"/>
+          </p:cNvSpPr>
+          <p:nvPr>
+            <p:ph type="title"/>
+          </p:nvPr>
+        </p:nvSpPr>
         <p:spPr>
           <a:xfrm>
             <a:off x="1446834" y="2784234"/>
@@ -8838,7 +9465,7 @@
 </p:sld>
 </file>
 
-<file path=ppt/slides/slide21.xml><?xml version="1.0" encoding="utf-8"?>
+<file path=ppt/slides/slide23.xml><?xml version="1.0" encoding="utf-8"?>
 <p:sld xmlns:a="http://schemas.openxmlformats.org/drawingml/2006/main" xmlns:r="http://schemas.openxmlformats.org/officeDocument/2006/relationships" xmlns:p="http://schemas.openxmlformats.org/presentationml/2006/main">
   <p:cSld>
     <p:spTree>
@@ -8955,7 +9582,7 @@
 </p:sld>
 </file>
 
-<file path=ppt/slides/slide22.xml><?xml version="1.0" encoding="utf-8"?>
+<file path=ppt/slides/slide24.xml><?xml version="1.0" encoding="utf-8"?>
 <p:sld xmlns:a="http://schemas.openxmlformats.org/drawingml/2006/main" xmlns:r="http://schemas.openxmlformats.org/officeDocument/2006/relationships" xmlns:p="http://schemas.openxmlformats.org/presentationml/2006/main">
   <p:cSld>
     <p:spTree>
@@ -8989,7 +9616,7 @@
           <a:p>
             <a:r>
               <a:rPr lang="en-US" dirty="0" smtClean="0"/>
-              <a:t>Limitations</a:t>
+              <a:t>Limitations of this these examples</a:t>
             </a:r>
             <a:endParaRPr lang="en-US" dirty="0"/>
           </a:p>
@@ -9014,13 +9641,21 @@
               <a:rPr lang="en-US" dirty="0" smtClean="0"/>
               <a:t>Not automatically saving user’s data when they come back online</a:t>
             </a:r>
-            <a:endParaRPr lang="en-US" dirty="0"/>
           </a:p>
           <a:p>
             <a:r>
               <a:rPr lang="en-US" dirty="0" smtClean="0"/>
-              <a:t>Limited by expo’s background</a:t>
-            </a:r>
+              <a:t>This could easily be done with in the higher order component when the </a:t>
+            </a:r>
+            <a:r>
+              <a:rPr lang="en-US" dirty="0" err="1" smtClean="0"/>
+              <a:t>isConnected</a:t>
+            </a:r>
+            <a:r>
+              <a:rPr lang="en-US" dirty="0" smtClean="0"/>
+              <a:t> Boolean changes</a:t>
+            </a:r>
+            <a:endParaRPr lang="en-US" dirty="0" smtClean="0"/>
           </a:p>
         </p:txBody>
       </p:sp>
@@ -9037,7 +9672,7 @@
 </p:sld>
 </file>
 
-<file path=ppt/slides/slide23.xml><?xml version="1.0" encoding="utf-8"?>
+<file path=ppt/slides/slide25.xml><?xml version="1.0" encoding="utf-8"?>
 <p:sld xmlns:a="http://schemas.openxmlformats.org/drawingml/2006/main" xmlns:r="http://schemas.openxmlformats.org/officeDocument/2006/relationships" xmlns:p="http://schemas.openxmlformats.org/presentationml/2006/main">
   <p:cSld>
     <p:spTree>
@@ -9253,37 +9888,19 @@
             </a:r>
             <a:r>
               <a:rPr lang="en-US" dirty="0" smtClean="0"/>
-              <a:t>online? We only want to </a:t>
-            </a:r>
+              <a:t>“online” and what does that mean? </a:t>
+            </a:r>
+          </a:p>
+          <a:p>
             <a:r>
               <a:rPr lang="en-US" dirty="0" smtClean="0"/>
-              <a:t>allow users to submit data if they have a </a:t>
-            </a:r>
+              <a:t>If a user is offline, how do we save data for later use and make sure the data is saved in a usable format?</a:t>
+            </a:r>
+          </a:p>
+          <a:p>
             <a:r>
               <a:rPr lang="en-US" dirty="0" smtClean="0"/>
-              <a:t>connection that works.</a:t>
-            </a:r>
-            <a:endParaRPr lang="en-US" dirty="0" smtClean="0"/>
-          </a:p>
-          <a:p>
-            <a:r>
-              <a:rPr lang="en-US" dirty="0" smtClean="0"/>
-              <a:t>If a user is offline, how do we save </a:t>
-            </a:r>
-            <a:r>
-              <a:rPr lang="en-US" dirty="0" smtClean="0"/>
-              <a:t>data for later </a:t>
-            </a:r>
-            <a:r>
-              <a:rPr lang="en-US" dirty="0" smtClean="0"/>
-              <a:t>use?</a:t>
-            </a:r>
-            <a:endParaRPr lang="en-US" dirty="0" smtClean="0"/>
-          </a:p>
-          <a:p>
-            <a:r>
-              <a:rPr lang="en-US" dirty="0" smtClean="0"/>
-              <a:t>How do we make this </a:t>
+              <a:t>How do we make offline access </a:t>
             </a:r>
             <a:r>
               <a:rPr lang="en-US" dirty="0" smtClean="0"/>
@@ -9303,7 +9920,15 @@
           <a:p>
             <a:r>
               <a:rPr lang="en-US" dirty="0" smtClean="0"/>
-              <a:t>Should we automatically try and do stuff with saved data when a user comes back online? (no for this example)</a:t>
+              <a:t>Should we automatically try and do stuff with saved data when a user comes back online? (no for this example </a:t>
+            </a:r>
+            <a:r>
+              <a:rPr lang="mr-IN" dirty="0" smtClean="0"/>
+              <a:t>–</a:t>
+            </a:r>
+            <a:r>
+              <a:rPr lang="en-US" dirty="0" smtClean="0"/>
+              <a:t> but easy to implement)</a:t>
             </a:r>
             <a:endParaRPr lang="en-US" dirty="0" smtClean="0"/>
           </a:p>
@@ -9361,7 +9986,7 @@
           <a:p>
             <a:r>
               <a:rPr lang="en-US" dirty="0" smtClean="0"/>
-              <a:t>Stuff you will see in this talk</a:t>
+              <a:t>Tech you will see in this talk</a:t>
             </a:r>
             <a:endParaRPr lang="en-US" dirty="0"/>
           </a:p>
@@ -9634,53 +10259,127 @@
           <a:chExt cx="0" cy="0"/>
         </a:xfrm>
       </p:grpSpPr>
-      <p:pic>
-        <p:nvPicPr>
-          <p:cNvPr id="7" name="Picture 6"/>
-          <p:cNvPicPr>
-            <a:picLocks noChangeAspect="1"/>
-          </p:cNvPicPr>
-          <p:nvPr/>
-        </p:nvPicPr>
-        <p:blipFill>
-          <a:blip r:embed="rId2">
-            <a:extLst>
-              <a:ext uri="{28A0092B-C50C-407E-A947-70E740481C1C}">
-                <a14:useLocalDpi xmlns:a14="http://schemas.microsoft.com/office/drawing/2010/main" val="0"/>
-              </a:ext>
-            </a:extLst>
-          </a:blip>
-          <a:stretch>
-            <a:fillRect/>
-          </a:stretch>
-        </p:blipFill>
-        <p:spPr>
-          <a:xfrm>
-            <a:off x="431800" y="0"/>
-            <a:ext cx="11325241" cy="6858000"/>
-          </a:xfrm>
-          <a:prstGeom prst="rect">
-            <a:avLst/>
-          </a:prstGeom>
-        </p:spPr>
-      </p:pic>
+      <p:sp>
+        <p:nvSpPr>
+          <p:cNvPr id="2" name="Title 1"/>
+          <p:cNvSpPr>
+            <a:spLocks noGrp="1"/>
+          </p:cNvSpPr>
+          <p:nvPr>
+            <p:ph type="title"/>
+          </p:nvPr>
+        </p:nvSpPr>
+        <p:spPr/>
+        <p:txBody>
+          <a:bodyPr/>
+          <a:lstStyle/>
+          <a:p>
+            <a:r>
+              <a:rPr lang="en-US" dirty="0" smtClean="0"/>
+              <a:t>How does it work?</a:t>
+            </a:r>
+            <a:endParaRPr lang="en-US" dirty="0"/>
+          </a:p>
+        </p:txBody>
+      </p:sp>
+      <p:sp>
+        <p:nvSpPr>
+          <p:cNvPr id="3" name="Content Placeholder 2"/>
+          <p:cNvSpPr>
+            <a:spLocks noGrp="1"/>
+          </p:cNvSpPr>
+          <p:nvPr>
+            <p:ph idx="1"/>
+          </p:nvPr>
+        </p:nvSpPr>
+        <p:spPr/>
+        <p:txBody>
+          <a:bodyPr/>
+          <a:lstStyle/>
+          <a:p>
+            <a:r>
+              <a:rPr lang="en-US" dirty="0" smtClean="0"/>
+              <a:t>Uses the </a:t>
+            </a:r>
+            <a:r>
+              <a:rPr lang="en-US" dirty="0" smtClean="0">
+                <a:hlinkClick r:id="rId3"/>
+              </a:rPr>
+              <a:t>NetInfo </a:t>
+            </a:r>
+            <a:r>
+              <a:rPr lang="en-US" dirty="0" smtClean="0"/>
+              <a:t>module from RN under the hood.</a:t>
+            </a:r>
+          </a:p>
+          <a:p>
+            <a:r>
+              <a:rPr lang="en-US" dirty="0" err="1" smtClean="0"/>
+              <a:t>NetInfo</a:t>
+            </a:r>
+            <a:r>
+              <a:rPr lang="en-US" dirty="0"/>
+              <a:t> </a:t>
+            </a:r>
+            <a:r>
+              <a:rPr lang="en-US" dirty="0" smtClean="0"/>
+              <a:t>by itself presents downside, its </a:t>
+            </a:r>
+            <a:r>
+              <a:rPr lang="en-US" dirty="0"/>
+              <a:t>API allows you to detect network connectivity, but </a:t>
+            </a:r>
+            <a:r>
+              <a:rPr lang="en-US" b="1" dirty="0"/>
+              <a:t>it does not guarantee you can exchange data with a remote server even though it reports you are connected.</a:t>
+            </a:r>
+            <a:endParaRPr lang="en-US" dirty="0"/>
+          </a:p>
+          <a:p>
+            <a:r>
+              <a:rPr lang="en-US" dirty="0"/>
+              <a:t>I</a:t>
+            </a:r>
+            <a:r>
+              <a:rPr lang="en-US" dirty="0" smtClean="0"/>
+              <a:t>t can tell if you actually have connectivity by pinging </a:t>
+            </a:r>
+            <a:r>
+              <a:rPr lang="en-US" dirty="0"/>
+              <a:t>a remote </a:t>
+            </a:r>
+            <a:r>
+              <a:rPr lang="en-US" dirty="0" smtClean="0"/>
+              <a:t>server of your choice </a:t>
+            </a:r>
+            <a:r>
+              <a:rPr lang="en-US" dirty="0"/>
+              <a:t>using a http HEAD </a:t>
+            </a:r>
+            <a:r>
+              <a:rPr lang="en-US" dirty="0" smtClean="0"/>
+              <a:t>request.</a:t>
+            </a:r>
+          </a:p>
+          <a:p>
+            <a:r>
+              <a:rPr lang="en-US" dirty="0" smtClean="0"/>
+              <a:t>Can be integrated directly with redux if you like.</a:t>
+            </a:r>
+            <a:endParaRPr lang="en-US" dirty="0"/>
+          </a:p>
+        </p:txBody>
+      </p:sp>
     </p:spTree>
     <p:extLst>
       <p:ext uri="{BB962C8B-B14F-4D97-AF65-F5344CB8AC3E}">
-        <p14:creationId xmlns:p14="http://schemas.microsoft.com/office/powerpoint/2010/main" val="265815516"/>
+        <p14:creationId xmlns:p14="http://schemas.microsoft.com/office/powerpoint/2010/main" val="1089417864"/>
       </p:ext>
     </p:extLst>
   </p:cSld>
   <p:clrMapOvr>
     <a:masterClrMapping/>
   </p:clrMapOvr>
-  <p:timing>
-    <p:tnLst>
-      <p:par>
-        <p:cTn id="1" dur="indefinite" restart="never" nodeType="tmRoot"/>
-      </p:par>
-    </p:tnLst>
-  </p:timing>
 </p:sld>
 </file>
 
@@ -9833,7 +10532,7 @@
       </p:grpSpPr>
       <p:pic>
         <p:nvPicPr>
-          <p:cNvPr id="2" name="Picture 1"/>
+          <p:cNvPr id="7" name="Picture 6"/>
           <p:cNvPicPr>
             <a:picLocks noChangeAspect="1"/>
           </p:cNvPicPr>
@@ -9853,8 +10552,8 @@
         </p:blipFill>
         <p:spPr>
           <a:xfrm>
-            <a:off x="1845129" y="-327671"/>
-            <a:ext cx="8362357" cy="7544900"/>
+            <a:off x="431800" y="0"/>
+            <a:ext cx="11325241" cy="6858000"/>
           </a:xfrm>
           <a:prstGeom prst="rect">
             <a:avLst/>
@@ -9864,7 +10563,7 @@
     </p:spTree>
     <p:extLst>
       <p:ext uri="{BB962C8B-B14F-4D97-AF65-F5344CB8AC3E}">
-        <p14:creationId xmlns:p14="http://schemas.microsoft.com/office/powerpoint/2010/main" val="338398623"/>
+        <p14:creationId xmlns:p14="http://schemas.microsoft.com/office/powerpoint/2010/main" val="265815516"/>
       </p:ext>
     </p:extLst>
   </p:cSld>
